--- a/BLE蓝牙低功耗简介.pptx
+++ b/BLE蓝牙低功耗简介.pptx
@@ -6,10 +6,35 @@
   </p:sldMasterIdLst>
   <p:sldIdLst>
     <p:sldId id="259" r:id="rId3"/>
-    <p:sldId id="260" r:id="rId4"/>
-    <p:sldId id="261" r:id="rId5"/>
-    <p:sldId id="263" r:id="rId6"/>
-    <p:sldId id="264" r:id="rId7"/>
+    <p:sldId id="276" r:id="rId4"/>
+    <p:sldId id="268" r:id="rId5"/>
+    <p:sldId id="266" r:id="rId6"/>
+    <p:sldId id="267" r:id="rId7"/>
+    <p:sldId id="291" r:id="rId8"/>
+    <p:sldId id="305" r:id="rId9"/>
+    <p:sldId id="302" r:id="rId10"/>
+    <p:sldId id="303" r:id="rId11"/>
+    <p:sldId id="304" r:id="rId12"/>
+    <p:sldId id="306" r:id="rId13"/>
+    <p:sldId id="307" r:id="rId14"/>
+    <p:sldId id="308" r:id="rId15"/>
+    <p:sldId id="309" r:id="rId16"/>
+    <p:sldId id="310" r:id="rId17"/>
+    <p:sldId id="270" r:id="rId18"/>
+    <p:sldId id="273" r:id="rId19"/>
+    <p:sldId id="277" r:id="rId20"/>
+    <p:sldId id="278" r:id="rId21"/>
+    <p:sldId id="279" r:id="rId22"/>
+    <p:sldId id="280" r:id="rId23"/>
+    <p:sldId id="281" r:id="rId24"/>
+    <p:sldId id="283" r:id="rId25"/>
+    <p:sldId id="284" r:id="rId26"/>
+    <p:sldId id="285" r:id="rId27"/>
+    <p:sldId id="286" r:id="rId28"/>
+    <p:sldId id="287" r:id="rId29"/>
+    <p:sldId id="288" r:id="rId30"/>
+    <p:sldId id="289" r:id="rId31"/>
+    <p:sldId id="290" r:id="rId32"/>
   </p:sldIdLst>
   <p:sldSz cx="12192000" cy="6858000"/>
   <p:notesSz cx="7103745" cy="10234295"/>
@@ -4622,9 +4647,20 @@
 </p:sld>
 </file>
 
-<file path=ppt/slides/slide2.xml><?xml version="1.0" encoding="utf-8"?>
+<file path=ppt/slides/slide10.xml><?xml version="1.0" encoding="utf-8"?>
 <p:sld xmlns:a="http://schemas.openxmlformats.org/drawingml/2006/main" xmlns:r="http://schemas.openxmlformats.org/officeDocument/2006/relationships" xmlns:p="http://schemas.openxmlformats.org/presentationml/2006/main">
   <p:cSld>
+    <p:bg>
+      <p:bgPr>
+        <a:blipFill rotWithShape="0">
+          <a:blip r:embed="rId1"/>
+          <a:stretch>
+            <a:fillRect/>
+          </a:stretch>
+        </a:blipFill>
+        <a:effectLst/>
+      </p:bgPr>
+    </p:bg>
     <p:spTree>
       <p:nvGrpSpPr>
         <p:cNvPr id="1" name=""/>
@@ -4634,7 +4670,7 @@
       <p:grpSpPr/>
       <p:sp>
         <p:nvSpPr>
-          <p:cNvPr id="4098" name="Rectangle 4"/>
+          <p:cNvPr id="5122" name="Rectangle 2"/>
           <p:cNvSpPr>
             <a:spLocks noGrp="1"/>
           </p:cNvSpPr>
@@ -4644,8 +4680,8 @@
         </p:nvSpPr>
         <p:spPr>
           <a:xfrm>
-            <a:off x="2209800" y="266700"/>
-            <a:ext cx="3810000" cy="571500"/>
+            <a:off x="3352800" y="152400"/>
+            <a:ext cx="5410200" cy="457200"/>
           </a:xfrm>
         </p:spPr>
         <p:txBody>
@@ -4653,37 +4689,784 @@
           <a:p>
             <a:pPr algn="ctr" eaLnBrk="1" hangingPunct="1"/>
             <a:r>
-              <a:rPr lang="zh-CN" altLang="en-US" sz="2800" dirty="0">
-                <a:solidFill>
-                  <a:srgbClr val="00CC00"/>
-                </a:solidFill>
-                <a:ea typeface="宋体" panose="02010600030101010101" pitchFamily="2" charset="-122"/>
-              </a:rPr>
-              <a:t>物联网</a:t>
+              <a:rPr lang="en-US" altLang="zh-CN" dirty="0">
+                <a:solidFill>
+                  <a:schemeClr val="bg1"/>
+                </a:solidFill>
+                <a:ea typeface="宋体" panose="02010600030101010101" pitchFamily="2" charset="-122"/>
+              </a:rPr>
+              <a:t>键盘应用</a:t>
+            </a:r>
+            <a:endParaRPr lang="en-US" altLang="zh-CN" dirty="0">
+              <a:solidFill>
+                <a:schemeClr val="bg1"/>
+              </a:solidFill>
+              <a:ea typeface="宋体" panose="02010600030101010101" pitchFamily="2" charset="-122"/>
+            </a:endParaRPr>
+          </a:p>
+        </p:txBody>
+      </p:sp>
+      <p:pic>
+        <p:nvPicPr>
+          <p:cNvPr id="2" name="图片 1"/>
+          <p:cNvPicPr>
+            <a:picLocks noChangeAspect="1"/>
+          </p:cNvPicPr>
+          <p:nvPr/>
+        </p:nvPicPr>
+        <p:blipFill>
+          <a:blip r:embed="rId2"/>
+          <a:stretch>
+            <a:fillRect/>
+          </a:stretch>
+        </p:blipFill>
+        <p:spPr>
+          <a:xfrm>
+            <a:off x="2605405" y="1736725"/>
+            <a:ext cx="6981190" cy="3075940"/>
+          </a:xfrm>
+          <a:prstGeom prst="rect">
+            <a:avLst/>
+          </a:prstGeom>
+        </p:spPr>
+      </p:pic>
+    </p:spTree>
+  </p:cSld>
+  <p:clrMapOvr>
+    <a:masterClrMapping/>
+  </p:clrMapOvr>
+  <p:transition spd="med"/>
+</p:sld>
+</file>
+
+<file path=ppt/slides/slide11.xml><?xml version="1.0" encoding="utf-8"?>
+<p:sld xmlns:a="http://schemas.openxmlformats.org/drawingml/2006/main" xmlns:r="http://schemas.openxmlformats.org/officeDocument/2006/relationships" xmlns:p="http://schemas.openxmlformats.org/presentationml/2006/main">
+  <p:cSld>
+    <p:bg>
+      <p:bgPr>
+        <a:blipFill rotWithShape="0">
+          <a:blip r:embed="rId1"/>
+          <a:stretch>
+            <a:fillRect/>
+          </a:stretch>
+        </a:blipFill>
+        <a:effectLst/>
+      </p:bgPr>
+    </p:bg>
+    <p:spTree>
+      <p:nvGrpSpPr>
+        <p:cNvPr id="1" name=""/>
+        <p:cNvGrpSpPr/>
+        <p:nvPr/>
+      </p:nvGrpSpPr>
+      <p:grpSpPr/>
+      <p:sp>
+        <p:nvSpPr>
+          <p:cNvPr id="5122" name="Rectangle 2"/>
+          <p:cNvSpPr>
+            <a:spLocks noGrp="1"/>
+          </p:cNvSpPr>
+          <p:nvPr>
+            <p:ph type="title"/>
+          </p:nvPr>
+        </p:nvSpPr>
+        <p:spPr>
+          <a:xfrm>
+            <a:off x="3352800" y="152400"/>
+            <a:ext cx="5410200" cy="457200"/>
+          </a:xfrm>
+        </p:spPr>
+        <p:txBody>
+          <a:bodyPr vert="horz" wrap="square" lIns="91440" tIns="45720" rIns="91440" bIns="45720" anchor="ctr"/>
+          <a:p>
+            <a:pPr algn="ctr" eaLnBrk="1" hangingPunct="1"/>
+            <a:r>
+              <a:rPr lang="en-US" altLang="zh-CN" dirty="0">
+                <a:solidFill>
+                  <a:schemeClr val="bg1"/>
+                </a:solidFill>
+                <a:ea typeface="宋体" panose="02010600030101010101" pitchFamily="2" charset="-122"/>
+              </a:rPr>
+              <a:t>娱乐游戏应用</a:t>
+            </a:r>
+            <a:endParaRPr lang="en-US" altLang="zh-CN" dirty="0">
+              <a:solidFill>
+                <a:schemeClr val="bg1"/>
+              </a:solidFill>
+              <a:ea typeface="宋体" panose="02010600030101010101" pitchFamily="2" charset="-122"/>
+            </a:endParaRPr>
+          </a:p>
+        </p:txBody>
+      </p:sp>
+      <p:pic>
+        <p:nvPicPr>
+          <p:cNvPr id="3" name="图片 2"/>
+          <p:cNvPicPr>
+            <a:picLocks noChangeAspect="1"/>
+          </p:cNvPicPr>
+          <p:nvPr/>
+        </p:nvPicPr>
+        <p:blipFill>
+          <a:blip r:embed="rId2"/>
+          <a:stretch>
+            <a:fillRect/>
+          </a:stretch>
+        </p:blipFill>
+        <p:spPr>
+          <a:xfrm>
+            <a:off x="2433955" y="1066800"/>
+            <a:ext cx="7324090" cy="4723765"/>
+          </a:xfrm>
+          <a:prstGeom prst="rect">
+            <a:avLst/>
+          </a:prstGeom>
+        </p:spPr>
+      </p:pic>
+    </p:spTree>
+  </p:cSld>
+  <p:clrMapOvr>
+    <a:masterClrMapping/>
+  </p:clrMapOvr>
+  <p:transition spd="med"/>
+</p:sld>
+</file>
+
+<file path=ppt/slides/slide12.xml><?xml version="1.0" encoding="utf-8"?>
+<p:sld xmlns:a="http://schemas.openxmlformats.org/drawingml/2006/main" xmlns:r="http://schemas.openxmlformats.org/officeDocument/2006/relationships" xmlns:p="http://schemas.openxmlformats.org/presentationml/2006/main">
+  <p:cSld>
+    <p:bg>
+      <p:bgPr>
+        <a:blipFill rotWithShape="0">
+          <a:blip r:embed="rId1"/>
+          <a:stretch>
+            <a:fillRect/>
+          </a:stretch>
+        </a:blipFill>
+        <a:effectLst/>
+      </p:bgPr>
+    </p:bg>
+    <p:spTree>
+      <p:nvGrpSpPr>
+        <p:cNvPr id="1" name=""/>
+        <p:cNvGrpSpPr/>
+        <p:nvPr/>
+      </p:nvGrpSpPr>
+      <p:grpSpPr/>
+      <p:sp>
+        <p:nvSpPr>
+          <p:cNvPr id="5122" name="Rectangle 2"/>
+          <p:cNvSpPr>
+            <a:spLocks noGrp="1"/>
+          </p:cNvSpPr>
+          <p:nvPr>
+            <p:ph type="title"/>
+          </p:nvPr>
+        </p:nvSpPr>
+        <p:spPr>
+          <a:xfrm>
+            <a:off x="3352800" y="152400"/>
+            <a:ext cx="5410200" cy="457200"/>
+          </a:xfrm>
+        </p:spPr>
+        <p:txBody>
+          <a:bodyPr vert="horz" wrap="square" lIns="91440" tIns="45720" rIns="91440" bIns="45720" anchor="ctr"/>
+          <a:p>
+            <a:pPr algn="ctr" eaLnBrk="1" hangingPunct="1"/>
+            <a:r>
+              <a:rPr lang="en-US" altLang="zh-CN" dirty="0">
+                <a:solidFill>
+                  <a:schemeClr val="bg1"/>
+                </a:solidFill>
+                <a:ea typeface="宋体" panose="02010600030101010101" pitchFamily="2" charset="-122"/>
+              </a:rPr>
+              <a:t>遥控器应用</a:t>
+            </a:r>
+            <a:endParaRPr lang="en-US" altLang="zh-CN" dirty="0">
+              <a:solidFill>
+                <a:schemeClr val="bg1"/>
+              </a:solidFill>
+              <a:ea typeface="宋体" panose="02010600030101010101" pitchFamily="2" charset="-122"/>
+            </a:endParaRPr>
+          </a:p>
+        </p:txBody>
+      </p:sp>
+      <p:pic>
+        <p:nvPicPr>
+          <p:cNvPr id="2" name="图片 1"/>
+          <p:cNvPicPr>
+            <a:picLocks noChangeAspect="1"/>
+          </p:cNvPicPr>
+          <p:nvPr/>
+        </p:nvPicPr>
+        <p:blipFill>
+          <a:blip r:embed="rId2"/>
+          <a:stretch>
+            <a:fillRect/>
+          </a:stretch>
+        </p:blipFill>
+        <p:spPr>
+          <a:xfrm>
+            <a:off x="2466975" y="1571625"/>
+            <a:ext cx="7257415" cy="3714115"/>
+          </a:xfrm>
+          <a:prstGeom prst="rect">
+            <a:avLst/>
+          </a:prstGeom>
+        </p:spPr>
+      </p:pic>
+    </p:spTree>
+  </p:cSld>
+  <p:clrMapOvr>
+    <a:masterClrMapping/>
+  </p:clrMapOvr>
+  <p:transition spd="med"/>
+</p:sld>
+</file>
+
+<file path=ppt/slides/slide13.xml><?xml version="1.0" encoding="utf-8"?>
+<p:sld xmlns:a="http://schemas.openxmlformats.org/drawingml/2006/main" xmlns:r="http://schemas.openxmlformats.org/officeDocument/2006/relationships" xmlns:p="http://schemas.openxmlformats.org/presentationml/2006/main">
+  <p:cSld>
+    <p:bg>
+      <p:bgPr>
+        <a:blipFill rotWithShape="0">
+          <a:blip r:embed="rId1"/>
+          <a:stretch>
+            <a:fillRect/>
+          </a:stretch>
+        </a:blipFill>
+        <a:effectLst/>
+      </p:bgPr>
+    </p:bg>
+    <p:spTree>
+      <p:nvGrpSpPr>
+        <p:cNvPr id="1" name=""/>
+        <p:cNvGrpSpPr/>
+        <p:nvPr/>
+      </p:nvGrpSpPr>
+      <p:grpSpPr/>
+      <p:sp>
+        <p:nvSpPr>
+          <p:cNvPr id="5122" name="Rectangle 2"/>
+          <p:cNvSpPr>
+            <a:spLocks noGrp="1"/>
+          </p:cNvSpPr>
+          <p:nvPr>
+            <p:ph type="title"/>
+          </p:nvPr>
+        </p:nvSpPr>
+        <p:spPr>
+          <a:xfrm>
+            <a:off x="3352800" y="152400"/>
+            <a:ext cx="5410200" cy="457200"/>
+          </a:xfrm>
+        </p:spPr>
+        <p:txBody>
+          <a:bodyPr vert="horz" wrap="square" lIns="91440" tIns="45720" rIns="91440" bIns="45720" anchor="ctr"/>
+          <a:p>
+            <a:pPr algn="ctr" eaLnBrk="1" hangingPunct="1"/>
+            <a:r>
+              <a:rPr lang="en-US" altLang="zh-CN" dirty="0">
+                <a:solidFill>
+                  <a:schemeClr val="bg1"/>
+                </a:solidFill>
+                <a:ea typeface="宋体" panose="02010600030101010101" pitchFamily="2" charset="-122"/>
+              </a:rPr>
+              <a:t>智能家居监控</a:t>
+            </a:r>
+            <a:endParaRPr lang="en-US" altLang="zh-CN" dirty="0">
+              <a:solidFill>
+                <a:schemeClr val="bg1"/>
+              </a:solidFill>
+              <a:ea typeface="宋体" panose="02010600030101010101" pitchFamily="2" charset="-122"/>
+            </a:endParaRPr>
+          </a:p>
+        </p:txBody>
+      </p:sp>
+      <p:pic>
+        <p:nvPicPr>
+          <p:cNvPr id="3" name="图片 2"/>
+          <p:cNvPicPr>
+            <a:picLocks noChangeAspect="1"/>
+          </p:cNvPicPr>
+          <p:nvPr/>
+        </p:nvPicPr>
+        <p:blipFill>
+          <a:blip r:embed="rId2"/>
+          <a:stretch>
+            <a:fillRect/>
+          </a:stretch>
+        </p:blipFill>
+        <p:spPr>
+          <a:xfrm>
+            <a:off x="2943225" y="1714500"/>
+            <a:ext cx="6304915" cy="3428365"/>
+          </a:xfrm>
+          <a:prstGeom prst="rect">
+            <a:avLst/>
+          </a:prstGeom>
+        </p:spPr>
+      </p:pic>
+    </p:spTree>
+  </p:cSld>
+  <p:clrMapOvr>
+    <a:masterClrMapping/>
+  </p:clrMapOvr>
+  <p:transition spd="med"/>
+</p:sld>
+</file>
+
+<file path=ppt/slides/slide14.xml><?xml version="1.0" encoding="utf-8"?>
+<p:sld xmlns:a="http://schemas.openxmlformats.org/drawingml/2006/main" xmlns:r="http://schemas.openxmlformats.org/officeDocument/2006/relationships" xmlns:p="http://schemas.openxmlformats.org/presentationml/2006/main">
+  <p:cSld>
+    <p:bg>
+      <p:bgPr>
+        <a:blipFill rotWithShape="0">
+          <a:blip r:embed="rId1"/>
+          <a:stretch>
+            <a:fillRect/>
+          </a:stretch>
+        </a:blipFill>
+        <a:effectLst/>
+      </p:bgPr>
+    </p:bg>
+    <p:spTree>
+      <p:nvGrpSpPr>
+        <p:cNvPr id="1" name=""/>
+        <p:cNvGrpSpPr/>
+        <p:nvPr/>
+      </p:nvGrpSpPr>
+      <p:grpSpPr/>
+      <p:sp>
+        <p:nvSpPr>
+          <p:cNvPr id="5122" name="Rectangle 2"/>
+          <p:cNvSpPr>
+            <a:spLocks noGrp="1"/>
+          </p:cNvSpPr>
+          <p:nvPr>
+            <p:ph type="title"/>
+          </p:nvPr>
+        </p:nvSpPr>
+        <p:spPr>
+          <a:xfrm>
+            <a:off x="3352800" y="152400"/>
+            <a:ext cx="5410200" cy="457200"/>
+          </a:xfrm>
+        </p:spPr>
+        <p:txBody>
+          <a:bodyPr vert="horz" wrap="square" lIns="91440" tIns="45720" rIns="91440" bIns="45720" anchor="ctr"/>
+          <a:p>
+            <a:pPr algn="ctr" eaLnBrk="1" hangingPunct="1"/>
+            <a:r>
+              <a:rPr lang="en-US" altLang="zh-CN" dirty="0">
+                <a:solidFill>
+                  <a:schemeClr val="bg1"/>
+                </a:solidFill>
+                <a:ea typeface="宋体" panose="02010600030101010101" pitchFamily="2" charset="-122"/>
+              </a:rPr>
+              <a:t>运动休闲</a:t>
+            </a:r>
+            <a:endParaRPr lang="en-US" altLang="zh-CN" dirty="0">
+              <a:solidFill>
+                <a:schemeClr val="bg1"/>
+              </a:solidFill>
+              <a:ea typeface="宋体" panose="02010600030101010101" pitchFamily="2" charset="-122"/>
+            </a:endParaRPr>
+          </a:p>
+        </p:txBody>
+      </p:sp>
+      <p:pic>
+        <p:nvPicPr>
+          <p:cNvPr id="2" name="图片 1"/>
+          <p:cNvPicPr>
+            <a:picLocks noChangeAspect="1"/>
+          </p:cNvPicPr>
+          <p:nvPr/>
+        </p:nvPicPr>
+        <p:blipFill>
+          <a:blip r:embed="rId2"/>
+          <a:stretch>
+            <a:fillRect/>
+          </a:stretch>
+        </p:blipFill>
+        <p:spPr>
+          <a:xfrm>
+            <a:off x="2462530" y="923925"/>
+            <a:ext cx="7045960" cy="4857115"/>
+          </a:xfrm>
+          <a:prstGeom prst="rect">
+            <a:avLst/>
+          </a:prstGeom>
+        </p:spPr>
+      </p:pic>
+    </p:spTree>
+  </p:cSld>
+  <p:clrMapOvr>
+    <a:masterClrMapping/>
+  </p:clrMapOvr>
+  <p:transition spd="med"/>
+</p:sld>
+</file>
+
+<file path=ppt/slides/slide15.xml><?xml version="1.0" encoding="utf-8"?>
+<p:sld xmlns:a="http://schemas.openxmlformats.org/drawingml/2006/main" xmlns:r="http://schemas.openxmlformats.org/officeDocument/2006/relationships" xmlns:p="http://schemas.openxmlformats.org/presentationml/2006/main">
+  <p:cSld>
+    <p:bg>
+      <p:bgPr>
+        <a:blipFill rotWithShape="0">
+          <a:blip r:embed="rId1"/>
+          <a:stretch>
+            <a:fillRect/>
+          </a:stretch>
+        </a:blipFill>
+        <a:effectLst/>
+      </p:bgPr>
+    </p:bg>
+    <p:spTree>
+      <p:nvGrpSpPr>
+        <p:cNvPr id="1" name=""/>
+        <p:cNvGrpSpPr/>
+        <p:nvPr/>
+      </p:nvGrpSpPr>
+      <p:grpSpPr/>
+      <p:sp>
+        <p:nvSpPr>
+          <p:cNvPr id="5122" name="Rectangle 2"/>
+          <p:cNvSpPr>
+            <a:spLocks noGrp="1"/>
+          </p:cNvSpPr>
+          <p:nvPr>
+            <p:ph type="title"/>
+          </p:nvPr>
+        </p:nvSpPr>
+        <p:spPr>
+          <a:xfrm>
+            <a:off x="3352800" y="152400"/>
+            <a:ext cx="5410200" cy="457200"/>
+          </a:xfrm>
+        </p:spPr>
+        <p:txBody>
+          <a:bodyPr vert="horz" wrap="square" lIns="91440" tIns="45720" rIns="91440" bIns="45720" anchor="ctr"/>
+          <a:p>
+            <a:pPr algn="ctr" eaLnBrk="1" hangingPunct="1"/>
+            <a:r>
+              <a:rPr lang="en-US" altLang="zh-CN" dirty="0">
+                <a:solidFill>
+                  <a:schemeClr val="bg1"/>
+                </a:solidFill>
+                <a:ea typeface="宋体" panose="02010600030101010101" pitchFamily="2" charset="-122"/>
+              </a:rPr>
+              <a:t>运动手表</a:t>
+            </a:r>
+            <a:endParaRPr lang="en-US" altLang="zh-CN" dirty="0">
+              <a:solidFill>
+                <a:schemeClr val="bg1"/>
+              </a:solidFill>
+              <a:ea typeface="宋体" panose="02010600030101010101" pitchFamily="2" charset="-122"/>
+            </a:endParaRPr>
+          </a:p>
+        </p:txBody>
+      </p:sp>
+      <p:pic>
+        <p:nvPicPr>
+          <p:cNvPr id="2" name="图片 1"/>
+          <p:cNvPicPr>
+            <a:picLocks noChangeAspect="1"/>
+          </p:cNvPicPr>
+          <p:nvPr/>
+        </p:nvPicPr>
+        <p:blipFill>
+          <a:blip r:embed="rId2"/>
+          <a:stretch>
+            <a:fillRect/>
+          </a:stretch>
+        </p:blipFill>
+        <p:spPr>
+          <a:xfrm>
+            <a:off x="2048510" y="682625"/>
+            <a:ext cx="8094980" cy="5009515"/>
+          </a:xfrm>
+          <a:prstGeom prst="rect">
+            <a:avLst/>
+          </a:prstGeom>
+        </p:spPr>
+      </p:pic>
+    </p:spTree>
+  </p:cSld>
+  <p:clrMapOvr>
+    <a:masterClrMapping/>
+  </p:clrMapOvr>
+  <p:transition spd="med"/>
+</p:sld>
+</file>
+
+<file path=ppt/slides/slide16.xml><?xml version="1.0" encoding="utf-8"?>
+<p:sld xmlns:a="http://schemas.openxmlformats.org/drawingml/2006/main" xmlns:r="http://schemas.openxmlformats.org/officeDocument/2006/relationships" xmlns:p="http://schemas.openxmlformats.org/presentationml/2006/main">
+  <p:cSld>
+    <p:bg>
+      <p:bgPr>
+        <a:blipFill rotWithShape="0">
+          <a:blip r:embed="rId1"/>
+          <a:stretch>
+            <a:fillRect/>
+          </a:stretch>
+        </a:blipFill>
+        <a:effectLst/>
+      </p:bgPr>
+    </p:bg>
+    <p:spTree>
+      <p:nvGrpSpPr>
+        <p:cNvPr id="1" name=""/>
+        <p:cNvGrpSpPr/>
+        <p:nvPr/>
+      </p:nvGrpSpPr>
+      <p:grpSpPr/>
+      <p:sp>
+        <p:nvSpPr>
+          <p:cNvPr id="5122" name="Rectangle 2"/>
+          <p:cNvSpPr>
+            <a:spLocks noGrp="1"/>
+          </p:cNvSpPr>
+          <p:nvPr>
+            <p:ph type="title"/>
+          </p:nvPr>
+        </p:nvSpPr>
+        <p:spPr>
+          <a:xfrm>
+            <a:off x="2900045" y="1767205"/>
+            <a:ext cx="5410200" cy="2070735"/>
+          </a:xfrm>
+        </p:spPr>
+        <p:txBody>
+          <a:bodyPr vert="horz" wrap="square" lIns="91440" tIns="45720" rIns="91440" bIns="45720" anchor="ctr"/>
+          <a:p>
+            <a:pPr algn="ctr" eaLnBrk="1" hangingPunct="1"/>
+            <a:r>
+              <a:rPr lang="en-US" altLang="zh-CN" dirty="0">
+                <a:solidFill>
+                  <a:schemeClr val="bg1"/>
+                </a:solidFill>
+                <a:ea typeface="宋体" panose="02010600030101010101" pitchFamily="2" charset="-122"/>
+              </a:rPr>
+              <a:t>低功耗蓝牙协议栈</a:t>
+            </a:r>
+            <a:br>
+              <a:rPr lang="en-US" altLang="zh-CN" dirty="0">
+                <a:solidFill>
+                  <a:schemeClr val="bg1"/>
+                </a:solidFill>
+                <a:ea typeface="宋体" panose="02010600030101010101" pitchFamily="2" charset="-122"/>
+              </a:rPr>
+            </a:br>
+            <a:r>
+              <a:rPr lang="en-US" altLang="zh-CN" dirty="0">
+                <a:solidFill>
+                  <a:schemeClr val="bg1"/>
+                </a:solidFill>
+                <a:ea typeface="宋体" panose="02010600030101010101" pitchFamily="2" charset="-122"/>
+              </a:rPr>
+              <a:t>Bluetooth Low Energy</a:t>
+            </a:r>
+            <a:br>
+              <a:rPr lang="en-US" altLang="zh-CN" dirty="0">
+                <a:solidFill>
+                  <a:schemeClr val="bg1"/>
+                </a:solidFill>
+                <a:ea typeface="宋体" panose="02010600030101010101" pitchFamily="2" charset="-122"/>
+              </a:rPr>
+            </a:br>
+            <a:r>
+              <a:rPr lang="en-US" altLang="zh-CN" dirty="0">
+                <a:solidFill>
+                  <a:schemeClr val="bg1"/>
+                </a:solidFill>
+                <a:ea typeface="宋体" panose="02010600030101010101" pitchFamily="2" charset="-122"/>
+              </a:rPr>
+              <a:t>Protocol Stack</a:t>
+            </a:r>
+            <a:endParaRPr lang="en-US" altLang="zh-CN" dirty="0">
+              <a:solidFill>
+                <a:schemeClr val="bg1"/>
+              </a:solidFill>
+              <a:ea typeface="宋体" panose="02010600030101010101" pitchFamily="2" charset="-122"/>
+            </a:endParaRPr>
+          </a:p>
+        </p:txBody>
+      </p:sp>
+    </p:spTree>
+  </p:cSld>
+  <p:clrMapOvr>
+    <a:masterClrMapping/>
+  </p:clrMapOvr>
+  <p:transition spd="med"/>
+</p:sld>
+</file>
+
+<file path=ppt/slides/slide17.xml><?xml version="1.0" encoding="utf-8"?>
+<p:sld xmlns:a="http://schemas.openxmlformats.org/drawingml/2006/main" xmlns:r="http://schemas.openxmlformats.org/officeDocument/2006/relationships" xmlns:p="http://schemas.openxmlformats.org/presentationml/2006/main">
+  <p:cSld>
+    <p:bg>
+      <p:bgPr>
+        <a:blipFill rotWithShape="0">
+          <a:blip r:embed="rId1"/>
+          <a:stretch>
+            <a:fillRect/>
+          </a:stretch>
+        </a:blipFill>
+        <a:effectLst/>
+      </p:bgPr>
+    </p:bg>
+    <p:spTree>
+      <p:nvGrpSpPr>
+        <p:cNvPr id="1" name=""/>
+        <p:cNvGrpSpPr/>
+        <p:nvPr/>
+      </p:nvGrpSpPr>
+      <p:grpSpPr/>
+      <p:sp>
+        <p:nvSpPr>
+          <p:cNvPr id="6146" name="Rectangle 2"/>
+          <p:cNvSpPr>
+            <a:spLocks noGrp="1"/>
+          </p:cNvSpPr>
+          <p:nvPr>
+            <p:ph type="title"/>
+          </p:nvPr>
+        </p:nvSpPr>
+        <p:spPr>
+          <a:xfrm>
+            <a:off x="2438400" y="228600"/>
+            <a:ext cx="4801235" cy="609600"/>
+          </a:xfrm>
+        </p:spPr>
+        <p:txBody>
+          <a:bodyPr vert="horz" wrap="square" lIns="91440" tIns="45720" rIns="91440" bIns="45720" anchor="ctr"/>
+          <a:p>
+            <a:pPr algn="ctr" eaLnBrk="1" hangingPunct="1"/>
+            <a:r>
+              <a:rPr lang="zh-CN" altLang="en-US" sz="2800">
+                <a:solidFill>
+                  <a:schemeClr val="bg1"/>
+                </a:solidFill>
+                <a:sym typeface="+mn-ea"/>
+              </a:rPr>
+              <a:t>BLE协议栈的结构</a:t>
             </a:r>
             <a:endParaRPr lang="zh-CN" altLang="en-US" sz="2800" dirty="0">
               <a:solidFill>
-                <a:srgbClr val="00CC00"/>
-              </a:solidFill>
-              <a:ea typeface="宋体" panose="02010600030101010101" pitchFamily="2" charset="-122"/>
-            </a:endParaRPr>
-          </a:p>
-        </p:txBody>
-      </p:sp>
-      <p:sp>
-        <p:nvSpPr>
-          <p:cNvPr id="4099" name="Rectangle 5"/>
-          <p:cNvSpPr>
-            <a:spLocks noGrp="1"/>
-          </p:cNvSpPr>
-          <p:nvPr>
-            <p:ph idx="1"/>
+                <a:schemeClr val="bg1"/>
+              </a:solidFill>
+              <a:ea typeface="宋体" panose="02010600030101010101" pitchFamily="2" charset="-122"/>
+              <a:sym typeface="+mn-ea"/>
+            </a:endParaRPr>
+          </a:p>
+        </p:txBody>
+      </p:sp>
+      <p:pic>
+        <p:nvPicPr>
+          <p:cNvPr id="2" name="图片 1"/>
+          <p:cNvPicPr>
+            <a:picLocks noChangeAspect="1"/>
+          </p:cNvPicPr>
+          <p:nvPr/>
+        </p:nvPicPr>
+        <p:blipFill>
+          <a:blip r:embed="rId2"/>
+          <a:stretch>
+            <a:fillRect/>
+          </a:stretch>
+        </p:blipFill>
+        <p:spPr>
+          <a:xfrm>
+            <a:off x="3630930" y="1024255"/>
+            <a:ext cx="3790315" cy="4809490"/>
+          </a:xfrm>
+          <a:prstGeom prst="rect">
+            <a:avLst/>
+          </a:prstGeom>
+        </p:spPr>
+      </p:pic>
+    </p:spTree>
+  </p:cSld>
+  <p:clrMapOvr>
+    <a:masterClrMapping/>
+  </p:clrMapOvr>
+  <p:transition spd="med"/>
+</p:sld>
+</file>
+
+<file path=ppt/slides/slide18.xml><?xml version="1.0" encoding="utf-8"?>
+<p:sld xmlns:a="http://schemas.openxmlformats.org/drawingml/2006/main" xmlns:r="http://schemas.openxmlformats.org/officeDocument/2006/relationships" xmlns:p="http://schemas.openxmlformats.org/presentationml/2006/main">
+  <p:cSld>
+    <p:bg>
+      <p:bgPr>
+        <a:blipFill rotWithShape="0">
+          <a:blip r:embed="rId1"/>
+          <a:stretch>
+            <a:fillRect/>
+          </a:stretch>
+        </a:blipFill>
+        <a:effectLst/>
+      </p:bgPr>
+    </p:bg>
+    <p:spTree>
+      <p:nvGrpSpPr>
+        <p:cNvPr id="1" name=""/>
+        <p:cNvGrpSpPr/>
+        <p:nvPr/>
+      </p:nvGrpSpPr>
+      <p:grpSpPr/>
+      <p:sp>
+        <p:nvSpPr>
+          <p:cNvPr id="6146" name="Rectangle 2"/>
+          <p:cNvSpPr>
+            <a:spLocks noGrp="1"/>
+          </p:cNvSpPr>
+          <p:nvPr>
+            <p:ph type="title"/>
+          </p:nvPr>
+        </p:nvSpPr>
+        <p:spPr>
+          <a:xfrm>
+            <a:off x="2438400" y="228600"/>
+            <a:ext cx="3352800" cy="609600"/>
+          </a:xfrm>
+        </p:spPr>
+        <p:txBody>
+          <a:bodyPr vert="horz" wrap="square" lIns="91440" tIns="45720" rIns="91440" bIns="45720" anchor="ctr"/>
+          <a:p>
+            <a:pPr algn="ctr" eaLnBrk="1" hangingPunct="1"/>
+            <a:r>
+              <a:rPr lang="en-US" altLang="zh-CN" sz="2800" dirty="0">
+                <a:solidFill>
+                  <a:schemeClr val="bg1"/>
+                </a:solidFill>
+                <a:ea typeface="宋体" panose="02010600030101010101" pitchFamily="2" charset="-122"/>
+              </a:rPr>
+              <a:t>物理层(PHY)</a:t>
+            </a:r>
+            <a:endParaRPr lang="en-US" altLang="zh-CN" sz="2800" dirty="0">
+              <a:solidFill>
+                <a:schemeClr val="bg1"/>
+              </a:solidFill>
+              <a:ea typeface="宋体" panose="02010600030101010101" pitchFamily="2" charset="-122"/>
+            </a:endParaRPr>
+          </a:p>
+        </p:txBody>
+      </p:sp>
+      <p:sp>
+        <p:nvSpPr>
+          <p:cNvPr id="6147" name="Rectangle 3"/>
+          <p:cNvSpPr>
+            <a:spLocks noGrp="1"/>
+          </p:cNvSpPr>
+          <p:nvPr>
+            <p:ph type="body" sz="half" idx="1"/>
           </p:nvPr>
         </p:nvSpPr>
         <p:spPr>
           <a:xfrm>
             <a:off x="2590800" y="990600"/>
-            <a:ext cx="7010400" cy="4724400"/>
+            <a:ext cx="7010400" cy="4800600"/>
           </a:xfrm>
         </p:spPr>
         <p:txBody>
@@ -4693,16 +5476,36 @@
             <a:r>
               <a:rPr lang="en-US" altLang="zh-CN" sz="1600" b="0" dirty="0">
                 <a:solidFill>
-                  <a:schemeClr val="bg1"/>
+                  <a:srgbClr val="00CC00"/>
                 </a:solidFill>
                 <a:latin typeface="Impact" panose="020B0806030902050204" pitchFamily="34" charset="0"/>
                 <a:ea typeface="宋体" panose="02010600030101010101" pitchFamily="2" charset="-122"/>
               </a:rPr>
-              <a:t>物联网（英语：Internet of Things，缩写IoT）是互联网、传统电信网等信息承载体，让所有能行使独立功能的普通物体实现互联互通的网络。</a:t>
+              <a:t> </a:t>
             </a:r>
             <a:endParaRPr lang="en-US" altLang="zh-CN" sz="1600" b="0" dirty="0">
               <a:solidFill>
-                <a:schemeClr val="bg1"/>
+                <a:srgbClr val="00CC00"/>
+              </a:solidFill>
+              <a:latin typeface="Impact" panose="020B0806030902050204" pitchFamily="34" charset="0"/>
+              <a:ea typeface="宋体" panose="02010600030101010101" pitchFamily="2" charset="-122"/>
+            </a:endParaRPr>
+          </a:p>
+          <a:p>
+            <a:pPr marL="0" indent="0" eaLnBrk="1" hangingPunct="1"/>
+            <a:r>
+              <a:rPr lang="en-US" altLang="zh-CN" sz="1600" b="0" dirty="0">
+                <a:solidFill>
+                  <a:srgbClr val="00CC00"/>
+                </a:solidFill>
+                <a:latin typeface="Impact" panose="020B0806030902050204" pitchFamily="34" charset="0"/>
+                <a:ea typeface="宋体" panose="02010600030101010101" pitchFamily="2" charset="-122"/>
+              </a:rPr>
+              <a:t>RF 规格特性</a:t>
+            </a:r>
+            <a:endParaRPr lang="en-US" altLang="zh-CN" sz="1600" b="0" dirty="0">
+              <a:solidFill>
+                <a:srgbClr val="00CC00"/>
               </a:solidFill>
               <a:latin typeface="Impact" panose="020B0806030902050204" pitchFamily="34" charset="0"/>
               <a:ea typeface="宋体" panose="02010600030101010101" pitchFamily="2" charset="-122"/>
@@ -4712,77 +5515,836 @@
             <a:pPr marL="0" indent="0" eaLnBrk="1" hangingPunct="1"/>
             <a:endParaRPr lang="en-US" altLang="zh-CN" sz="1600" b="0" dirty="0">
               <a:solidFill>
+                <a:srgbClr val="00CC00"/>
+              </a:solidFill>
+              <a:latin typeface="Impact" panose="020B0806030902050204" pitchFamily="34" charset="0"/>
+              <a:ea typeface="宋体" panose="02010600030101010101" pitchFamily="2" charset="-122"/>
+            </a:endParaRPr>
+          </a:p>
+          <a:p>
+            <a:pPr marL="285750" indent="-285750" eaLnBrk="1" hangingPunct="1">
+              <a:buFont typeface="Arial" panose="020B0604020202020204" pitchFamily="34" charset="0"/>
+              <a:buChar char="•"/>
+            </a:pPr>
+            <a:r>
+              <a:rPr lang="en-US" altLang="zh-CN" sz="1600" b="0" dirty="0">
+                <a:solidFill>
+                  <a:srgbClr val="00CC00"/>
+                </a:solidFill>
+                <a:latin typeface="Impact" panose="020B0806030902050204" pitchFamily="34" charset="0"/>
+                <a:ea typeface="宋体" panose="02010600030101010101" pitchFamily="2" charset="-122"/>
+              </a:rPr>
+              <a:t>运行在 2.4 GHz ISM band 2.4 GHz ISM band 2.4 GHz ISM band 2.4 GHz ISM band</a:t>
+            </a:r>
+            <a:endParaRPr lang="en-US" altLang="zh-CN" sz="1600" b="0" dirty="0">
+              <a:solidFill>
+                <a:srgbClr val="00CC00"/>
+              </a:solidFill>
+              <a:latin typeface="Impact" panose="020B0806030902050204" pitchFamily="34" charset="0"/>
+              <a:ea typeface="宋体" panose="02010600030101010101" pitchFamily="2" charset="-122"/>
+            </a:endParaRPr>
+          </a:p>
+          <a:p>
+            <a:pPr marL="285750" indent="-285750" eaLnBrk="1" hangingPunct="1">
+              <a:buFont typeface="Arial" panose="020B0604020202020204" pitchFamily="34" charset="0"/>
+              <a:buChar char="•"/>
+            </a:pPr>
+            <a:endParaRPr lang="en-US" altLang="zh-CN" sz="1600" b="0" dirty="0">
+              <a:solidFill>
+                <a:srgbClr val="00CC00"/>
+              </a:solidFill>
+              <a:latin typeface="Impact" panose="020B0806030902050204" pitchFamily="34" charset="0"/>
+              <a:ea typeface="宋体" panose="02010600030101010101" pitchFamily="2" charset="-122"/>
+            </a:endParaRPr>
+          </a:p>
+          <a:p>
+            <a:pPr marL="285750" indent="-285750" eaLnBrk="1" hangingPunct="1">
+              <a:buFont typeface="Arial" panose="020B0604020202020204" pitchFamily="34" charset="0"/>
+              <a:buChar char="•"/>
+            </a:pPr>
+            <a:r>
+              <a:rPr lang="en-US" altLang="zh-CN" sz="1600" b="0" dirty="0">
+                <a:solidFill>
+                  <a:srgbClr val="00CC00"/>
+                </a:solidFill>
+                <a:latin typeface="Impact" panose="020B0806030902050204" pitchFamily="34" charset="0"/>
+                <a:ea typeface="宋体" panose="02010600030101010101" pitchFamily="2" charset="-122"/>
+              </a:rPr>
+              <a:t> 40 频道2 MHz 的通道间隙</a:t>
+            </a:r>
+            <a:endParaRPr lang="en-US" altLang="zh-CN" sz="1600" b="0" dirty="0">
+              <a:solidFill>
+                <a:srgbClr val="00CC00"/>
+              </a:solidFill>
+              <a:latin typeface="Impact" panose="020B0806030902050204" pitchFamily="34" charset="0"/>
+              <a:ea typeface="宋体" panose="02010600030101010101" pitchFamily="2" charset="-122"/>
+            </a:endParaRPr>
+          </a:p>
+          <a:p>
+            <a:pPr marL="457200" lvl="1" indent="0" eaLnBrk="1" hangingPunct="1">
+              <a:buFont typeface="Arial" panose="020B0604020202020204" pitchFamily="34" charset="0"/>
+              <a:buNone/>
+            </a:pPr>
+            <a:r>
+              <a:rPr lang="en-US" altLang="zh-CN" sz="1330" b="0" dirty="0">
+                <a:solidFill>
+                  <a:srgbClr val="00CC00"/>
+                </a:solidFill>
+                <a:latin typeface="Impact" panose="020B0806030902050204" pitchFamily="34" charset="0"/>
+                <a:ea typeface="宋体" panose="02010600030101010101" pitchFamily="2" charset="-122"/>
+              </a:rPr>
+              <a:t>3 个固定的广播通道</a:t>
+            </a:r>
+            <a:endParaRPr lang="en-US" altLang="zh-CN" sz="1330" b="0" dirty="0">
+              <a:solidFill>
+                <a:srgbClr val="00CC00"/>
+              </a:solidFill>
+              <a:latin typeface="Impact" panose="020B0806030902050204" pitchFamily="34" charset="0"/>
+              <a:ea typeface="宋体" panose="02010600030101010101" pitchFamily="2" charset="-122"/>
+            </a:endParaRPr>
+          </a:p>
+          <a:p>
+            <a:pPr marL="457200" lvl="1" indent="0" eaLnBrk="1" hangingPunct="1">
+              <a:buFont typeface="Arial" panose="020B0604020202020204" pitchFamily="34" charset="0"/>
+              <a:buNone/>
+            </a:pPr>
+            <a:r>
+              <a:rPr lang="en-US" altLang="zh-CN" sz="1330" b="0" dirty="0">
+                <a:solidFill>
+                  <a:srgbClr val="00CC00"/>
+                </a:solidFill>
+                <a:latin typeface="Impact" panose="020B0806030902050204" pitchFamily="34" charset="0"/>
+                <a:ea typeface="宋体" panose="02010600030101010101" pitchFamily="2" charset="-122"/>
+              </a:rPr>
+              <a:t>37 个自适应自动跳频数据通道</a:t>
+            </a:r>
+            <a:endParaRPr lang="en-US" altLang="zh-CN" sz="1330" b="0" dirty="0">
+              <a:solidFill>
+                <a:srgbClr val="00CC00"/>
+              </a:solidFill>
+              <a:latin typeface="Impact" panose="020B0806030902050204" pitchFamily="34" charset="0"/>
+              <a:ea typeface="宋体" panose="02010600030101010101" pitchFamily="2" charset="-122"/>
+            </a:endParaRPr>
+          </a:p>
+          <a:p>
+            <a:pPr marL="457200" lvl="1" indent="0" eaLnBrk="1" hangingPunct="1">
+              <a:buFont typeface="Arial" panose="020B0604020202020204" pitchFamily="34" charset="0"/>
+              <a:buNone/>
+            </a:pPr>
+            <a:endParaRPr lang="en-US" altLang="zh-CN" sz="1330" b="0" dirty="0">
+              <a:solidFill>
+                <a:srgbClr val="00CC00"/>
+              </a:solidFill>
+              <a:latin typeface="Impact" panose="020B0806030902050204" pitchFamily="34" charset="0"/>
+              <a:ea typeface="宋体" panose="02010600030101010101" pitchFamily="2" charset="-122"/>
+            </a:endParaRPr>
+          </a:p>
+          <a:p>
+            <a:pPr marL="285750" indent="-285750" eaLnBrk="1" hangingPunct="1">
+              <a:buFont typeface="Arial" panose="020B0604020202020204" pitchFamily="34" charset="0"/>
+              <a:buChar char="•"/>
+            </a:pPr>
+            <a:r>
+              <a:rPr lang="en-US" altLang="zh-CN" sz="1600" b="0" dirty="0">
+                <a:solidFill>
+                  <a:srgbClr val="00CC00"/>
+                </a:solidFill>
+                <a:latin typeface="Impact" panose="020B0806030902050204" pitchFamily="34" charset="0"/>
+                <a:ea typeface="宋体" panose="02010600030101010101" pitchFamily="2" charset="-122"/>
+              </a:rPr>
+              <a:t>物理层可以和经典蓝牙RF组合成双模设备</a:t>
+            </a:r>
+            <a:endParaRPr lang="en-US" altLang="zh-CN" sz="1600" b="0" dirty="0">
+              <a:solidFill>
+                <a:srgbClr val="00CC00"/>
+              </a:solidFill>
+              <a:latin typeface="Impact" panose="020B0806030902050204" pitchFamily="34" charset="0"/>
+              <a:ea typeface="宋体" panose="02010600030101010101" pitchFamily="2" charset="-122"/>
+            </a:endParaRPr>
+          </a:p>
+          <a:p>
+            <a:pPr marL="285750" indent="-285750" eaLnBrk="1" hangingPunct="1">
+              <a:buFont typeface="Arial" panose="020B0604020202020204" pitchFamily="34" charset="0"/>
+              <a:buChar char="•"/>
+            </a:pPr>
+            <a:endParaRPr lang="en-US" altLang="zh-CN" sz="1600" b="0" dirty="0">
+              <a:solidFill>
+                <a:srgbClr val="00CC00"/>
+              </a:solidFill>
+              <a:latin typeface="Impact" panose="020B0806030902050204" pitchFamily="34" charset="0"/>
+              <a:ea typeface="宋体" panose="02010600030101010101" pitchFamily="2" charset="-122"/>
+            </a:endParaRPr>
+          </a:p>
+          <a:p>
+            <a:pPr marL="285750" indent="-285750" eaLnBrk="1" hangingPunct="1">
+              <a:buFont typeface="Arial" panose="020B0604020202020204" pitchFamily="34" charset="0"/>
+              <a:buChar char="•"/>
+            </a:pPr>
+            <a:r>
+              <a:rPr lang="en-US" altLang="zh-CN" sz="1600" b="0" dirty="0">
+                <a:solidFill>
+                  <a:srgbClr val="00CC00"/>
+                </a:solidFill>
+                <a:latin typeface="Impact" panose="020B0806030902050204" pitchFamily="34" charset="0"/>
+                <a:ea typeface="宋体" panose="02010600030101010101" pitchFamily="2" charset="-122"/>
+              </a:rPr>
+              <a:t>2 MHz 间隙能更好地防止相邻频道的干扰</a:t>
+            </a:r>
+            <a:endParaRPr lang="en-US" altLang="zh-CN" sz="1600" b="0" dirty="0">
+              <a:solidFill>
+                <a:srgbClr val="00CC00"/>
+              </a:solidFill>
+              <a:latin typeface="Impact" panose="020B0806030902050204" pitchFamily="34" charset="0"/>
+              <a:ea typeface="宋体" panose="02010600030101010101" pitchFamily="2" charset="-122"/>
+            </a:endParaRPr>
+          </a:p>
+        </p:txBody>
+      </p:sp>
+    </p:spTree>
+  </p:cSld>
+  <p:clrMapOvr>
+    <a:masterClrMapping/>
+  </p:clrMapOvr>
+  <p:transition spd="med"/>
+</p:sld>
+</file>
+
+<file path=ppt/slides/slide19.xml><?xml version="1.0" encoding="utf-8"?>
+<p:sld xmlns:a="http://schemas.openxmlformats.org/drawingml/2006/main" xmlns:r="http://schemas.openxmlformats.org/officeDocument/2006/relationships" xmlns:p="http://schemas.openxmlformats.org/presentationml/2006/main">
+  <p:cSld>
+    <p:bg>
+      <p:bgPr>
+        <a:blipFill rotWithShape="0">
+          <a:blip r:embed="rId1"/>
+          <a:stretch>
+            <a:fillRect/>
+          </a:stretch>
+        </a:blipFill>
+        <a:effectLst/>
+      </p:bgPr>
+    </p:bg>
+    <p:spTree>
+      <p:nvGrpSpPr>
+        <p:cNvPr id="1" name=""/>
+        <p:cNvGrpSpPr/>
+        <p:nvPr/>
+      </p:nvGrpSpPr>
+      <p:grpSpPr/>
+      <p:sp>
+        <p:nvSpPr>
+          <p:cNvPr id="6146" name="Rectangle 2"/>
+          <p:cNvSpPr>
+            <a:spLocks noGrp="1"/>
+          </p:cNvSpPr>
+          <p:nvPr>
+            <p:ph type="title"/>
+          </p:nvPr>
+        </p:nvSpPr>
+        <p:spPr>
+          <a:xfrm>
+            <a:off x="2438400" y="228600"/>
+            <a:ext cx="3728720" cy="609600"/>
+          </a:xfrm>
+        </p:spPr>
+        <p:txBody>
+          <a:bodyPr vert="horz" wrap="square" lIns="91440" tIns="45720" rIns="91440" bIns="45720" anchor="ctr"/>
+          <a:p>
+            <a:pPr algn="ctr" eaLnBrk="1" hangingPunct="1"/>
+            <a:r>
+              <a:rPr lang="en-US" altLang="zh-CN" sz="2800" dirty="0">
+                <a:solidFill>
+                  <a:schemeClr val="bg1"/>
+                </a:solidFill>
+                <a:ea typeface="宋体" panose="02010600030101010101" pitchFamily="2" charset="-122"/>
+              </a:rPr>
+              <a:t>拓扑结构和设备状态</a:t>
+            </a:r>
+            <a:endParaRPr lang="en-US" altLang="zh-CN" sz="2800" dirty="0">
+              <a:solidFill>
                 <a:schemeClr val="bg1"/>
               </a:solidFill>
+              <a:ea typeface="宋体" panose="02010600030101010101" pitchFamily="2" charset="-122"/>
+            </a:endParaRPr>
+          </a:p>
+        </p:txBody>
+      </p:sp>
+      <p:pic>
+        <p:nvPicPr>
+          <p:cNvPr id="3" name="图片 2"/>
+          <p:cNvPicPr>
+            <a:picLocks noChangeAspect="1"/>
+          </p:cNvPicPr>
+          <p:nvPr/>
+        </p:nvPicPr>
+        <p:blipFill>
+          <a:blip r:embed="rId2"/>
+          <a:stretch>
+            <a:fillRect/>
+          </a:stretch>
+        </p:blipFill>
+        <p:spPr>
+          <a:xfrm>
+            <a:off x="1382395" y="2189480"/>
+            <a:ext cx="4784725" cy="2479675"/>
+          </a:xfrm>
+          <a:prstGeom prst="rect">
+            <a:avLst/>
+          </a:prstGeom>
+        </p:spPr>
+      </p:pic>
+      <p:pic>
+        <p:nvPicPr>
+          <p:cNvPr id="4" name="图片 3"/>
+          <p:cNvPicPr>
+            <a:picLocks noChangeAspect="1"/>
+          </p:cNvPicPr>
+          <p:nvPr/>
+        </p:nvPicPr>
+        <p:blipFill>
+          <a:blip r:embed="rId3"/>
+          <a:stretch>
+            <a:fillRect/>
+          </a:stretch>
+        </p:blipFill>
+        <p:spPr>
+          <a:xfrm>
+            <a:off x="6931660" y="1790065"/>
+            <a:ext cx="3900170" cy="3132455"/>
+          </a:xfrm>
+          <a:prstGeom prst="rect">
+            <a:avLst/>
+          </a:prstGeom>
+        </p:spPr>
+      </p:pic>
+    </p:spTree>
+  </p:cSld>
+  <p:clrMapOvr>
+    <a:masterClrMapping/>
+  </p:clrMapOvr>
+  <p:transition spd="med"/>
+</p:sld>
+</file>
+
+<file path=ppt/slides/slide2.xml><?xml version="1.0" encoding="utf-8"?>
+<p:sld xmlns:a="http://schemas.openxmlformats.org/drawingml/2006/main" xmlns:r="http://schemas.openxmlformats.org/officeDocument/2006/relationships" xmlns:p="http://schemas.openxmlformats.org/presentationml/2006/main">
+  <p:cSld>
+    <p:bg>
+      <p:bgPr>
+        <a:blipFill rotWithShape="0">
+          <a:blip r:embed="rId1"/>
+          <a:stretch>
+            <a:fillRect/>
+          </a:stretch>
+        </a:blipFill>
+        <a:effectLst/>
+      </p:bgPr>
+    </p:bg>
+    <p:spTree>
+      <p:nvGrpSpPr>
+        <p:cNvPr id="1" name=""/>
+        <p:cNvGrpSpPr/>
+        <p:nvPr/>
+      </p:nvGrpSpPr>
+      <p:grpSpPr/>
+      <p:sp>
+        <p:nvSpPr>
+          <p:cNvPr id="6146" name="Rectangle 2"/>
+          <p:cNvSpPr>
+            <a:spLocks noGrp="1"/>
+          </p:cNvSpPr>
+          <p:nvPr>
+            <p:ph type="title"/>
+          </p:nvPr>
+        </p:nvSpPr>
+        <p:spPr>
+          <a:xfrm>
+            <a:off x="2438400" y="228600"/>
+            <a:ext cx="3352800" cy="609600"/>
+          </a:xfrm>
+        </p:spPr>
+        <p:txBody>
+          <a:bodyPr vert="horz" wrap="square" lIns="91440" tIns="45720" rIns="91440" bIns="45720" anchor="ctr"/>
+          <a:p>
+            <a:pPr algn="ctr" eaLnBrk="1" hangingPunct="1"/>
+            <a:r>
+              <a:rPr lang="en-US" altLang="zh-CN" sz="2800" dirty="0">
+                <a:solidFill>
+                  <a:srgbClr val="00CC00"/>
+                </a:solidFill>
+                <a:ea typeface="宋体" panose="02010600030101010101" pitchFamily="2" charset="-122"/>
+                <a:sym typeface="+mn-ea"/>
+              </a:rPr>
+              <a:t>什么是低功耗蓝牙?</a:t>
+            </a:r>
+            <a:endParaRPr lang="en-US" altLang="zh-CN" sz="2800" dirty="0">
+              <a:solidFill>
+                <a:schemeClr val="bg1"/>
+              </a:solidFill>
+              <a:ea typeface="宋体" panose="02010600030101010101" pitchFamily="2" charset="-122"/>
+            </a:endParaRPr>
+          </a:p>
+        </p:txBody>
+      </p:sp>
+      <p:sp>
+        <p:nvSpPr>
+          <p:cNvPr id="6147" name="Rectangle 3"/>
+          <p:cNvSpPr>
+            <a:spLocks noGrp="1"/>
+          </p:cNvSpPr>
+          <p:nvPr>
+            <p:ph type="body" sz="half" idx="1"/>
+          </p:nvPr>
+        </p:nvSpPr>
+        <p:spPr>
+          <a:xfrm>
+            <a:off x="2590800" y="990600"/>
+            <a:ext cx="7010400" cy="4800600"/>
+          </a:xfrm>
+        </p:spPr>
+        <p:txBody>
+          <a:bodyPr vert="horz" wrap="square" lIns="91440" tIns="45720" rIns="91440" bIns="45720" anchor="t"/>
+          <a:p>
+            <a:pPr marL="285750" indent="-285750" eaLnBrk="1" hangingPunct="1">
+              <a:buFont typeface="Arial" panose="020B0604020202020204" pitchFamily="34" charset="0"/>
+              <a:buChar char="•"/>
+            </a:pPr>
+            <a:r>
+              <a:rPr lang="en-US" altLang="zh-CN" sz="1600" b="0" dirty="0">
+                <a:solidFill>
+                  <a:srgbClr val="00B050"/>
+                </a:solidFill>
+                <a:latin typeface="Impact" panose="020B0806030902050204" pitchFamily="34" charset="0"/>
+                <a:ea typeface="宋体" panose="02010600030101010101" pitchFamily="2" charset="-122"/>
+                <a:sym typeface="+mn-ea"/>
+              </a:rPr>
+              <a:t>国际蓝牙联盟（BT-SIG，TI是企业成员之一）通</a:t>
+            </a:r>
+            <a:endParaRPr lang="en-US" altLang="zh-CN" sz="1600" b="0" dirty="0">
+              <a:solidFill>
+                <a:srgbClr val="00B050"/>
+              </a:solidFill>
               <a:latin typeface="Impact" panose="020B0806030902050204" pitchFamily="34" charset="0"/>
               <a:ea typeface="宋体" panose="02010600030101010101" pitchFamily="2" charset="-122"/>
-            </a:endParaRPr>
-          </a:p>
+              <a:sym typeface="+mn-ea"/>
+            </a:endParaRPr>
+          </a:p>
+          <a:p>
+            <a:pPr marL="0" indent="0" eaLnBrk="1" hangingPunct="1">
+              <a:buNone/>
+            </a:pPr>
+            <a:r>
+              <a:rPr lang="en-US" altLang="zh-CN" sz="1600" b="0" dirty="0">
+                <a:solidFill>
+                  <a:srgbClr val="00B050"/>
+                </a:solidFill>
+                <a:latin typeface="Impact" panose="020B0806030902050204" pitchFamily="34" charset="0"/>
+                <a:ea typeface="宋体" panose="02010600030101010101" pitchFamily="2" charset="-122"/>
+                <a:sym typeface="+mn-ea"/>
+              </a:rPr>
+              <a:t>过的一个标准蓝牙无线协议。</a:t>
+            </a:r>
+            <a:endParaRPr lang="en-US" altLang="zh-CN" sz="1600" b="0" dirty="0">
+              <a:solidFill>
+                <a:srgbClr val="00B050"/>
+              </a:solidFill>
+              <a:latin typeface="Impact" panose="020B0806030902050204" pitchFamily="34" charset="0"/>
+              <a:ea typeface="宋体" panose="02010600030101010101" pitchFamily="2" charset="-122"/>
+              <a:sym typeface="+mn-ea"/>
+            </a:endParaRPr>
+          </a:p>
+          <a:p>
+            <a:pPr marL="285750" indent="-285750" eaLnBrk="1" hangingPunct="1">
+              <a:buFont typeface="Arial" panose="020B0604020202020204" pitchFamily="34" charset="0"/>
+              <a:buChar char="•"/>
+            </a:pPr>
+            <a:endParaRPr lang="en-US" altLang="zh-CN" sz="1600" b="0" dirty="0">
+              <a:solidFill>
+                <a:srgbClr val="00B050"/>
+              </a:solidFill>
+              <a:latin typeface="Impact" panose="020B0806030902050204" pitchFamily="34" charset="0"/>
+              <a:ea typeface="宋体" panose="02010600030101010101" pitchFamily="2" charset="-122"/>
+              <a:sym typeface="+mn-ea"/>
+            </a:endParaRPr>
+          </a:p>
+          <a:p>
+            <a:pPr marL="285750" indent="-285750" eaLnBrk="1" hangingPunct="1">
+              <a:buFont typeface="Arial" panose="020B0604020202020204" pitchFamily="34" charset="0"/>
+              <a:buChar char="•"/>
+            </a:pPr>
+            <a:r>
+              <a:rPr lang="en-US" altLang="zh-CN" sz="1600" b="0" dirty="0">
+                <a:solidFill>
+                  <a:srgbClr val="00B050"/>
+                </a:solidFill>
+                <a:latin typeface="Impact" panose="020B0806030902050204" pitchFamily="34" charset="0"/>
+                <a:ea typeface="宋体" panose="02010600030101010101" pitchFamily="2" charset="-122"/>
+                <a:sym typeface="+mn-ea"/>
+              </a:rPr>
+              <a:t>主要的新特性是在蓝牙标准版本上添加了4.0蓝牙</a:t>
+            </a:r>
+            <a:endParaRPr lang="en-US" altLang="zh-CN" sz="1600" b="0" dirty="0">
+              <a:solidFill>
+                <a:srgbClr val="00B050"/>
+              </a:solidFill>
+              <a:latin typeface="Impact" panose="020B0806030902050204" pitchFamily="34" charset="0"/>
+              <a:ea typeface="宋体" panose="02010600030101010101" pitchFamily="2" charset="-122"/>
+              <a:sym typeface="+mn-ea"/>
+            </a:endParaRPr>
+          </a:p>
+          <a:p>
+            <a:pPr marL="0" indent="0" eaLnBrk="1" hangingPunct="1">
+              <a:buNone/>
+            </a:pPr>
+            <a:r>
+              <a:rPr lang="en-US" altLang="zh-CN" sz="1600" b="0" dirty="0">
+                <a:solidFill>
+                  <a:srgbClr val="00B050"/>
+                </a:solidFill>
+                <a:latin typeface="Impact" panose="020B0806030902050204" pitchFamily="34" charset="0"/>
+                <a:ea typeface="宋体" panose="02010600030101010101" pitchFamily="2" charset="-122"/>
+                <a:sym typeface="+mn-ea"/>
+              </a:rPr>
+              <a:t>规范(2010年6月)</a:t>
+            </a:r>
+            <a:endParaRPr lang="en-US" altLang="zh-CN" sz="1600" b="0" dirty="0">
+              <a:solidFill>
+                <a:srgbClr val="00B050"/>
+              </a:solidFill>
+              <a:latin typeface="Impact" panose="020B0806030902050204" pitchFamily="34" charset="0"/>
+              <a:ea typeface="宋体" panose="02010600030101010101" pitchFamily="2" charset="-122"/>
+              <a:sym typeface="+mn-ea"/>
+            </a:endParaRPr>
+          </a:p>
+          <a:p>
+            <a:pPr marL="285750" indent="-285750" eaLnBrk="1" hangingPunct="1">
+              <a:buFont typeface="Arial" panose="020B0604020202020204" pitchFamily="34" charset="0"/>
+              <a:buChar char="•"/>
+            </a:pPr>
+            <a:endParaRPr lang="en-US" altLang="zh-CN" sz="1600" b="0" dirty="0">
+              <a:solidFill>
+                <a:srgbClr val="00B050"/>
+              </a:solidFill>
+              <a:latin typeface="Impact" panose="020B0806030902050204" pitchFamily="34" charset="0"/>
+              <a:ea typeface="宋体" panose="02010600030101010101" pitchFamily="2" charset="-122"/>
+              <a:sym typeface="+mn-ea"/>
+            </a:endParaRPr>
+          </a:p>
+          <a:p>
+            <a:pPr marL="285750" indent="-285750" eaLnBrk="1" hangingPunct="1">
+              <a:buFont typeface="Arial" panose="020B0604020202020204" pitchFamily="34" charset="0"/>
+              <a:buChar char="•"/>
+            </a:pPr>
+            <a:r>
+              <a:rPr lang="en-US" altLang="zh-CN" sz="1600" b="0" dirty="0">
+                <a:solidFill>
+                  <a:srgbClr val="00B050"/>
+                </a:solidFill>
+                <a:latin typeface="Impact" panose="020B0806030902050204" pitchFamily="34" charset="0"/>
+                <a:ea typeface="宋体" panose="02010600030101010101" pitchFamily="2" charset="-122"/>
+                <a:sym typeface="+mn-ea"/>
+              </a:rPr>
+              <a:t>针对无线应用程序与低功耗,低延迟,小数据包的</a:t>
+            </a:r>
+            <a:endParaRPr lang="en-US" altLang="zh-CN" sz="1600" b="0" dirty="0">
+              <a:solidFill>
+                <a:srgbClr val="00B050"/>
+              </a:solidFill>
+              <a:latin typeface="Impact" panose="020B0806030902050204" pitchFamily="34" charset="0"/>
+              <a:ea typeface="宋体" panose="02010600030101010101" pitchFamily="2" charset="-122"/>
+              <a:sym typeface="+mn-ea"/>
+            </a:endParaRPr>
+          </a:p>
+          <a:p>
+            <a:pPr marL="0" indent="0" eaLnBrk="1" hangingPunct="1">
+              <a:buNone/>
+            </a:pPr>
+            <a:r>
+              <a:rPr lang="en-US" altLang="zh-CN" sz="1600" b="0" dirty="0">
+                <a:solidFill>
+                  <a:srgbClr val="00B050"/>
+                </a:solidFill>
+                <a:latin typeface="Impact" panose="020B0806030902050204" pitchFamily="34" charset="0"/>
+                <a:ea typeface="宋体" panose="02010600030101010101" pitchFamily="2" charset="-122"/>
+                <a:sym typeface="+mn-ea"/>
+              </a:rPr>
+              <a:t>传输需求</a:t>
+            </a:r>
+            <a:endParaRPr lang="en-US" altLang="zh-CN" sz="1600" b="0" dirty="0">
+              <a:solidFill>
+                <a:srgbClr val="00B050"/>
+              </a:solidFill>
+              <a:latin typeface="Impact" panose="020B0806030902050204" pitchFamily="34" charset="0"/>
+              <a:ea typeface="宋体" panose="02010600030101010101" pitchFamily="2" charset="-122"/>
+              <a:sym typeface="+mn-ea"/>
+            </a:endParaRPr>
+          </a:p>
+          <a:p>
+            <a:pPr marL="285750" indent="-285750" eaLnBrk="1" hangingPunct="1">
+              <a:buFont typeface="Arial" panose="020B0604020202020204" pitchFamily="34" charset="0"/>
+              <a:buChar char="•"/>
+            </a:pPr>
+            <a:endParaRPr lang="en-US" altLang="zh-CN" sz="1600" b="0" dirty="0">
+              <a:solidFill>
+                <a:srgbClr val="00B050"/>
+              </a:solidFill>
+              <a:latin typeface="Impact" panose="020B0806030902050204" pitchFamily="34" charset="0"/>
+              <a:ea typeface="宋体" panose="02010600030101010101" pitchFamily="2" charset="-122"/>
+              <a:sym typeface="+mn-ea"/>
+            </a:endParaRPr>
+          </a:p>
+          <a:p>
+            <a:pPr marL="285750" indent="-285750" eaLnBrk="1" hangingPunct="1">
+              <a:buFont typeface="Arial" panose="020B0604020202020204" pitchFamily="34" charset="0"/>
+              <a:buChar char="•"/>
+            </a:pPr>
+            <a:r>
+              <a:rPr lang="en-US" altLang="zh-CN" sz="1600" b="0" dirty="0">
+                <a:solidFill>
+                  <a:srgbClr val="00B050"/>
+                </a:solidFill>
+                <a:latin typeface="Impact" panose="020B0806030902050204" pitchFamily="34" charset="0"/>
+                <a:ea typeface="宋体" panose="02010600030101010101" pitchFamily="2" charset="-122"/>
+                <a:sym typeface="+mn-ea"/>
+              </a:rPr>
+              <a:t>主要是围绕手机和个人电脑系统,但也可以用于其</a:t>
+            </a:r>
+            <a:endParaRPr lang="en-US" altLang="zh-CN" sz="1600" b="0" dirty="0">
+              <a:solidFill>
+                <a:srgbClr val="00B050"/>
+              </a:solidFill>
+              <a:latin typeface="Impact" panose="020B0806030902050204" pitchFamily="34" charset="0"/>
+              <a:ea typeface="宋体" panose="02010600030101010101" pitchFamily="2" charset="-122"/>
+              <a:sym typeface="+mn-ea"/>
+            </a:endParaRPr>
+          </a:p>
+          <a:p>
+            <a:pPr marL="0" indent="0" eaLnBrk="1" hangingPunct="1">
+              <a:buFont typeface="Arial" panose="020B0604020202020204" pitchFamily="34" charset="0"/>
+              <a:buNone/>
+            </a:pPr>
+            <a:r>
+              <a:rPr lang="en-US" altLang="zh-CN" sz="1600" b="0" dirty="0">
+                <a:solidFill>
+                  <a:srgbClr val="00B050"/>
+                </a:solidFill>
+                <a:latin typeface="Impact" panose="020B0806030902050204" pitchFamily="34" charset="0"/>
+                <a:ea typeface="宋体" panose="02010600030101010101" pitchFamily="2" charset="-122"/>
+                <a:sym typeface="+mn-ea"/>
+              </a:rPr>
+              <a:t>他应用程序（设计苹果外围无需MFI认证）</a:t>
+            </a:r>
+            <a:endParaRPr lang="en-US" altLang="zh-CN" sz="1600" b="0" dirty="0">
+              <a:solidFill>
+                <a:srgbClr val="00B050"/>
+              </a:solidFill>
+              <a:latin typeface="Impact" panose="020B0806030902050204" pitchFamily="34" charset="0"/>
+              <a:ea typeface="宋体" panose="02010600030101010101" pitchFamily="2" charset="-122"/>
+              <a:sym typeface="+mn-ea"/>
+            </a:endParaRPr>
+          </a:p>
+          <a:p>
+            <a:pPr marL="285750" indent="-285750" eaLnBrk="1" hangingPunct="1">
+              <a:buFont typeface="Arial" panose="020B0604020202020204" pitchFamily="34" charset="0"/>
+              <a:buChar char="•"/>
+            </a:pPr>
+            <a:endParaRPr lang="en-US" altLang="zh-CN" sz="1600" b="0" dirty="0">
+              <a:solidFill>
+                <a:srgbClr val="00B050"/>
+              </a:solidFill>
+              <a:latin typeface="Impact" panose="020B0806030902050204" pitchFamily="34" charset="0"/>
+              <a:ea typeface="宋体" panose="02010600030101010101" pitchFamily="2" charset="-122"/>
+              <a:sym typeface="+mn-ea"/>
+            </a:endParaRPr>
+          </a:p>
+          <a:p>
+            <a:pPr marL="285750" indent="-285750" eaLnBrk="1" hangingPunct="1">
+              <a:buFont typeface="Arial" panose="020B0604020202020204" pitchFamily="34" charset="0"/>
+              <a:buChar char="•"/>
+            </a:pPr>
+            <a:r>
+              <a:rPr lang="en-US" altLang="zh-CN" sz="1600" b="0" dirty="0">
+                <a:solidFill>
+                  <a:srgbClr val="00B050"/>
+                </a:solidFill>
+                <a:latin typeface="Impact" panose="020B0806030902050204" pitchFamily="34" charset="0"/>
+                <a:ea typeface="宋体" panose="02010600030101010101" pitchFamily="2" charset="-122"/>
+                <a:sym typeface="+mn-ea"/>
+              </a:rPr>
+              <a:t>预计在未来五年将有十亿的设备需求量</a:t>
+            </a:r>
+            <a:endParaRPr lang="en-US" altLang="zh-CN" sz="1600" b="0" dirty="0">
+              <a:solidFill>
+                <a:srgbClr val="00B050"/>
+              </a:solidFill>
+              <a:latin typeface="Impact" panose="020B0806030902050204" pitchFamily="34" charset="0"/>
+              <a:ea typeface="宋体" panose="02010600030101010101" pitchFamily="2" charset="-122"/>
+              <a:sym typeface="+mn-ea"/>
+            </a:endParaRPr>
+          </a:p>
+          <a:p>
+            <a:pPr marL="285750" indent="-285750" eaLnBrk="1" hangingPunct="1">
+              <a:buFont typeface="Arial" panose="020B0604020202020204" pitchFamily="34" charset="0"/>
+              <a:buChar char="•"/>
+            </a:pPr>
+            <a:endParaRPr lang="en-US" altLang="zh-CN" sz="1600" b="0" dirty="0">
+              <a:solidFill>
+                <a:srgbClr val="00B050"/>
+              </a:solidFill>
+              <a:latin typeface="Impact" panose="020B0806030902050204" pitchFamily="34" charset="0"/>
+              <a:ea typeface="宋体" panose="02010600030101010101" pitchFamily="2" charset="-122"/>
+              <a:sym typeface="+mn-ea"/>
+            </a:endParaRPr>
+          </a:p>
+          <a:p>
+            <a:pPr marL="285750" indent="-285750" eaLnBrk="1" hangingPunct="1">
+              <a:buFont typeface="Arial" panose="020B0604020202020204" pitchFamily="34" charset="0"/>
+              <a:buChar char="•"/>
+            </a:pPr>
+            <a:r>
+              <a:rPr lang="en-US" altLang="zh-CN" sz="1600" b="0" dirty="0">
+                <a:solidFill>
+                  <a:srgbClr val="00B050"/>
+                </a:solidFill>
+                <a:latin typeface="Impact" panose="020B0806030902050204" pitchFamily="34" charset="0"/>
+                <a:ea typeface="宋体" panose="02010600030101010101" pitchFamily="2" charset="-122"/>
+                <a:sym typeface="+mn-ea"/>
+              </a:rPr>
+              <a:t>就单模而言和经典蓝牙设备不兼容</a:t>
+            </a:r>
+            <a:endParaRPr lang="en-US" altLang="zh-CN" sz="1600" b="0" dirty="0">
+              <a:solidFill>
+                <a:srgbClr val="00B050"/>
+              </a:solidFill>
+              <a:latin typeface="Impact" panose="020B0806030902050204" pitchFamily="34" charset="0"/>
+              <a:ea typeface="宋体" panose="02010600030101010101" pitchFamily="2" charset="-122"/>
+              <a:sym typeface="+mn-ea"/>
+            </a:endParaRPr>
+          </a:p>
+        </p:txBody>
+      </p:sp>
+    </p:spTree>
+  </p:cSld>
+  <p:clrMapOvr>
+    <a:masterClrMapping/>
+  </p:clrMapOvr>
+  <p:transition spd="med"/>
+</p:sld>
+</file>
+
+<file path=ppt/slides/slide20.xml><?xml version="1.0" encoding="utf-8"?>
+<p:sld xmlns:a="http://schemas.openxmlformats.org/drawingml/2006/main" xmlns:r="http://schemas.openxmlformats.org/officeDocument/2006/relationships" xmlns:p="http://schemas.openxmlformats.org/presentationml/2006/main">
+  <p:cSld>
+    <p:bg>
+      <p:bgPr>
+        <a:blipFill rotWithShape="0">
+          <a:blip r:embed="rId1"/>
+          <a:stretch>
+            <a:fillRect/>
+          </a:stretch>
+        </a:blipFill>
+        <a:effectLst/>
+      </p:bgPr>
+    </p:bg>
+    <p:spTree>
+      <p:nvGrpSpPr>
+        <p:cNvPr id="1" name=""/>
+        <p:cNvGrpSpPr/>
+        <p:nvPr/>
+      </p:nvGrpSpPr>
+      <p:grpSpPr/>
+      <p:sp>
+        <p:nvSpPr>
+          <p:cNvPr id="6146" name="Rectangle 2"/>
+          <p:cNvSpPr>
+            <a:spLocks noGrp="1"/>
+          </p:cNvSpPr>
+          <p:nvPr>
+            <p:ph type="title"/>
+          </p:nvPr>
+        </p:nvSpPr>
+        <p:spPr>
+          <a:xfrm>
+            <a:off x="2438400" y="228600"/>
+            <a:ext cx="3864610" cy="609600"/>
+          </a:xfrm>
+        </p:spPr>
+        <p:txBody>
+          <a:bodyPr vert="horz" wrap="square" lIns="91440" tIns="45720" rIns="91440" bIns="45720" anchor="ctr"/>
+          <a:p>
+            <a:pPr algn="ctr" eaLnBrk="1" hangingPunct="1"/>
+            <a:r>
+              <a:rPr lang="en-US" altLang="zh-CN" sz="2800" dirty="0">
+                <a:solidFill>
+                  <a:schemeClr val="bg1"/>
+                </a:solidFill>
+                <a:ea typeface="宋体" panose="02010600030101010101" pitchFamily="2" charset="-122"/>
+              </a:rPr>
+              <a:t> 广播事件</a:t>
+            </a:r>
+            <a:r>
+              <a:rPr lang="zh-CN" altLang="zh-CN" sz="2800" dirty="0">
+                <a:solidFill>
+                  <a:schemeClr val="bg1"/>
+                </a:solidFill>
+                <a:ea typeface="宋体" panose="02010600030101010101" pitchFamily="2" charset="-122"/>
+              </a:rPr>
+              <a:t>和扫描事件</a:t>
+            </a:r>
+            <a:endParaRPr lang="zh-CN" altLang="zh-CN" sz="2800" dirty="0">
+              <a:solidFill>
+                <a:schemeClr val="bg1"/>
+              </a:solidFill>
+              <a:ea typeface="宋体" panose="02010600030101010101" pitchFamily="2" charset="-122"/>
+            </a:endParaRPr>
+          </a:p>
+        </p:txBody>
+      </p:sp>
+      <p:sp>
+        <p:nvSpPr>
+          <p:cNvPr id="6147" name="Rectangle 3"/>
+          <p:cNvSpPr>
+            <a:spLocks noGrp="1"/>
+          </p:cNvSpPr>
+          <p:nvPr>
+            <p:ph type="body" sz="half" idx="1"/>
+          </p:nvPr>
+        </p:nvSpPr>
+        <p:spPr>
+          <a:xfrm>
+            <a:off x="2590800" y="990600"/>
+            <a:ext cx="7010400" cy="4800600"/>
+          </a:xfrm>
+        </p:spPr>
+        <p:txBody>
+          <a:bodyPr vert="horz" wrap="square" lIns="91440" tIns="45720" rIns="91440" bIns="45720" anchor="t"/>
           <a:p>
             <a:pPr marL="0" indent="0" eaLnBrk="1" hangingPunct="1"/>
             <a:endParaRPr lang="en-US" altLang="zh-CN" sz="1600" b="0" dirty="0">
               <a:solidFill>
-                <a:schemeClr val="bg1"/>
+                <a:srgbClr val="00CC00"/>
               </a:solidFill>
               <a:latin typeface="Impact" panose="020B0806030902050204" pitchFamily="34" charset="0"/>
               <a:ea typeface="宋体" panose="02010600030101010101" pitchFamily="2" charset="-122"/>
             </a:endParaRPr>
           </a:p>
           <a:p>
-            <a:pPr marL="0" indent="0" eaLnBrk="1" hangingPunct="1"/>
-            <a:r>
-              <a:rPr lang="zh-CN" altLang="en-US" sz="1600" b="0" dirty="0">
-                <a:solidFill>
-                  <a:schemeClr val="bg1"/>
+            <a:pPr marL="285750" indent="-285750" eaLnBrk="1" hangingPunct="1">
+              <a:buFont typeface="Arial" panose="020B0604020202020204" pitchFamily="34" charset="0"/>
+              <a:buChar char="•"/>
+            </a:pPr>
+            <a:r>
+              <a:rPr lang="en-US" altLang="zh-CN" sz="1600" b="0" dirty="0">
+                <a:solidFill>
+                  <a:srgbClr val="00CC00"/>
                 </a:solidFill>
                 <a:latin typeface="Impact" panose="020B0806030902050204" pitchFamily="34" charset="0"/>
                 <a:ea typeface="宋体" panose="02010600030101010101" pitchFamily="2" charset="-122"/>
               </a:rPr>
-              <a:t>特点：</a:t>
-            </a:r>
-            <a:endParaRPr lang="zh-CN" altLang="en-US" sz="1600" b="0" dirty="0">
-              <a:solidFill>
-                <a:schemeClr val="bg1"/>
-              </a:solidFill>
-              <a:latin typeface="Impact" panose="020B0806030902050204" pitchFamily="34" charset="0"/>
-              <a:ea typeface="宋体" panose="02010600030101010101" pitchFamily="2" charset="-122"/>
-            </a:endParaRPr>
-          </a:p>
-          <a:p>
-            <a:pPr marL="0" indent="0" eaLnBrk="1" hangingPunct="1"/>
-            <a:r>
-              <a:rPr lang="en-US" altLang="zh-CN" sz="1600" b="0" dirty="0">
-                <a:solidFill>
-                  <a:schemeClr val="bg1"/>
-                </a:solidFill>
-                <a:latin typeface="Impact" panose="020B0806030902050204" pitchFamily="34" charset="0"/>
-                <a:ea typeface="宋体" panose="02010600030101010101" pitchFamily="2" charset="-122"/>
-              </a:rPr>
-              <a:t>1</a:t>
-            </a:r>
-            <a:r>
-              <a:rPr lang="zh-CN" altLang="en-US" sz="1600" b="0" dirty="0">
-                <a:solidFill>
-                  <a:schemeClr val="bg1"/>
-                </a:solidFill>
-                <a:latin typeface="Impact" panose="020B0806030902050204" pitchFamily="34" charset="0"/>
-                <a:ea typeface="宋体" panose="02010600030101010101" pitchFamily="2" charset="-122"/>
-              </a:rPr>
-              <a:t>，</a:t>
-            </a:r>
-            <a:r>
-              <a:rPr lang="en-US" altLang="zh-CN" sz="1600" b="0" dirty="0">
-                <a:solidFill>
-                  <a:schemeClr val="bg1"/>
-                </a:solidFill>
-                <a:latin typeface="Impact" panose="020B0806030902050204" pitchFamily="34" charset="0"/>
-                <a:ea typeface="宋体" panose="02010600030101010101" pitchFamily="2" charset="-122"/>
-              </a:rPr>
-              <a:t>物联网可以实现对各种物品（包括人）进行智能化识别、定位、跟踪、监控和管理等功能</a:t>
+              <a:t>广播包的发送是单向的，不需要任何连接。</a:t>
             </a:r>
             <a:endParaRPr lang="en-US" altLang="zh-CN" sz="1600" b="0" dirty="0">
               <a:solidFill>
-                <a:schemeClr val="bg1"/>
+                <a:srgbClr val="00CC00"/>
               </a:solidFill>
               <a:latin typeface="Impact" panose="020B0806030902050204" pitchFamily="34" charset="0"/>
               <a:ea typeface="宋体" panose="02010600030101010101" pitchFamily="2" charset="-122"/>
@@ -4792,37 +6354,1866 @@
             <a:pPr marL="0" indent="0" eaLnBrk="1" hangingPunct="1"/>
             <a:endParaRPr lang="en-US" altLang="zh-CN" sz="1600" b="0" dirty="0">
               <a:solidFill>
+                <a:srgbClr val="00CC00"/>
+              </a:solidFill>
+              <a:latin typeface="Impact" panose="020B0806030902050204" pitchFamily="34" charset="0"/>
+              <a:ea typeface="宋体" panose="02010600030101010101" pitchFamily="2" charset="-122"/>
+            </a:endParaRPr>
+          </a:p>
+          <a:p>
+            <a:pPr marL="285750" indent="-285750" eaLnBrk="1" hangingPunct="1">
+              <a:buFont typeface="Arial" panose="020B0604020202020204" pitchFamily="34" charset="0"/>
+              <a:buChar char="•"/>
+            </a:pPr>
+            <a:r>
+              <a:rPr lang="en-US" altLang="zh-CN" sz="1600" b="0" dirty="0">
+                <a:solidFill>
+                  <a:srgbClr val="00CC00"/>
+                </a:solidFill>
+                <a:latin typeface="Impact" panose="020B0806030902050204" pitchFamily="34" charset="0"/>
+                <a:ea typeface="宋体" panose="02010600030101010101" pitchFamily="2" charset="-122"/>
+              </a:rPr>
+              <a:t>设备发送广播包进入广播状态</a:t>
+            </a:r>
+            <a:endParaRPr lang="en-US" altLang="zh-CN" sz="1600" b="0" dirty="0">
+              <a:solidFill>
+                <a:srgbClr val="00CC00"/>
+              </a:solidFill>
+              <a:latin typeface="Impact" panose="020B0806030902050204" pitchFamily="34" charset="0"/>
+              <a:ea typeface="宋体" panose="02010600030101010101" pitchFamily="2" charset="-122"/>
+            </a:endParaRPr>
+          </a:p>
+          <a:p>
+            <a:pPr marL="457200" lvl="1" indent="0" eaLnBrk="1" hangingPunct="1"/>
+            <a:r>
+              <a:rPr lang="en-US" altLang="zh-CN" sz="1330" b="0" dirty="0">
+                <a:solidFill>
+                  <a:srgbClr val="00CC00"/>
+                </a:solidFill>
+                <a:latin typeface="Impact" panose="020B0806030902050204" pitchFamily="34" charset="0"/>
+                <a:ea typeface="宋体" panose="02010600030101010101" pitchFamily="2" charset="-122"/>
+              </a:rPr>
+              <a:t> 广播包可以包含特定的数据定义，最大31个字节</a:t>
+            </a:r>
+            <a:endParaRPr lang="en-US" altLang="zh-CN" sz="1330" b="0" dirty="0">
+              <a:solidFill>
+                <a:srgbClr val="00CC00"/>
+              </a:solidFill>
+              <a:latin typeface="Impact" panose="020B0806030902050204" pitchFamily="34" charset="0"/>
+              <a:ea typeface="宋体" panose="02010600030101010101" pitchFamily="2" charset="-122"/>
+            </a:endParaRPr>
+          </a:p>
+          <a:p>
+            <a:pPr marL="457200" lvl="1" indent="0" eaLnBrk="1" hangingPunct="1"/>
+            <a:r>
+              <a:rPr lang="en-US" altLang="zh-CN" sz="1330" b="0" dirty="0">
+                <a:solidFill>
+                  <a:srgbClr val="00CC00"/>
+                </a:solidFill>
+                <a:latin typeface="Impact" panose="020B0806030902050204" pitchFamily="34" charset="0"/>
+                <a:ea typeface="宋体" panose="02010600030101010101" pitchFamily="2" charset="-122"/>
+              </a:rPr>
+              <a:t>广播包可以直接指向某个特定的设备，也可以不指定</a:t>
+            </a:r>
+            <a:endParaRPr lang="en-US" altLang="zh-CN" sz="1330" b="0" dirty="0">
+              <a:solidFill>
+                <a:srgbClr val="00CC00"/>
+              </a:solidFill>
+              <a:latin typeface="Impact" panose="020B0806030902050204" pitchFamily="34" charset="0"/>
+              <a:ea typeface="宋体" panose="02010600030101010101" pitchFamily="2" charset="-122"/>
+            </a:endParaRPr>
+          </a:p>
+          <a:p>
+            <a:pPr marL="457200" lvl="1" indent="0" eaLnBrk="1" hangingPunct="1"/>
+            <a:r>
+              <a:rPr lang="en-US" altLang="zh-CN" sz="1330" b="0" dirty="0">
+                <a:solidFill>
+                  <a:srgbClr val="00CC00"/>
+                </a:solidFill>
+                <a:latin typeface="Impact" panose="020B0806030902050204" pitchFamily="34" charset="0"/>
+                <a:ea typeface="宋体" panose="02010600030101010101" pitchFamily="2" charset="-122"/>
+              </a:rPr>
+              <a:t>广播中可以声明是可被连接的设备，或者是不可连接的设备</a:t>
+            </a:r>
+            <a:endParaRPr lang="en-US" altLang="zh-CN" sz="1330" b="0" dirty="0">
+              <a:solidFill>
+                <a:srgbClr val="00CC00"/>
+              </a:solidFill>
+              <a:latin typeface="Impact" panose="020B0806030902050204" pitchFamily="34" charset="0"/>
+              <a:ea typeface="宋体" panose="02010600030101010101" pitchFamily="2" charset="-122"/>
+            </a:endParaRPr>
+          </a:p>
+          <a:p>
+            <a:pPr marL="457200" lvl="1" indent="0" eaLnBrk="1" hangingPunct="1"/>
+            <a:endParaRPr lang="en-US" altLang="zh-CN" sz="1330" b="0" dirty="0">
+              <a:solidFill>
+                <a:srgbClr val="00CC00"/>
+              </a:solidFill>
+              <a:latin typeface="Impact" panose="020B0806030902050204" pitchFamily="34" charset="0"/>
+              <a:ea typeface="宋体" panose="02010600030101010101" pitchFamily="2" charset="-122"/>
+            </a:endParaRPr>
+          </a:p>
+          <a:p>
+            <a:pPr lvl="0" eaLnBrk="1" hangingPunct="1">
+              <a:buFont typeface="Arial" panose="020B0604020202020204" pitchFamily="34" charset="0"/>
+              <a:buChar char="•"/>
+            </a:pPr>
+            <a:r>
+              <a:rPr lang="en-US" altLang="zh-CN" sz="1600" b="0" dirty="0">
+                <a:solidFill>
+                  <a:srgbClr val="00CC00"/>
+                </a:solidFill>
+                <a:latin typeface="Impact" panose="020B0806030902050204" pitchFamily="34" charset="0"/>
+                <a:ea typeface="宋体" panose="02010600030101010101" pitchFamily="2" charset="-122"/>
+              </a:rPr>
+              <a:t>在一个广播事件中，广播包会分别在三个广播通道中被发送一次 (37, 38, 39)</a:t>
+            </a:r>
+            <a:endParaRPr lang="en-US" altLang="zh-CN" sz="1600" b="0" dirty="0">
+              <a:solidFill>
+                <a:srgbClr val="00CC00"/>
+              </a:solidFill>
+              <a:latin typeface="Impact" panose="020B0806030902050204" pitchFamily="34" charset="0"/>
+              <a:ea typeface="宋体" panose="02010600030101010101" pitchFamily="2" charset="-122"/>
+            </a:endParaRPr>
+          </a:p>
+          <a:p>
+            <a:pPr marL="0" indent="0" eaLnBrk="1" hangingPunct="1"/>
+            <a:endParaRPr lang="en-US" altLang="zh-CN" sz="1600" b="0" dirty="0">
+              <a:solidFill>
+                <a:srgbClr val="00CC00"/>
+              </a:solidFill>
+              <a:latin typeface="Impact" panose="020B0806030902050204" pitchFamily="34" charset="0"/>
+              <a:ea typeface="宋体" panose="02010600030101010101" pitchFamily="2" charset="-122"/>
+            </a:endParaRPr>
+          </a:p>
+          <a:p>
+            <a:pPr marL="285750" indent="-285750" eaLnBrk="1" hangingPunct="1">
+              <a:buFont typeface="Arial" panose="020B0604020202020204" pitchFamily="34" charset="0"/>
+              <a:buChar char="•"/>
+            </a:pPr>
+            <a:r>
+              <a:rPr lang="en-US" altLang="zh-CN" sz="1600" b="0" dirty="0">
+                <a:solidFill>
+                  <a:srgbClr val="00CC00"/>
+                </a:solidFill>
+                <a:latin typeface="Impact" panose="020B0806030902050204" pitchFamily="34" charset="0"/>
+                <a:ea typeface="宋体" panose="02010600030101010101" pitchFamily="2" charset="-122"/>
+              </a:rPr>
+              <a:t>扫描回复是可选的，中心设备可以向外设请求扫描回复，这里包含一些设备额外的信息，例如设备的名字。</a:t>
+            </a:r>
+            <a:endParaRPr lang="en-US" altLang="zh-CN" sz="1600" b="0" dirty="0">
+              <a:solidFill>
+                <a:srgbClr val="00CC00"/>
+              </a:solidFill>
+              <a:latin typeface="Impact" panose="020B0806030902050204" pitchFamily="34" charset="0"/>
+              <a:ea typeface="宋体" panose="02010600030101010101" pitchFamily="2" charset="-122"/>
+            </a:endParaRPr>
+          </a:p>
+        </p:txBody>
+      </p:sp>
+    </p:spTree>
+  </p:cSld>
+  <p:clrMapOvr>
+    <a:masterClrMapping/>
+  </p:clrMapOvr>
+  <p:transition spd="med"/>
+</p:sld>
+</file>
+
+<file path=ppt/slides/slide21.xml><?xml version="1.0" encoding="utf-8"?>
+<p:sld xmlns:a="http://schemas.openxmlformats.org/drawingml/2006/main" xmlns:r="http://schemas.openxmlformats.org/officeDocument/2006/relationships" xmlns:p="http://schemas.openxmlformats.org/presentationml/2006/main">
+  <p:cSld>
+    <p:bg>
+      <p:bgPr>
+        <a:blipFill rotWithShape="0">
+          <a:blip r:embed="rId1"/>
+          <a:stretch>
+            <a:fillRect/>
+          </a:stretch>
+        </a:blipFill>
+        <a:effectLst/>
+      </p:bgPr>
+    </p:bg>
+    <p:spTree>
+      <p:nvGrpSpPr>
+        <p:cNvPr id="1" name=""/>
+        <p:cNvGrpSpPr/>
+        <p:nvPr/>
+      </p:nvGrpSpPr>
+      <p:grpSpPr/>
+      <p:sp>
+        <p:nvSpPr>
+          <p:cNvPr id="6146" name="Rectangle 2"/>
+          <p:cNvSpPr>
+            <a:spLocks noGrp="1"/>
+          </p:cNvSpPr>
+          <p:nvPr>
+            <p:ph type="title"/>
+          </p:nvPr>
+        </p:nvSpPr>
+        <p:spPr>
+          <a:xfrm>
+            <a:off x="2438400" y="228600"/>
+            <a:ext cx="3352800" cy="609600"/>
+          </a:xfrm>
+        </p:spPr>
+        <p:txBody>
+          <a:bodyPr vert="horz" wrap="square" lIns="91440" tIns="45720" rIns="91440" bIns="45720" anchor="ctr"/>
+          <a:p>
+            <a:pPr algn="ctr" eaLnBrk="1" hangingPunct="1"/>
+            <a:r>
+              <a:rPr lang="en-US" altLang="zh-CN" sz="2800" dirty="0">
+                <a:solidFill>
+                  <a:schemeClr val="bg1"/>
+                </a:solidFill>
+                <a:ea typeface="宋体" panose="02010600030101010101" pitchFamily="2" charset="-122"/>
+              </a:rPr>
+              <a:t> 广播流程</a:t>
+            </a:r>
+            <a:endParaRPr lang="en-US" altLang="zh-CN" sz="2800" dirty="0">
+              <a:solidFill>
                 <a:schemeClr val="bg1"/>
               </a:solidFill>
+              <a:ea typeface="宋体" panose="02010600030101010101" pitchFamily="2" charset="-122"/>
+            </a:endParaRPr>
+          </a:p>
+        </p:txBody>
+      </p:sp>
+      <p:pic>
+        <p:nvPicPr>
+          <p:cNvPr id="3" name="图片 2"/>
+          <p:cNvPicPr>
+            <a:picLocks noChangeAspect="1"/>
+          </p:cNvPicPr>
+          <p:nvPr/>
+        </p:nvPicPr>
+        <p:blipFill>
+          <a:blip r:embed="rId2"/>
+          <a:stretch>
+            <a:fillRect/>
+          </a:stretch>
+        </p:blipFill>
+        <p:spPr>
+          <a:xfrm>
+            <a:off x="1890395" y="2440305"/>
+            <a:ext cx="7619365" cy="1590675"/>
+          </a:xfrm>
+          <a:prstGeom prst="rect">
+            <a:avLst/>
+          </a:prstGeom>
+        </p:spPr>
+      </p:pic>
+    </p:spTree>
+  </p:cSld>
+  <p:clrMapOvr>
+    <a:masterClrMapping/>
+  </p:clrMapOvr>
+  <p:transition spd="med"/>
+</p:sld>
+</file>
+
+<file path=ppt/slides/slide22.xml><?xml version="1.0" encoding="utf-8"?>
+<p:sld xmlns:a="http://schemas.openxmlformats.org/drawingml/2006/main" xmlns:r="http://schemas.openxmlformats.org/officeDocument/2006/relationships" xmlns:p="http://schemas.openxmlformats.org/presentationml/2006/main">
+  <p:cSld>
+    <p:bg>
+      <p:bgPr>
+        <a:blipFill rotWithShape="0">
+          <a:blip r:embed="rId1"/>
+          <a:stretch>
+            <a:fillRect/>
+          </a:stretch>
+        </a:blipFill>
+        <a:effectLst/>
+      </p:bgPr>
+    </p:bg>
+    <p:spTree>
+      <p:nvGrpSpPr>
+        <p:cNvPr id="1" name=""/>
+        <p:cNvGrpSpPr/>
+        <p:nvPr/>
+      </p:nvGrpSpPr>
+      <p:grpSpPr/>
+      <p:sp>
+        <p:nvSpPr>
+          <p:cNvPr id="6146" name="Rectangle 2"/>
+          <p:cNvSpPr>
+            <a:spLocks noGrp="1"/>
+          </p:cNvSpPr>
+          <p:nvPr>
+            <p:ph type="title"/>
+          </p:nvPr>
+        </p:nvSpPr>
+        <p:spPr>
+          <a:xfrm>
+            <a:off x="2438400" y="228600"/>
+            <a:ext cx="3352800" cy="609600"/>
+          </a:xfrm>
+        </p:spPr>
+        <p:txBody>
+          <a:bodyPr vert="horz" wrap="square" lIns="91440" tIns="45720" rIns="91440" bIns="45720" anchor="ctr"/>
+          <a:p>
+            <a:pPr algn="ctr" eaLnBrk="1" hangingPunct="1"/>
+            <a:r>
+              <a:rPr lang="en-US" altLang="zh-CN" sz="2800" dirty="0">
+                <a:solidFill>
+                  <a:schemeClr val="bg1"/>
+                </a:solidFill>
+                <a:ea typeface="宋体" panose="02010600030101010101" pitchFamily="2" charset="-122"/>
+              </a:rPr>
+              <a:t>连接事件</a:t>
+            </a:r>
+            <a:endParaRPr lang="en-US" altLang="zh-CN" sz="2800" dirty="0">
+              <a:solidFill>
+                <a:schemeClr val="bg1"/>
+              </a:solidFill>
+              <a:ea typeface="宋体" panose="02010600030101010101" pitchFamily="2" charset="-122"/>
+            </a:endParaRPr>
+          </a:p>
+        </p:txBody>
+      </p:sp>
+      <p:sp>
+        <p:nvSpPr>
+          <p:cNvPr id="6147" name="Rectangle 3"/>
+          <p:cNvSpPr>
+            <a:spLocks noGrp="1"/>
+          </p:cNvSpPr>
+          <p:nvPr>
+            <p:ph type="body" sz="half" idx="1"/>
+          </p:nvPr>
+        </p:nvSpPr>
+        <p:spPr>
+          <a:xfrm>
+            <a:off x="2522855" y="1261110"/>
+            <a:ext cx="7010400" cy="4318635"/>
+          </a:xfrm>
+        </p:spPr>
+        <p:txBody>
+          <a:bodyPr vert="horz" wrap="square" lIns="91440" tIns="45720" rIns="91440" bIns="45720" anchor="t"/>
+          <a:p>
+            <a:pPr marL="285750" indent="-285750" eaLnBrk="1" hangingPunct="1">
+              <a:buFont typeface="Wingdings" panose="05000000000000000000" charset="0"/>
+              <a:buChar char="u"/>
+            </a:pPr>
+            <a:endParaRPr lang="en-US" altLang="zh-CN" sz="1600" b="0" dirty="0">
+              <a:solidFill>
+                <a:srgbClr val="00CC00"/>
+              </a:solidFill>
               <a:latin typeface="Impact" panose="020B0806030902050204" pitchFamily="34" charset="0"/>
               <a:ea typeface="宋体" panose="02010600030101010101" pitchFamily="2" charset="-122"/>
             </a:endParaRPr>
           </a:p>
           <a:p>
+            <a:pPr marL="285750" indent="-285750" eaLnBrk="1" hangingPunct="1">
+              <a:buFont typeface="Wingdings" panose="05000000000000000000" charset="0"/>
+              <a:buChar char="u"/>
+            </a:pPr>
+            <a:r>
+              <a:rPr lang="en-US" altLang="zh-CN" sz="1600" b="0" dirty="0">
+                <a:solidFill>
+                  <a:srgbClr val="00CC00"/>
+                </a:solidFill>
+                <a:latin typeface="Impact" panose="020B0806030902050204" pitchFamily="34" charset="0"/>
+                <a:ea typeface="宋体" panose="02010600030101010101" pitchFamily="2" charset="-122"/>
+              </a:rPr>
+              <a:t>所有的通讯都发生在两个设备的连接事件期间</a:t>
+            </a:r>
+            <a:endParaRPr lang="en-US" altLang="zh-CN" sz="1600" b="0" dirty="0">
+              <a:solidFill>
+                <a:srgbClr val="00CC00"/>
+              </a:solidFill>
+              <a:latin typeface="Impact" panose="020B0806030902050204" pitchFamily="34" charset="0"/>
+              <a:ea typeface="宋体" panose="02010600030101010101" pitchFamily="2" charset="-122"/>
+            </a:endParaRPr>
+          </a:p>
+          <a:p>
+            <a:pPr marL="285750" indent="-285750" eaLnBrk="1" hangingPunct="1">
+              <a:buFont typeface="Wingdings" panose="05000000000000000000" charset="0"/>
+              <a:buChar char="u"/>
+            </a:pPr>
+            <a:endParaRPr lang="en-US" altLang="zh-CN" sz="1600" b="0" dirty="0">
+              <a:solidFill>
+                <a:srgbClr val="00CC00"/>
+              </a:solidFill>
+              <a:latin typeface="Impact" panose="020B0806030902050204" pitchFamily="34" charset="0"/>
+              <a:ea typeface="宋体" panose="02010600030101010101" pitchFamily="2" charset="-122"/>
+            </a:endParaRPr>
+          </a:p>
+          <a:p>
+            <a:pPr marL="285750" indent="-285750" eaLnBrk="1" hangingPunct="1">
+              <a:buFont typeface="Wingdings" panose="05000000000000000000" charset="0"/>
+              <a:buChar char="u"/>
+            </a:pPr>
+            <a:r>
+              <a:rPr lang="en-US" altLang="zh-CN" sz="1600" b="0" dirty="0">
+                <a:solidFill>
+                  <a:srgbClr val="00CC00"/>
+                </a:solidFill>
+                <a:latin typeface="Impact" panose="020B0806030902050204" pitchFamily="34" charset="0"/>
+                <a:ea typeface="宋体" panose="02010600030101010101" pitchFamily="2" charset="-122"/>
+              </a:rPr>
+              <a:t>连接事件周期地发生，按照连接参数指定的间隔</a:t>
+            </a:r>
+            <a:endParaRPr lang="en-US" altLang="zh-CN" sz="1600" b="0" dirty="0">
+              <a:solidFill>
+                <a:srgbClr val="00CC00"/>
+              </a:solidFill>
+              <a:latin typeface="Impact" panose="020B0806030902050204" pitchFamily="34" charset="0"/>
+              <a:ea typeface="宋体" panose="02010600030101010101" pitchFamily="2" charset="-122"/>
+            </a:endParaRPr>
+          </a:p>
+          <a:p>
+            <a:pPr marL="285750" indent="-285750" eaLnBrk="1" hangingPunct="1">
+              <a:buFont typeface="Wingdings" panose="05000000000000000000" charset="0"/>
+              <a:buChar char="u"/>
+            </a:pPr>
+            <a:endParaRPr lang="en-US" altLang="zh-CN" sz="1600" b="0" dirty="0">
+              <a:solidFill>
+                <a:srgbClr val="00CC00"/>
+              </a:solidFill>
+              <a:latin typeface="Impact" panose="020B0806030902050204" pitchFamily="34" charset="0"/>
+              <a:ea typeface="宋体" panose="02010600030101010101" pitchFamily="2" charset="-122"/>
+            </a:endParaRPr>
+          </a:p>
+          <a:p>
+            <a:pPr marL="285750" indent="-285750" eaLnBrk="1" hangingPunct="1">
+              <a:buFont typeface="Wingdings" panose="05000000000000000000" charset="0"/>
+              <a:buChar char="u"/>
+            </a:pPr>
+            <a:r>
+              <a:rPr lang="en-US" altLang="zh-CN" sz="1600" b="0" dirty="0">
+                <a:solidFill>
+                  <a:srgbClr val="00CC00"/>
+                </a:solidFill>
+                <a:latin typeface="Impact" panose="020B0806030902050204" pitchFamily="34" charset="0"/>
+                <a:ea typeface="宋体" panose="02010600030101010101" pitchFamily="2" charset="-122"/>
+              </a:rPr>
+              <a:t>每个事件发生在某个数据通道(0-36)，跳频增量参数决</a:t>
+            </a:r>
+            <a:endParaRPr lang="en-US" altLang="zh-CN" sz="1600" b="0" dirty="0">
+              <a:solidFill>
+                <a:srgbClr val="00CC00"/>
+              </a:solidFill>
+              <a:latin typeface="Impact" panose="020B0806030902050204" pitchFamily="34" charset="0"/>
+              <a:ea typeface="宋体" panose="02010600030101010101" pitchFamily="2" charset="-122"/>
+            </a:endParaRPr>
+          </a:p>
+          <a:p>
+            <a:pPr marL="0" indent="0" eaLnBrk="1" hangingPunct="1">
+              <a:buNone/>
+            </a:pPr>
+            <a:r>
+              <a:rPr lang="en-US" altLang="zh-CN" sz="1600" b="0" dirty="0">
+                <a:solidFill>
+                  <a:srgbClr val="00CC00"/>
+                </a:solidFill>
+                <a:latin typeface="Impact" panose="020B0806030902050204" pitchFamily="34" charset="0"/>
+                <a:ea typeface="宋体" panose="02010600030101010101" pitchFamily="2" charset="-122"/>
+              </a:rPr>
+              <a:t>定了下次连接事件发生的通道</a:t>
+            </a:r>
+            <a:endParaRPr lang="en-US" altLang="zh-CN" sz="1600" b="0" dirty="0">
+              <a:solidFill>
+                <a:srgbClr val="00CC00"/>
+              </a:solidFill>
+              <a:latin typeface="Impact" panose="020B0806030902050204" pitchFamily="34" charset="0"/>
+              <a:ea typeface="宋体" panose="02010600030101010101" pitchFamily="2" charset="-122"/>
+            </a:endParaRPr>
+          </a:p>
+          <a:p>
+            <a:pPr marL="0" indent="0" eaLnBrk="1" hangingPunct="1">
+              <a:buNone/>
+            </a:pPr>
+            <a:endParaRPr lang="en-US" altLang="zh-CN" sz="1600" b="0" dirty="0">
+              <a:solidFill>
+                <a:srgbClr val="00CC00"/>
+              </a:solidFill>
+              <a:latin typeface="Impact" panose="020B0806030902050204" pitchFamily="34" charset="0"/>
+              <a:ea typeface="宋体" panose="02010600030101010101" pitchFamily="2" charset="-122"/>
+            </a:endParaRPr>
+          </a:p>
+          <a:p>
+            <a:pPr marL="285750" indent="-285750" eaLnBrk="1" hangingPunct="1">
+              <a:buFont typeface="Wingdings" panose="05000000000000000000" charset="0"/>
+              <a:buChar char="u"/>
+            </a:pPr>
+            <a:r>
+              <a:rPr lang="en-US" altLang="zh-CN" sz="1600" b="0" dirty="0">
+                <a:solidFill>
+                  <a:srgbClr val="00CC00"/>
+                </a:solidFill>
+                <a:latin typeface="Impact" panose="020B0806030902050204" pitchFamily="34" charset="0"/>
+                <a:ea typeface="宋体" panose="02010600030101010101" pitchFamily="2" charset="-122"/>
+              </a:rPr>
+              <a:t>在每个连接事件期间，Master 先发送，Slave 会在</a:t>
+            </a:r>
+            <a:endParaRPr lang="en-US" altLang="zh-CN" sz="1600" b="0" dirty="0">
+              <a:solidFill>
+                <a:srgbClr val="00CC00"/>
+              </a:solidFill>
+              <a:latin typeface="Impact" panose="020B0806030902050204" pitchFamily="34" charset="0"/>
+              <a:ea typeface="宋体" panose="02010600030101010101" pitchFamily="2" charset="-122"/>
+            </a:endParaRPr>
+          </a:p>
+          <a:p>
+            <a:pPr marL="0" indent="0" eaLnBrk="1" hangingPunct="1">
+              <a:buNone/>
+            </a:pPr>
+            <a:r>
+              <a:rPr lang="en-US" altLang="zh-CN" sz="1600" b="0" dirty="0">
+                <a:solidFill>
+                  <a:srgbClr val="00CC00"/>
+                </a:solidFill>
+                <a:latin typeface="Impact" panose="020B0806030902050204" pitchFamily="34" charset="0"/>
+                <a:ea typeface="宋体" panose="02010600030101010101" pitchFamily="2" charset="-122"/>
+              </a:rPr>
+              <a:t>150us之后做出回应</a:t>
+            </a:r>
+            <a:endParaRPr lang="en-US" altLang="zh-CN" sz="1600" b="0" dirty="0">
+              <a:solidFill>
+                <a:srgbClr val="00CC00"/>
+              </a:solidFill>
+              <a:latin typeface="Impact" panose="020B0806030902050204" pitchFamily="34" charset="0"/>
+              <a:ea typeface="宋体" panose="02010600030101010101" pitchFamily="2" charset="-122"/>
+            </a:endParaRPr>
+          </a:p>
+          <a:p>
+            <a:pPr marL="0" indent="0" eaLnBrk="1" hangingPunct="1">
+              <a:buNone/>
+            </a:pPr>
+            <a:endParaRPr lang="en-US" altLang="zh-CN" sz="1600" b="0" dirty="0">
+              <a:solidFill>
+                <a:srgbClr val="00CC00"/>
+              </a:solidFill>
+              <a:latin typeface="Impact" panose="020B0806030902050204" pitchFamily="34" charset="0"/>
+              <a:ea typeface="宋体" panose="02010600030101010101" pitchFamily="2" charset="-122"/>
+            </a:endParaRPr>
+          </a:p>
+          <a:p>
+            <a:pPr marL="285750" indent="-285750" eaLnBrk="1" hangingPunct="1">
+              <a:buFont typeface="Wingdings" panose="05000000000000000000" charset="0"/>
+              <a:buChar char="u"/>
+            </a:pPr>
+            <a:r>
+              <a:rPr lang="en-US" altLang="zh-CN" sz="1600" b="0" dirty="0">
+                <a:solidFill>
+                  <a:srgbClr val="00CC00"/>
+                </a:solidFill>
+                <a:latin typeface="Impact" panose="020B0806030902050204" pitchFamily="34" charset="0"/>
+                <a:ea typeface="宋体" panose="02010600030101010101" pitchFamily="2" charset="-122"/>
+              </a:rPr>
+              <a:t>即使一个连接事件发生</a:t>
+            </a:r>
+            <a:r>
+              <a:rPr lang="zh-CN" altLang="en-US" sz="1600" b="0" dirty="0">
+                <a:solidFill>
+                  <a:srgbClr val="00CC00"/>
+                </a:solidFill>
+                <a:latin typeface="Impact" panose="020B0806030902050204" pitchFamily="34" charset="0"/>
+                <a:ea typeface="宋体" panose="02010600030101010101" pitchFamily="2" charset="-122"/>
+              </a:rPr>
+              <a:t>时</a:t>
+            </a:r>
+            <a:r>
+              <a:rPr lang="en-US" altLang="zh-CN" sz="1600" b="0" dirty="0">
+                <a:solidFill>
+                  <a:srgbClr val="00CC00"/>
+                </a:solidFill>
+                <a:latin typeface="Impact" panose="020B0806030902050204" pitchFamily="34" charset="0"/>
+                <a:ea typeface="宋体" panose="02010600030101010101" pitchFamily="2" charset="-122"/>
+              </a:rPr>
+              <a:t>,双方都没有数据发送</a:t>
+            </a:r>
+            <a:endParaRPr lang="en-US" altLang="zh-CN" sz="1600" b="0" dirty="0">
+              <a:solidFill>
+                <a:srgbClr val="00CC00"/>
+              </a:solidFill>
+              <a:latin typeface="Impact" panose="020B0806030902050204" pitchFamily="34" charset="0"/>
+              <a:ea typeface="宋体" panose="02010600030101010101" pitchFamily="2" charset="-122"/>
+            </a:endParaRPr>
+          </a:p>
+          <a:p>
+            <a:pPr marL="0" indent="0" eaLnBrk="1" hangingPunct="1">
+              <a:buNone/>
+            </a:pPr>
+            <a:r>
+              <a:rPr lang="en-US" altLang="zh-CN" sz="1600" b="0" dirty="0">
+                <a:solidFill>
+                  <a:srgbClr val="00CC00"/>
+                </a:solidFill>
+                <a:latin typeface="Impact" panose="020B0806030902050204" pitchFamily="34" charset="0"/>
+                <a:ea typeface="宋体" panose="02010600030101010101" pitchFamily="2" charset="-122"/>
+              </a:rPr>
+              <a:t>(例外情况是从设备潜伏使能)。这允许两个设备都承认</a:t>
+            </a:r>
+            <a:endParaRPr lang="en-US" altLang="zh-CN" sz="1600" b="0" dirty="0">
+              <a:solidFill>
+                <a:srgbClr val="00CC00"/>
+              </a:solidFill>
+              <a:latin typeface="Impact" panose="020B0806030902050204" pitchFamily="34" charset="0"/>
+              <a:ea typeface="宋体" panose="02010600030101010101" pitchFamily="2" charset="-122"/>
+            </a:endParaRPr>
+          </a:p>
+          <a:p>
+            <a:pPr marL="0" indent="0" eaLnBrk="1" hangingPunct="1">
+              <a:buNone/>
+            </a:pPr>
+            <a:r>
+              <a:rPr lang="en-US" altLang="zh-CN" sz="1600" b="0" dirty="0">
+                <a:solidFill>
+                  <a:srgbClr val="00CC00"/>
+                </a:solidFill>
+                <a:latin typeface="Impact" panose="020B0806030902050204" pitchFamily="34" charset="0"/>
+                <a:ea typeface="宋体" panose="02010600030101010101" pitchFamily="2" charset="-122"/>
+              </a:rPr>
+              <a:t>对方仍然存在并保持活跃的连接。</a:t>
+            </a:r>
+            <a:endParaRPr lang="en-US" altLang="zh-CN" sz="1600" b="0" dirty="0">
+              <a:solidFill>
+                <a:srgbClr val="00CC00"/>
+              </a:solidFill>
+              <a:latin typeface="Impact" panose="020B0806030902050204" pitchFamily="34" charset="0"/>
+              <a:ea typeface="宋体" panose="02010600030101010101" pitchFamily="2" charset="-122"/>
+            </a:endParaRPr>
+          </a:p>
+        </p:txBody>
+      </p:sp>
+    </p:spTree>
+  </p:cSld>
+  <p:clrMapOvr>
+    <a:masterClrMapping/>
+  </p:clrMapOvr>
+  <p:transition spd="med"/>
+</p:sld>
+</file>
+
+<file path=ppt/slides/slide23.xml><?xml version="1.0" encoding="utf-8"?>
+<p:sld xmlns:a="http://schemas.openxmlformats.org/drawingml/2006/main" xmlns:r="http://schemas.openxmlformats.org/officeDocument/2006/relationships" xmlns:p="http://schemas.openxmlformats.org/presentationml/2006/main">
+  <p:cSld>
+    <p:bg>
+      <p:bgPr>
+        <a:blipFill rotWithShape="0">
+          <a:blip r:embed="rId1"/>
+          <a:stretch>
+            <a:fillRect/>
+          </a:stretch>
+        </a:blipFill>
+        <a:effectLst/>
+      </p:bgPr>
+    </p:bg>
+    <p:spTree>
+      <p:nvGrpSpPr>
+        <p:cNvPr id="1" name=""/>
+        <p:cNvGrpSpPr/>
+        <p:nvPr/>
+      </p:nvGrpSpPr>
+      <p:grpSpPr/>
+      <p:sp>
+        <p:nvSpPr>
+          <p:cNvPr id="6146" name="Rectangle 2"/>
+          <p:cNvSpPr>
+            <a:spLocks noGrp="1"/>
+          </p:cNvSpPr>
+          <p:nvPr>
+            <p:ph type="title"/>
+          </p:nvPr>
+        </p:nvSpPr>
+        <p:spPr>
+          <a:xfrm>
+            <a:off x="2438400" y="228600"/>
+            <a:ext cx="3352800" cy="609600"/>
+          </a:xfrm>
+        </p:spPr>
+        <p:txBody>
+          <a:bodyPr vert="horz" wrap="square" lIns="91440" tIns="45720" rIns="91440" bIns="45720" anchor="ctr"/>
+          <a:p>
+            <a:pPr algn="ctr" eaLnBrk="1" hangingPunct="1"/>
+            <a:r>
+              <a:rPr lang="zh-CN" altLang="en-US" sz="2800" dirty="0">
+                <a:solidFill>
+                  <a:schemeClr val="bg1"/>
+                </a:solidFill>
+                <a:ea typeface="宋体" panose="02010600030101010101" pitchFamily="2" charset="-122"/>
+              </a:rPr>
+              <a:t>连接事件</a:t>
+            </a:r>
+            <a:endParaRPr lang="zh-CN" altLang="en-US" sz="2800" dirty="0">
+              <a:solidFill>
+                <a:schemeClr val="bg1"/>
+              </a:solidFill>
+              <a:ea typeface="宋体" panose="02010600030101010101" pitchFamily="2" charset="-122"/>
+            </a:endParaRPr>
+          </a:p>
+        </p:txBody>
+      </p:sp>
+      <p:pic>
+        <p:nvPicPr>
+          <p:cNvPr id="3" name="图片 2"/>
+          <p:cNvPicPr>
+            <a:picLocks noChangeAspect="1"/>
+          </p:cNvPicPr>
+          <p:nvPr/>
+        </p:nvPicPr>
+        <p:blipFill>
+          <a:blip r:embed="rId2"/>
+          <a:stretch>
+            <a:fillRect/>
+          </a:stretch>
+        </p:blipFill>
+        <p:spPr>
+          <a:xfrm>
+            <a:off x="2286000" y="2576195"/>
+            <a:ext cx="7619365" cy="1704975"/>
+          </a:xfrm>
+          <a:prstGeom prst="rect">
+            <a:avLst/>
+          </a:prstGeom>
+        </p:spPr>
+      </p:pic>
+    </p:spTree>
+  </p:cSld>
+  <p:clrMapOvr>
+    <a:masterClrMapping/>
+  </p:clrMapOvr>
+  <p:transition spd="med"/>
+</p:sld>
+</file>
+
+<file path=ppt/slides/slide24.xml><?xml version="1.0" encoding="utf-8"?>
+<p:sld xmlns:a="http://schemas.openxmlformats.org/drawingml/2006/main" xmlns:r="http://schemas.openxmlformats.org/officeDocument/2006/relationships" xmlns:p="http://schemas.openxmlformats.org/presentationml/2006/main">
+  <p:cSld>
+    <p:bg>
+      <p:bgPr>
+        <a:blipFill rotWithShape="0">
+          <a:blip r:embed="rId1"/>
+          <a:stretch>
+            <a:fillRect/>
+          </a:stretch>
+        </a:blipFill>
+        <a:effectLst/>
+      </p:bgPr>
+    </p:bg>
+    <p:spTree>
+      <p:nvGrpSpPr>
+        <p:cNvPr id="1" name=""/>
+        <p:cNvGrpSpPr/>
+        <p:nvPr/>
+      </p:nvGrpSpPr>
+      <p:grpSpPr/>
+      <p:sp>
+        <p:nvSpPr>
+          <p:cNvPr id="6146" name="Rectangle 2"/>
+          <p:cNvSpPr>
+            <a:spLocks noGrp="1"/>
+          </p:cNvSpPr>
+          <p:nvPr>
+            <p:ph type="title"/>
+          </p:nvPr>
+        </p:nvSpPr>
+        <p:spPr>
+          <a:xfrm>
+            <a:off x="2438400" y="228600"/>
+            <a:ext cx="4472305" cy="609600"/>
+          </a:xfrm>
+        </p:spPr>
+        <p:txBody>
+          <a:bodyPr vert="horz" wrap="square" lIns="91440" tIns="45720" rIns="91440" bIns="45720" anchor="ctr"/>
+          <a:p>
+            <a:pPr algn="ctr" eaLnBrk="1" hangingPunct="1"/>
+            <a:r>
+              <a:rPr lang="en-US" altLang="zh-CN" sz="2800" dirty="0">
+                <a:solidFill>
+                  <a:schemeClr val="bg1"/>
+                </a:solidFill>
+                <a:ea typeface="宋体" panose="02010600030101010101" pitchFamily="2" charset="-122"/>
+              </a:rPr>
+              <a:t>BLE (ATT): Client / Server </a:t>
+            </a:r>
+            <a:endParaRPr lang="en-US" altLang="zh-CN" sz="2800" dirty="0">
+              <a:solidFill>
+                <a:schemeClr val="bg1"/>
+              </a:solidFill>
+              <a:ea typeface="宋体" panose="02010600030101010101" pitchFamily="2" charset="-122"/>
+            </a:endParaRPr>
+          </a:p>
+        </p:txBody>
+      </p:sp>
+      <p:sp>
+        <p:nvSpPr>
+          <p:cNvPr id="6147" name="Rectangle 3"/>
+          <p:cNvSpPr>
+            <a:spLocks noGrp="1"/>
+          </p:cNvSpPr>
+          <p:nvPr>
+            <p:ph type="body" sz="half" idx="1"/>
+          </p:nvPr>
+        </p:nvSpPr>
+        <p:spPr>
+          <a:xfrm>
+            <a:off x="2590800" y="990600"/>
+            <a:ext cx="7010400" cy="4800600"/>
+          </a:xfrm>
+        </p:spPr>
+        <p:txBody>
+          <a:bodyPr vert="horz" wrap="square" lIns="91440" tIns="45720" rIns="91440" bIns="45720" anchor="t"/>
+          <a:p>
             <a:pPr marL="0" indent="0" eaLnBrk="1" hangingPunct="1"/>
             <a:r>
               <a:rPr lang="en-US" altLang="zh-CN" sz="1600" b="0" dirty="0">
                 <a:solidFill>
+                  <a:srgbClr val="00CC00"/>
+                </a:solidFill>
+                <a:latin typeface="Impact" panose="020B0806030902050204" pitchFamily="34" charset="0"/>
+                <a:ea typeface="宋体" panose="02010600030101010101" pitchFamily="2" charset="-122"/>
+              </a:rPr>
+              <a:t>�服务设备提供数据，客户端使用这些数据</a:t>
+            </a:r>
+            <a:endParaRPr lang="en-US" altLang="zh-CN" sz="1600" b="0" dirty="0">
+              <a:solidFill>
+                <a:srgbClr val="00CC00"/>
+              </a:solidFill>
+              <a:latin typeface="Impact" panose="020B0806030902050204" pitchFamily="34" charset="0"/>
+              <a:ea typeface="宋体" panose="02010600030101010101" pitchFamily="2" charset="-122"/>
+            </a:endParaRPr>
+          </a:p>
+          <a:p>
+            <a:pPr marL="0" indent="0" eaLnBrk="1" hangingPunct="1"/>
+            <a:r>
+              <a:rPr lang="en-US" altLang="zh-CN" sz="1600" b="0" dirty="0">
+                <a:solidFill>
+                  <a:srgbClr val="00CC00"/>
+                </a:solidFill>
+                <a:latin typeface="Impact" panose="020B0806030902050204" pitchFamily="34" charset="0"/>
+                <a:ea typeface="宋体" panose="02010600030101010101" pitchFamily="2" charset="-122"/>
+              </a:rPr>
+              <a:t>�服务端通过操作属性的方式，提供数据访问服务</a:t>
+            </a:r>
+            <a:endParaRPr lang="en-US" altLang="zh-CN" sz="1600" b="0" dirty="0">
+              <a:solidFill>
+                <a:srgbClr val="00CC00"/>
+              </a:solidFill>
+              <a:latin typeface="Impact" panose="020B0806030902050204" pitchFamily="34" charset="0"/>
+              <a:ea typeface="宋体" panose="02010600030101010101" pitchFamily="2" charset="-122"/>
+            </a:endParaRPr>
+          </a:p>
+          <a:p>
+            <a:pPr marL="0" indent="0" eaLnBrk="1" hangingPunct="1"/>
+            <a:r>
+              <a:rPr lang="en-US" altLang="zh-CN" sz="1600" b="0" dirty="0">
+                <a:solidFill>
+                  <a:srgbClr val="00CC00"/>
+                </a:solidFill>
+                <a:latin typeface="Impact" panose="020B0806030902050204" pitchFamily="34" charset="0"/>
+                <a:ea typeface="宋体" panose="02010600030101010101" pitchFamily="2" charset="-122"/>
+              </a:rPr>
+              <a:t>�设备的服务/客户角色，不依赖于GAP层中心设备/外围设</a:t>
+            </a:r>
+            <a:endParaRPr lang="en-US" altLang="zh-CN" sz="1600" b="0" dirty="0">
+              <a:solidFill>
+                <a:srgbClr val="00CC00"/>
+              </a:solidFill>
+              <a:latin typeface="Impact" panose="020B0806030902050204" pitchFamily="34" charset="0"/>
+              <a:ea typeface="宋体" panose="02010600030101010101" pitchFamily="2" charset="-122"/>
+            </a:endParaRPr>
+          </a:p>
+          <a:p>
+            <a:pPr marL="0" indent="0" eaLnBrk="1" hangingPunct="1"/>
+            <a:r>
+              <a:rPr lang="en-US" altLang="zh-CN" sz="1600" b="0" dirty="0">
+                <a:solidFill>
+                  <a:srgbClr val="00CC00"/>
+                </a:solidFill>
+                <a:latin typeface="Impact" panose="020B0806030902050204" pitchFamily="34" charset="0"/>
+                <a:ea typeface="宋体" panose="02010600030101010101" pitchFamily="2" charset="-122"/>
+              </a:rPr>
+              <a:t>备角色，和LL层的master/slave 角色定义</a:t>
+            </a:r>
+            <a:endParaRPr lang="en-US" altLang="zh-CN" sz="1600" b="0" dirty="0">
+              <a:solidFill>
+                <a:srgbClr val="00CC00"/>
+              </a:solidFill>
+              <a:latin typeface="Impact" panose="020B0806030902050204" pitchFamily="34" charset="0"/>
+              <a:ea typeface="宋体" panose="02010600030101010101" pitchFamily="2" charset="-122"/>
+            </a:endParaRPr>
+          </a:p>
+          <a:p>
+            <a:pPr marL="0" indent="0" eaLnBrk="1" hangingPunct="1"/>
+            <a:r>
+              <a:rPr lang="en-US" altLang="zh-CN" sz="1600" b="0" dirty="0">
+                <a:solidFill>
+                  <a:srgbClr val="00CC00"/>
+                </a:solidFill>
+                <a:latin typeface="Impact" panose="020B0806030902050204" pitchFamily="34" charset="0"/>
+                <a:ea typeface="宋体" panose="02010600030101010101" pitchFamily="2" charset="-122"/>
+              </a:rPr>
+              <a:t>�一个设备可能同时做为一个客户端和服务端，而两个设备</a:t>
+            </a:r>
+            <a:endParaRPr lang="en-US" altLang="zh-CN" sz="1600" b="0" dirty="0">
+              <a:solidFill>
+                <a:srgbClr val="00CC00"/>
+              </a:solidFill>
+              <a:latin typeface="Impact" panose="020B0806030902050204" pitchFamily="34" charset="0"/>
+              <a:ea typeface="宋体" panose="02010600030101010101" pitchFamily="2" charset="-122"/>
+            </a:endParaRPr>
+          </a:p>
+          <a:p>
+            <a:pPr marL="0" indent="0" eaLnBrk="1" hangingPunct="1"/>
+            <a:r>
+              <a:rPr lang="en-US" altLang="zh-CN" sz="1600" b="0" dirty="0">
+                <a:solidFill>
+                  <a:srgbClr val="00CC00"/>
+                </a:solidFill>
+                <a:latin typeface="Impact" panose="020B0806030902050204" pitchFamily="34" charset="0"/>
+                <a:ea typeface="宋体" panose="02010600030101010101" pitchFamily="2" charset="-122"/>
+              </a:rPr>
+              <a:t>上的属性不会相互影响。</a:t>
+            </a:r>
+            <a:endParaRPr lang="en-US" altLang="zh-CN" sz="1600" b="0" dirty="0">
+              <a:solidFill>
+                <a:srgbClr val="00CC00"/>
+              </a:solidFill>
+              <a:latin typeface="Impact" panose="020B0806030902050204" pitchFamily="34" charset="0"/>
+              <a:ea typeface="宋体" panose="02010600030101010101" pitchFamily="2" charset="-122"/>
+            </a:endParaRPr>
+          </a:p>
+        </p:txBody>
+      </p:sp>
+      <p:pic>
+        <p:nvPicPr>
+          <p:cNvPr id="2" name="图片 1"/>
+          <p:cNvPicPr>
+            <a:picLocks noChangeAspect="1"/>
+          </p:cNvPicPr>
+          <p:nvPr/>
+        </p:nvPicPr>
+        <p:blipFill>
+          <a:blip r:embed="rId2"/>
+          <a:stretch>
+            <a:fillRect/>
+          </a:stretch>
+        </p:blipFill>
+        <p:spPr>
+          <a:xfrm>
+            <a:off x="2105660" y="3554095"/>
+            <a:ext cx="7980680" cy="2162175"/>
+          </a:xfrm>
+          <a:prstGeom prst="rect">
+            <a:avLst/>
+          </a:prstGeom>
+        </p:spPr>
+      </p:pic>
+    </p:spTree>
+  </p:cSld>
+  <p:clrMapOvr>
+    <a:masterClrMapping/>
+  </p:clrMapOvr>
+  <p:transition spd="med"/>
+</p:sld>
+</file>
+
+<file path=ppt/slides/slide25.xml><?xml version="1.0" encoding="utf-8"?>
+<p:sld xmlns:a="http://schemas.openxmlformats.org/drawingml/2006/main" xmlns:r="http://schemas.openxmlformats.org/officeDocument/2006/relationships" xmlns:p="http://schemas.openxmlformats.org/presentationml/2006/main">
+  <p:cSld>
+    <p:bg>
+      <p:bgPr>
+        <a:blipFill rotWithShape="0">
+          <a:blip r:embed="rId1"/>
+          <a:stretch>
+            <a:fillRect/>
+          </a:stretch>
+        </a:blipFill>
+        <a:effectLst/>
+      </p:bgPr>
+    </p:bg>
+    <p:spTree>
+      <p:nvGrpSpPr>
+        <p:cNvPr id="1" name=""/>
+        <p:cNvGrpSpPr/>
+        <p:nvPr/>
+      </p:nvGrpSpPr>
+      <p:grpSpPr/>
+      <p:sp>
+        <p:nvSpPr>
+          <p:cNvPr id="6146" name="Rectangle 2"/>
+          <p:cNvSpPr>
+            <a:spLocks noGrp="1"/>
+          </p:cNvSpPr>
+          <p:nvPr>
+            <p:ph type="title"/>
+          </p:nvPr>
+        </p:nvSpPr>
+        <p:spPr>
+          <a:xfrm>
+            <a:off x="2438400" y="228600"/>
+            <a:ext cx="4520565" cy="609600"/>
+          </a:xfrm>
+        </p:spPr>
+        <p:txBody>
+          <a:bodyPr vert="horz" wrap="square" lIns="91440" tIns="45720" rIns="91440" bIns="45720" anchor="ctr"/>
+          <a:p>
+            <a:pPr algn="ctr" eaLnBrk="1" hangingPunct="1"/>
+            <a:r>
+              <a:rPr lang="en-US" altLang="zh-CN" sz="2800" dirty="0">
+                <a:solidFill>
                   <a:schemeClr val="bg1"/>
                 </a:solidFill>
+                <a:ea typeface="宋体" panose="02010600030101010101" pitchFamily="2" charset="-122"/>
+              </a:rPr>
+              <a:t>BLE: (GATT) Client / Server </a:t>
+            </a:r>
+            <a:endParaRPr lang="en-US" altLang="zh-CN" sz="2800" dirty="0">
+              <a:solidFill>
+                <a:schemeClr val="bg1"/>
+              </a:solidFill>
+              <a:ea typeface="宋体" panose="02010600030101010101" pitchFamily="2" charset="-122"/>
+            </a:endParaRPr>
+          </a:p>
+        </p:txBody>
+      </p:sp>
+      <p:sp>
+        <p:nvSpPr>
+          <p:cNvPr id="6147" name="Rectangle 3"/>
+          <p:cNvSpPr>
+            <a:spLocks noGrp="1"/>
+          </p:cNvSpPr>
+          <p:nvPr>
+            <p:ph type="body" sz="half" idx="1"/>
+          </p:nvPr>
+        </p:nvSpPr>
+        <p:spPr>
+          <a:xfrm>
+            <a:off x="1751965" y="929005"/>
+            <a:ext cx="4510405" cy="2367915"/>
+          </a:xfrm>
+        </p:spPr>
+        <p:txBody>
+          <a:bodyPr vert="horz" wrap="square" lIns="91440" tIns="45720" rIns="91440" bIns="45720" anchor="t"/>
+          <a:p>
+            <a:pPr marL="0" indent="0" eaLnBrk="1" hangingPunct="1"/>
+            <a:endParaRPr lang="en-US" altLang="zh-CN" sz="1600" b="0" dirty="0">
+              <a:solidFill>
+                <a:srgbClr val="00CC00"/>
+              </a:solidFill>
+              <a:latin typeface="Impact" panose="020B0806030902050204" pitchFamily="34" charset="0"/>
+              <a:ea typeface="宋体" panose="02010600030101010101" pitchFamily="2" charset="-122"/>
+            </a:endParaRPr>
+          </a:p>
+          <a:p>
+            <a:pPr marL="285750" indent="-285750" eaLnBrk="1" hangingPunct="1">
+              <a:buFont typeface="Arial" panose="020B0604020202020204" pitchFamily="34" charset="0"/>
+              <a:buChar char="•"/>
+            </a:pPr>
+            <a:r>
+              <a:rPr lang="en-US" altLang="zh-CN" sz="1600" b="0" dirty="0">
+                <a:solidFill>
+                  <a:srgbClr val="00CC00"/>
+                </a:solidFill>
                 <a:latin typeface="Impact" panose="020B0806030902050204" pitchFamily="34" charset="0"/>
                 <a:ea typeface="宋体" panose="02010600030101010101" pitchFamily="2" charset="-122"/>
               </a:rPr>
-              <a:t>2</a:t>
-            </a:r>
-            <a:r>
-              <a:rPr lang="zh-CN" altLang="en-US" sz="1600" b="0" dirty="0">
+              <a:t>GATT 指定了profile 数据交换所在的结构</a:t>
+            </a:r>
+            <a:endParaRPr lang="en-US" altLang="zh-CN" sz="1600" b="0" dirty="0">
+              <a:solidFill>
+                <a:srgbClr val="00CC00"/>
+              </a:solidFill>
+              <a:latin typeface="Impact" panose="020B0806030902050204" pitchFamily="34" charset="0"/>
+              <a:ea typeface="宋体" panose="02010600030101010101" pitchFamily="2" charset="-122"/>
+            </a:endParaRPr>
+          </a:p>
+          <a:p>
+            <a:pPr marL="0" indent="0" eaLnBrk="1" hangingPunct="1"/>
+            <a:endParaRPr lang="en-US" altLang="zh-CN" sz="1600" b="0" dirty="0">
+              <a:solidFill>
+                <a:srgbClr val="00CC00"/>
+              </a:solidFill>
+              <a:latin typeface="Impact" panose="020B0806030902050204" pitchFamily="34" charset="0"/>
+              <a:ea typeface="宋体" panose="02010600030101010101" pitchFamily="2" charset="-122"/>
+            </a:endParaRPr>
+          </a:p>
+          <a:p>
+            <a:pPr marL="285750" indent="-285750" eaLnBrk="1" hangingPunct="1">
+              <a:buFont typeface="Arial" panose="020B0604020202020204" pitchFamily="34" charset="0"/>
+              <a:buChar char="•"/>
+            </a:pPr>
+            <a:r>
+              <a:rPr lang="en-US" altLang="zh-CN" sz="1600" b="0" dirty="0">
+                <a:solidFill>
+                  <a:srgbClr val="00CC00"/>
+                </a:solidFill>
+                <a:latin typeface="Impact" panose="020B0806030902050204" pitchFamily="34" charset="0"/>
+                <a:ea typeface="宋体" panose="02010600030101010101" pitchFamily="2" charset="-122"/>
+              </a:rPr>
+              <a:t>除了数据的封装方式不同，client server 和Attribute协议结构相同，数据封装在 “Services ”里，用 “Characteristic” 表示。</a:t>
+            </a:r>
+            <a:endParaRPr lang="en-US" altLang="zh-CN" sz="1600" b="0" dirty="0">
+              <a:solidFill>
+                <a:srgbClr val="00CC00"/>
+              </a:solidFill>
+              <a:latin typeface="Impact" panose="020B0806030902050204" pitchFamily="34" charset="0"/>
+              <a:ea typeface="宋体" panose="02010600030101010101" pitchFamily="2" charset="-122"/>
+            </a:endParaRPr>
+          </a:p>
+          <a:p>
+            <a:pPr marL="0" indent="0" eaLnBrk="1" hangingPunct="1"/>
+            <a:endParaRPr lang="en-US" altLang="zh-CN" sz="1600" b="0" dirty="0">
+              <a:solidFill>
+                <a:srgbClr val="00CC00"/>
+              </a:solidFill>
+              <a:latin typeface="Impact" panose="020B0806030902050204" pitchFamily="34" charset="0"/>
+              <a:ea typeface="宋体" panose="02010600030101010101" pitchFamily="2" charset="-122"/>
+            </a:endParaRPr>
+          </a:p>
+          <a:p>
+            <a:pPr marL="0" indent="0" eaLnBrk="1" hangingPunct="1"/>
+            <a:endParaRPr lang="en-US" altLang="zh-CN" sz="1600" b="0" dirty="0">
+              <a:solidFill>
+                <a:srgbClr val="00CC00"/>
+              </a:solidFill>
+              <a:latin typeface="Impact" panose="020B0806030902050204" pitchFamily="34" charset="0"/>
+              <a:ea typeface="宋体" panose="02010600030101010101" pitchFamily="2" charset="-122"/>
+            </a:endParaRPr>
+          </a:p>
+        </p:txBody>
+      </p:sp>
+      <p:pic>
+        <p:nvPicPr>
+          <p:cNvPr id="2" name="图片 1"/>
+          <p:cNvPicPr>
+            <a:picLocks noChangeAspect="1"/>
+          </p:cNvPicPr>
+          <p:nvPr/>
+        </p:nvPicPr>
+        <p:blipFill>
+          <a:blip r:embed="rId2"/>
+          <a:stretch>
+            <a:fillRect/>
+          </a:stretch>
+        </p:blipFill>
+        <p:spPr>
+          <a:xfrm>
+            <a:off x="1626870" y="3569970"/>
+            <a:ext cx="4635500" cy="2112010"/>
+          </a:xfrm>
+          <a:prstGeom prst="rect">
+            <a:avLst/>
+          </a:prstGeom>
+        </p:spPr>
+      </p:pic>
+      <p:pic>
+        <p:nvPicPr>
+          <p:cNvPr id="3" name="图片 2"/>
+          <p:cNvPicPr>
+            <a:picLocks noChangeAspect="1"/>
+          </p:cNvPicPr>
+          <p:nvPr/>
+        </p:nvPicPr>
+        <p:blipFill>
+          <a:blip r:embed="rId3"/>
+          <a:stretch>
+            <a:fillRect/>
+          </a:stretch>
+        </p:blipFill>
+        <p:spPr>
+          <a:xfrm>
+            <a:off x="7342505" y="929005"/>
+            <a:ext cx="3647440" cy="4923790"/>
+          </a:xfrm>
+          <a:prstGeom prst="rect">
+            <a:avLst/>
+          </a:prstGeom>
+        </p:spPr>
+      </p:pic>
+    </p:spTree>
+  </p:cSld>
+  <p:clrMapOvr>
+    <a:masterClrMapping/>
+  </p:clrMapOvr>
+  <p:transition spd="med"/>
+</p:sld>
+</file>
+
+<file path=ppt/slides/slide26.xml><?xml version="1.0" encoding="utf-8"?>
+<p:sld xmlns:a="http://schemas.openxmlformats.org/drawingml/2006/main" xmlns:r="http://schemas.openxmlformats.org/officeDocument/2006/relationships" xmlns:p="http://schemas.openxmlformats.org/presentationml/2006/main">
+  <p:cSld>
+    <p:bg>
+      <p:bgPr>
+        <a:blipFill rotWithShape="0">
+          <a:blip r:embed="rId1"/>
+          <a:stretch>
+            <a:fillRect/>
+          </a:stretch>
+        </a:blipFill>
+        <a:effectLst/>
+      </p:bgPr>
+    </p:bg>
+    <p:spTree>
+      <p:nvGrpSpPr>
+        <p:cNvPr id="1" name=""/>
+        <p:cNvGrpSpPr/>
+        <p:nvPr/>
+      </p:nvGrpSpPr>
+      <p:grpSpPr/>
+      <p:sp>
+        <p:nvSpPr>
+          <p:cNvPr id="6146" name="Rectangle 2"/>
+          <p:cNvSpPr>
+            <a:spLocks noGrp="1"/>
+          </p:cNvSpPr>
+          <p:nvPr>
+            <p:ph type="title"/>
+          </p:nvPr>
+        </p:nvSpPr>
+        <p:spPr>
+          <a:xfrm>
+            <a:off x="2438400" y="228600"/>
+            <a:ext cx="4935220" cy="609600"/>
+          </a:xfrm>
+        </p:spPr>
+        <p:txBody>
+          <a:bodyPr vert="horz" wrap="square" lIns="91440" tIns="45720" rIns="91440" bIns="45720" anchor="ctr"/>
+          <a:p>
+            <a:pPr algn="ctr" eaLnBrk="1" hangingPunct="1"/>
+            <a:r>
+              <a:rPr lang="en-US" altLang="zh-CN" sz="2800" dirty="0">
                 <a:solidFill>
                   <a:schemeClr val="bg1"/>
                 </a:solidFill>
+                <a:ea typeface="宋体" panose="02010600030101010101" pitchFamily="2" charset="-122"/>
+              </a:rPr>
+              <a:t>BLE (GATT):Client Commands</a:t>
+            </a:r>
+            <a:endParaRPr lang="en-US" altLang="zh-CN" sz="2800" dirty="0">
+              <a:solidFill>
+                <a:schemeClr val="bg1"/>
+              </a:solidFill>
+              <a:ea typeface="宋体" panose="02010600030101010101" pitchFamily="2" charset="-122"/>
+            </a:endParaRPr>
+          </a:p>
+        </p:txBody>
+      </p:sp>
+      <p:sp>
+        <p:nvSpPr>
+          <p:cNvPr id="6147" name="Rectangle 3"/>
+          <p:cNvSpPr>
+            <a:spLocks noGrp="1"/>
+          </p:cNvSpPr>
+          <p:nvPr>
+            <p:ph type="body" sz="half" idx="1"/>
+          </p:nvPr>
+        </p:nvSpPr>
+        <p:spPr>
+          <a:xfrm>
+            <a:off x="2590800" y="990600"/>
+            <a:ext cx="7010400" cy="4800600"/>
+          </a:xfrm>
+        </p:spPr>
+        <p:txBody>
+          <a:bodyPr vert="horz" wrap="square" lIns="91440" tIns="45720" rIns="91440" bIns="45720" anchor="t"/>
+          <a:p>
+            <a:pPr marL="285750" indent="-285750" eaLnBrk="1" hangingPunct="1">
+              <a:buFont typeface="Arial" panose="020B0604020202020204" pitchFamily="34" charset="0"/>
+              <a:buChar char="•"/>
+            </a:pPr>
+            <a:r>
+              <a:rPr lang="en-US" altLang="zh-CN" sz="1600" b="0" dirty="0">
+                <a:solidFill>
+                  <a:srgbClr val="00CC00"/>
+                </a:solidFill>
                 <a:latin typeface="Impact" panose="020B0806030902050204" pitchFamily="34" charset="0"/>
                 <a:ea typeface="宋体" panose="02010600030101010101" pitchFamily="2" charset="-122"/>
               </a:rPr>
-              <a:t>，物联必须遵循约定的通信协议，并通过相应的软、硬件实现。互联的物品要互相交换信息，就需要实现不同系统中的实体的通信。</a:t>
-            </a:r>
-            <a:endParaRPr lang="zh-CN" altLang="en-US" sz="1600" b="0" dirty="0">
+              <a:t>当两个BLE设备处于连接状态，客户端和服务端</a:t>
+            </a:r>
+            <a:endParaRPr lang="en-US" altLang="zh-CN" sz="1600" b="0" dirty="0">
+              <a:solidFill>
+                <a:srgbClr val="00CC00"/>
+              </a:solidFill>
+              <a:latin typeface="Impact" panose="020B0806030902050204" pitchFamily="34" charset="0"/>
+              <a:ea typeface="宋体" panose="02010600030101010101" pitchFamily="2" charset="-122"/>
+            </a:endParaRPr>
+          </a:p>
+          <a:p>
+            <a:pPr marL="0" indent="0" eaLnBrk="1" hangingPunct="1"/>
+            <a:r>
+              <a:rPr lang="en-US" altLang="zh-CN" sz="1600" b="0" dirty="0">
+                <a:solidFill>
+                  <a:srgbClr val="00CC00"/>
+                </a:solidFill>
+                <a:latin typeface="Impact" panose="020B0806030902050204" pitchFamily="34" charset="0"/>
+                <a:ea typeface="宋体" panose="02010600030101010101" pitchFamily="2" charset="-122"/>
+              </a:rPr>
+              <a:t>设备的通讯方式：</a:t>
+            </a:r>
+            <a:endParaRPr lang="en-US" altLang="zh-CN" sz="1600" b="0" dirty="0">
+              <a:solidFill>
+                <a:srgbClr val="00CC00"/>
+              </a:solidFill>
+              <a:latin typeface="Impact" panose="020B0806030902050204" pitchFamily="34" charset="0"/>
+              <a:ea typeface="宋体" panose="02010600030101010101" pitchFamily="2" charset="-122"/>
+            </a:endParaRPr>
+          </a:p>
+          <a:p>
+            <a:pPr marL="0" indent="0" eaLnBrk="1" hangingPunct="1"/>
+            <a:r>
+              <a:rPr lang="en-US" altLang="zh-CN" sz="1600" b="0" dirty="0">
+                <a:solidFill>
+                  <a:srgbClr val="00CC00"/>
+                </a:solidFill>
+                <a:latin typeface="Impact" panose="020B0806030902050204" pitchFamily="34" charset="0"/>
+                <a:ea typeface="宋体" panose="02010600030101010101" pitchFamily="2" charset="-122"/>
+              </a:rPr>
+              <a:t>– Discover Characteristic by UUID  – 搜索服务端设备</a:t>
+            </a:r>
+            <a:endParaRPr lang="en-US" altLang="zh-CN" sz="1600" b="0" dirty="0">
+              <a:solidFill>
+                <a:srgbClr val="00CC00"/>
+              </a:solidFill>
+              <a:latin typeface="Impact" panose="020B0806030902050204" pitchFamily="34" charset="0"/>
+              <a:ea typeface="宋体" panose="02010600030101010101" pitchFamily="2" charset="-122"/>
+            </a:endParaRPr>
+          </a:p>
+          <a:p>
+            <a:pPr marL="0" indent="0" eaLnBrk="1" hangingPunct="1"/>
+            <a:r>
+              <a:rPr lang="en-US" altLang="zh-CN" sz="1600" b="0" dirty="0">
+                <a:solidFill>
+                  <a:srgbClr val="00CC00"/>
+                </a:solidFill>
+                <a:latin typeface="Impact" panose="020B0806030902050204" pitchFamily="34" charset="0"/>
+                <a:ea typeface="宋体" panose="02010600030101010101" pitchFamily="2" charset="-122"/>
+              </a:rPr>
+              <a:t>所能提供的所有匹配UUID规范的属性</a:t>
+            </a:r>
+            <a:endParaRPr lang="en-US" altLang="zh-CN" sz="1600" b="0" dirty="0">
+              <a:solidFill>
+                <a:srgbClr val="00CC00"/>
+              </a:solidFill>
+              <a:latin typeface="Impact" panose="020B0806030902050204" pitchFamily="34" charset="0"/>
+              <a:ea typeface="宋体" panose="02010600030101010101" pitchFamily="2" charset="-122"/>
+            </a:endParaRPr>
+          </a:p>
+          <a:p>
+            <a:pPr marL="0" indent="0" eaLnBrk="1" hangingPunct="1"/>
+            <a:r>
+              <a:rPr lang="en-US" altLang="zh-CN" sz="1600" b="0" dirty="0">
+                <a:solidFill>
+                  <a:srgbClr val="00CC00"/>
+                </a:solidFill>
+                <a:latin typeface="Impact" panose="020B0806030902050204" pitchFamily="34" charset="0"/>
+                <a:ea typeface="宋体" panose="02010600030101010101" pitchFamily="2" charset="-122"/>
+              </a:rPr>
+              <a:t>– Read Characteristic Value  –使用指定的handle 读特</a:t>
+            </a:r>
+            <a:endParaRPr lang="en-US" altLang="zh-CN" sz="1600" b="0" dirty="0">
+              <a:solidFill>
+                <a:srgbClr val="00CC00"/>
+              </a:solidFill>
+              <a:latin typeface="Impact" panose="020B0806030902050204" pitchFamily="34" charset="0"/>
+              <a:ea typeface="宋体" panose="02010600030101010101" pitchFamily="2" charset="-122"/>
+            </a:endParaRPr>
+          </a:p>
+          <a:p>
+            <a:pPr marL="0" indent="0" eaLnBrk="1" hangingPunct="1"/>
+            <a:r>
+              <a:rPr lang="en-US" altLang="zh-CN" sz="1600" b="0" dirty="0">
+                <a:solidFill>
+                  <a:srgbClr val="00CC00"/>
+                </a:solidFill>
+                <a:latin typeface="Impact" panose="020B0806030902050204" pitchFamily="34" charset="0"/>
+                <a:ea typeface="宋体" panose="02010600030101010101" pitchFamily="2" charset="-122"/>
+              </a:rPr>
+              <a:t>征值</a:t>
+            </a:r>
+            <a:endParaRPr lang="en-US" altLang="zh-CN" sz="1600" b="0" dirty="0">
+              <a:solidFill>
+                <a:srgbClr val="00CC00"/>
+              </a:solidFill>
+              <a:latin typeface="Impact" panose="020B0806030902050204" pitchFamily="34" charset="0"/>
+              <a:ea typeface="宋体" panose="02010600030101010101" pitchFamily="2" charset="-122"/>
+            </a:endParaRPr>
+          </a:p>
+          <a:p>
+            <a:pPr marL="0" indent="0" eaLnBrk="1" hangingPunct="1"/>
+            <a:r>
+              <a:rPr lang="en-US" altLang="zh-CN" sz="1600" b="0" dirty="0">
+                <a:solidFill>
+                  <a:srgbClr val="00CC00"/>
+                </a:solidFill>
+                <a:latin typeface="Impact" panose="020B0806030902050204" pitchFamily="34" charset="0"/>
+                <a:ea typeface="宋体" panose="02010600030101010101" pitchFamily="2" charset="-122"/>
+              </a:rPr>
+              <a:t>– Write Characteristic Value  –使用指定的handle 写特</a:t>
+            </a:r>
+            <a:endParaRPr lang="en-US" altLang="zh-CN" sz="1600" b="0" dirty="0">
+              <a:solidFill>
+                <a:srgbClr val="00CC00"/>
+              </a:solidFill>
+              <a:latin typeface="Impact" panose="020B0806030902050204" pitchFamily="34" charset="0"/>
+              <a:ea typeface="宋体" panose="02010600030101010101" pitchFamily="2" charset="-122"/>
+            </a:endParaRPr>
+          </a:p>
+          <a:p>
+            <a:pPr marL="0" indent="0" eaLnBrk="1" hangingPunct="1"/>
+            <a:r>
+              <a:rPr lang="en-US" altLang="zh-CN" sz="1600" b="0" dirty="0">
+                <a:solidFill>
+                  <a:srgbClr val="00CC00"/>
+                </a:solidFill>
+                <a:latin typeface="Impact" panose="020B0806030902050204" pitchFamily="34" charset="0"/>
+                <a:ea typeface="宋体" panose="02010600030101010101" pitchFamily="2" charset="-122"/>
+              </a:rPr>
+              <a:t>征值</a:t>
+            </a:r>
+            <a:endParaRPr lang="en-US" altLang="zh-CN" sz="1600" b="0" dirty="0">
+              <a:solidFill>
+                <a:srgbClr val="00CC00"/>
+              </a:solidFill>
+              <a:latin typeface="Impact" panose="020B0806030902050204" pitchFamily="34" charset="0"/>
+              <a:ea typeface="宋体" panose="02010600030101010101" pitchFamily="2" charset="-122"/>
+            </a:endParaRPr>
+          </a:p>
+          <a:p>
+            <a:pPr marL="285750" indent="-285750" eaLnBrk="1" hangingPunct="1">
+              <a:buFont typeface="Arial" panose="020B0604020202020204" pitchFamily="34" charset="0"/>
+              <a:buChar char="•"/>
+            </a:pPr>
+            <a:r>
+              <a:rPr lang="en-US" altLang="zh-CN" sz="1600" b="0" dirty="0">
+                <a:solidFill>
+                  <a:srgbClr val="00CC00"/>
+                </a:solidFill>
+                <a:latin typeface="Impact" panose="020B0806030902050204" pitchFamily="34" charset="0"/>
+                <a:ea typeface="宋体" panose="02010600030101010101" pitchFamily="2" charset="-122"/>
+              </a:rPr>
+              <a:t>除此之外，如果通知被使能，服务设备会自动向</a:t>
+            </a:r>
+            <a:endParaRPr lang="en-US" altLang="zh-CN" sz="1600" b="0" dirty="0">
+              <a:solidFill>
+                <a:srgbClr val="00CC00"/>
+              </a:solidFill>
+              <a:latin typeface="Impact" panose="020B0806030902050204" pitchFamily="34" charset="0"/>
+              <a:ea typeface="宋体" panose="02010600030101010101" pitchFamily="2" charset="-122"/>
+            </a:endParaRPr>
+          </a:p>
+          <a:p>
+            <a:pPr marL="0" indent="0" eaLnBrk="1" hangingPunct="1"/>
+            <a:r>
+              <a:rPr lang="en-US" altLang="zh-CN" sz="1600" b="0" dirty="0">
+                <a:solidFill>
+                  <a:srgbClr val="00CC00"/>
+                </a:solidFill>
+                <a:latin typeface="Impact" panose="020B0806030902050204" pitchFamily="34" charset="0"/>
+                <a:ea typeface="宋体" panose="02010600030101010101" pitchFamily="2" charset="-122"/>
+              </a:rPr>
+              <a:t>客户端设备发出下列信息：</a:t>
+            </a:r>
+            <a:endParaRPr lang="en-US" altLang="zh-CN" sz="1600" b="0" dirty="0">
+              <a:solidFill>
+                <a:srgbClr val="00CC00"/>
+              </a:solidFill>
+              <a:latin typeface="Impact" panose="020B0806030902050204" pitchFamily="34" charset="0"/>
+              <a:ea typeface="宋体" panose="02010600030101010101" pitchFamily="2" charset="-122"/>
+            </a:endParaRPr>
+          </a:p>
+          <a:p>
+            <a:pPr marL="0" indent="0" eaLnBrk="1" hangingPunct="1"/>
+            <a:r>
+              <a:rPr lang="en-US" altLang="zh-CN" sz="1600" b="0" dirty="0">
+                <a:solidFill>
+                  <a:srgbClr val="00CC00"/>
+                </a:solidFill>
+                <a:latin typeface="Impact" panose="020B0806030902050204" pitchFamily="34" charset="0"/>
+                <a:ea typeface="宋体" panose="02010600030101010101" pitchFamily="2" charset="-122"/>
+              </a:rPr>
+              <a:t>– Notification – 某个特征值被发送到客户端设备，而没</a:t>
+            </a:r>
+            <a:endParaRPr lang="en-US" altLang="zh-CN" sz="1600" b="0" dirty="0">
+              <a:solidFill>
+                <a:srgbClr val="00CC00"/>
+              </a:solidFill>
+              <a:latin typeface="Impact" panose="020B0806030902050204" pitchFamily="34" charset="0"/>
+              <a:ea typeface="宋体" panose="02010600030101010101" pitchFamily="2" charset="-122"/>
+            </a:endParaRPr>
+          </a:p>
+          <a:p>
+            <a:pPr marL="0" indent="0" eaLnBrk="1" hangingPunct="1"/>
+            <a:r>
+              <a:rPr lang="en-US" altLang="zh-CN" sz="1600" b="0" dirty="0">
+                <a:solidFill>
+                  <a:srgbClr val="00CC00"/>
+                </a:solidFill>
+                <a:latin typeface="Impact" panose="020B0806030902050204" pitchFamily="34" charset="0"/>
+                <a:ea typeface="宋体" panose="02010600030101010101" pitchFamily="2" charset="-122"/>
+              </a:rPr>
+              <a:t>有被读请求，并且不需要应答。</a:t>
+            </a:r>
+            <a:endParaRPr lang="en-US" altLang="zh-CN" sz="1600" b="0" dirty="0">
+              <a:solidFill>
+                <a:srgbClr val="00CC00"/>
+              </a:solidFill>
+              <a:latin typeface="Impact" panose="020B0806030902050204" pitchFamily="34" charset="0"/>
+              <a:ea typeface="宋体" panose="02010600030101010101" pitchFamily="2" charset="-122"/>
+            </a:endParaRPr>
+          </a:p>
+          <a:p>
+            <a:pPr marL="0" indent="0" eaLnBrk="1" hangingPunct="1"/>
+            <a:r>
+              <a:rPr lang="en-US" altLang="zh-CN" sz="1600" b="0" dirty="0">
+                <a:solidFill>
+                  <a:srgbClr val="00CC00"/>
+                </a:solidFill>
+                <a:latin typeface="Impact" panose="020B0806030902050204" pitchFamily="34" charset="0"/>
+                <a:ea typeface="宋体" panose="02010600030101010101" pitchFamily="2" charset="-122"/>
+              </a:rPr>
+              <a:t>– Indication – 某个特征值被发送到客户端，没有被读请</a:t>
+            </a:r>
+            <a:endParaRPr lang="en-US" altLang="zh-CN" sz="1600" b="0" dirty="0">
+              <a:solidFill>
+                <a:srgbClr val="00CC00"/>
+              </a:solidFill>
+              <a:latin typeface="Impact" panose="020B0806030902050204" pitchFamily="34" charset="0"/>
+              <a:ea typeface="宋体" panose="02010600030101010101" pitchFamily="2" charset="-122"/>
+            </a:endParaRPr>
+          </a:p>
+          <a:p>
+            <a:pPr marL="0" indent="0" eaLnBrk="1" hangingPunct="1"/>
+            <a:r>
+              <a:rPr lang="en-US" altLang="zh-CN" sz="1600" b="0" dirty="0">
+                <a:solidFill>
+                  <a:srgbClr val="00CC00"/>
+                </a:solidFill>
+                <a:latin typeface="Impact" panose="020B0806030902050204" pitchFamily="34" charset="0"/>
+                <a:ea typeface="宋体" panose="02010600030101010101" pitchFamily="2" charset="-122"/>
+              </a:rPr>
+              <a:t>求的情况下，但是在其他数据被发送之前必须被确认。</a:t>
+            </a:r>
+            <a:endParaRPr lang="en-US" altLang="zh-CN" sz="1600" b="0" dirty="0">
+              <a:solidFill>
+                <a:srgbClr val="00CC00"/>
+              </a:solidFill>
+              <a:latin typeface="Impact" panose="020B0806030902050204" pitchFamily="34" charset="0"/>
+              <a:ea typeface="宋体" panose="02010600030101010101" pitchFamily="2" charset="-122"/>
+            </a:endParaRPr>
+          </a:p>
+        </p:txBody>
+      </p:sp>
+    </p:spTree>
+  </p:cSld>
+  <p:clrMapOvr>
+    <a:masterClrMapping/>
+  </p:clrMapOvr>
+  <p:transition spd="med"/>
+</p:sld>
+</file>
+
+<file path=ppt/slides/slide27.xml><?xml version="1.0" encoding="utf-8"?>
+<p:sld xmlns:a="http://schemas.openxmlformats.org/drawingml/2006/main" xmlns:r="http://schemas.openxmlformats.org/officeDocument/2006/relationships" xmlns:p="http://schemas.openxmlformats.org/presentationml/2006/main">
+  <p:cSld>
+    <p:bg>
+      <p:bgPr>
+        <a:blipFill rotWithShape="0">
+          <a:blip r:embed="rId1"/>
+          <a:stretch>
+            <a:fillRect/>
+          </a:stretch>
+        </a:blipFill>
+        <a:effectLst/>
+      </p:bgPr>
+    </p:bg>
+    <p:spTree>
+      <p:nvGrpSpPr>
+        <p:cNvPr id="1" name=""/>
+        <p:cNvGrpSpPr/>
+        <p:nvPr/>
+      </p:nvGrpSpPr>
+      <p:grpSpPr/>
+      <p:sp>
+        <p:nvSpPr>
+          <p:cNvPr id="6146" name="Rectangle 2"/>
+          <p:cNvSpPr>
+            <a:spLocks noGrp="1"/>
+          </p:cNvSpPr>
+          <p:nvPr>
+            <p:ph type="title"/>
+          </p:nvPr>
+        </p:nvSpPr>
+        <p:spPr>
+          <a:xfrm>
+            <a:off x="2438400" y="228600"/>
+            <a:ext cx="3352800" cy="609600"/>
+          </a:xfrm>
+        </p:spPr>
+        <p:txBody>
+          <a:bodyPr vert="horz" wrap="square" lIns="91440" tIns="45720" rIns="91440" bIns="45720" anchor="ctr"/>
+          <a:p>
+            <a:pPr algn="ctr" eaLnBrk="1" hangingPunct="1"/>
+            <a:r>
+              <a:rPr lang="en-US" altLang="zh-CN" sz="2800" dirty="0">
+                <a:solidFill>
+                  <a:schemeClr val="bg1"/>
+                </a:solidFill>
+                <a:ea typeface="宋体" panose="02010600030101010101" pitchFamily="2" charset="-122"/>
+              </a:rPr>
+              <a:t>Your Topic Goes Here</a:t>
+            </a:r>
+            <a:endParaRPr lang="en-US" altLang="zh-CN" sz="2800" dirty="0">
               <a:solidFill>
                 <a:schemeClr val="bg1"/>
+              </a:solidFill>
+              <a:ea typeface="宋体" panose="02010600030101010101" pitchFamily="2" charset="-122"/>
+            </a:endParaRPr>
+          </a:p>
+        </p:txBody>
+      </p:sp>
+      <p:sp>
+        <p:nvSpPr>
+          <p:cNvPr id="6147" name="Rectangle 3"/>
+          <p:cNvSpPr>
+            <a:spLocks noGrp="1"/>
+          </p:cNvSpPr>
+          <p:nvPr>
+            <p:ph type="body" sz="half" idx="1"/>
+          </p:nvPr>
+        </p:nvSpPr>
+        <p:spPr>
+          <a:xfrm>
+            <a:off x="2590800" y="990600"/>
+            <a:ext cx="7010400" cy="4800600"/>
+          </a:xfrm>
+        </p:spPr>
+        <p:txBody>
+          <a:bodyPr vert="horz" wrap="square" lIns="91440" tIns="45720" rIns="91440" bIns="45720" anchor="t"/>
+          <a:p>
+            <a:pPr marL="0" indent="0" eaLnBrk="1" hangingPunct="1"/>
+            <a:r>
+              <a:rPr lang="en-US" altLang="zh-CN" sz="1600" b="0" dirty="0">
+                <a:solidFill>
+                  <a:srgbClr val="00CC00"/>
+                </a:solidFill>
+                <a:latin typeface="Impact" panose="020B0806030902050204" pitchFamily="34" charset="0"/>
+                <a:ea typeface="宋体" panose="02010600030101010101" pitchFamily="2" charset="-122"/>
+              </a:rPr>
+              <a:t>Your subtopic goes here</a:t>
+            </a:r>
+            <a:endParaRPr lang="en-US" altLang="zh-CN" sz="1600" b="0" dirty="0">
+              <a:solidFill>
+                <a:srgbClr val="00CC00"/>
+              </a:solidFill>
+              <a:latin typeface="Impact" panose="020B0806030902050204" pitchFamily="34" charset="0"/>
+              <a:ea typeface="宋体" panose="02010600030101010101" pitchFamily="2" charset="-122"/>
+            </a:endParaRPr>
+          </a:p>
+        </p:txBody>
+      </p:sp>
+    </p:spTree>
+  </p:cSld>
+  <p:clrMapOvr>
+    <a:masterClrMapping/>
+  </p:clrMapOvr>
+  <p:transition spd="med"/>
+</p:sld>
+</file>
+
+<file path=ppt/slides/slide28.xml><?xml version="1.0" encoding="utf-8"?>
+<p:sld xmlns:a="http://schemas.openxmlformats.org/drawingml/2006/main" xmlns:r="http://schemas.openxmlformats.org/officeDocument/2006/relationships" xmlns:p="http://schemas.openxmlformats.org/presentationml/2006/main">
+  <p:cSld>
+    <p:bg>
+      <p:bgPr>
+        <a:blipFill rotWithShape="0">
+          <a:blip r:embed="rId1"/>
+          <a:stretch>
+            <a:fillRect/>
+          </a:stretch>
+        </a:blipFill>
+        <a:effectLst/>
+      </p:bgPr>
+    </p:bg>
+    <p:spTree>
+      <p:nvGrpSpPr>
+        <p:cNvPr id="1" name=""/>
+        <p:cNvGrpSpPr/>
+        <p:nvPr/>
+      </p:nvGrpSpPr>
+      <p:grpSpPr/>
+      <p:sp>
+        <p:nvSpPr>
+          <p:cNvPr id="6146" name="Rectangle 2"/>
+          <p:cNvSpPr>
+            <a:spLocks noGrp="1"/>
+          </p:cNvSpPr>
+          <p:nvPr>
+            <p:ph type="title"/>
+          </p:nvPr>
+        </p:nvSpPr>
+        <p:spPr>
+          <a:xfrm>
+            <a:off x="2438400" y="228600"/>
+            <a:ext cx="3352800" cy="609600"/>
+          </a:xfrm>
+        </p:spPr>
+        <p:txBody>
+          <a:bodyPr vert="horz" wrap="square" lIns="91440" tIns="45720" rIns="91440" bIns="45720" anchor="ctr"/>
+          <a:p>
+            <a:pPr algn="ctr" eaLnBrk="1" hangingPunct="1"/>
+            <a:r>
+              <a:rPr lang="en-US" altLang="zh-CN" sz="2800" dirty="0">
+                <a:solidFill>
+                  <a:schemeClr val="bg1"/>
+                </a:solidFill>
+                <a:ea typeface="宋体" panose="02010600030101010101" pitchFamily="2" charset="-122"/>
+              </a:rPr>
+              <a:t>Your Topic Goes Here</a:t>
+            </a:r>
+            <a:endParaRPr lang="en-US" altLang="zh-CN" sz="2800" dirty="0">
+              <a:solidFill>
+                <a:schemeClr val="bg1"/>
+              </a:solidFill>
+              <a:ea typeface="宋体" panose="02010600030101010101" pitchFamily="2" charset="-122"/>
+            </a:endParaRPr>
+          </a:p>
+        </p:txBody>
+      </p:sp>
+      <p:sp>
+        <p:nvSpPr>
+          <p:cNvPr id="6147" name="Rectangle 3"/>
+          <p:cNvSpPr>
+            <a:spLocks noGrp="1"/>
+          </p:cNvSpPr>
+          <p:nvPr>
+            <p:ph type="body" sz="half" idx="1"/>
+          </p:nvPr>
+        </p:nvSpPr>
+        <p:spPr>
+          <a:xfrm>
+            <a:off x="2590800" y="990600"/>
+            <a:ext cx="7010400" cy="4800600"/>
+          </a:xfrm>
+        </p:spPr>
+        <p:txBody>
+          <a:bodyPr vert="horz" wrap="square" lIns="91440" tIns="45720" rIns="91440" bIns="45720" anchor="t"/>
+          <a:p>
+            <a:pPr marL="0" indent="0" eaLnBrk="1" hangingPunct="1"/>
+            <a:r>
+              <a:rPr lang="en-US" altLang="zh-CN" sz="1600" b="0" dirty="0">
+                <a:solidFill>
+                  <a:srgbClr val="00CC00"/>
+                </a:solidFill>
+                <a:latin typeface="Impact" panose="020B0806030902050204" pitchFamily="34" charset="0"/>
+                <a:ea typeface="宋体" panose="02010600030101010101" pitchFamily="2" charset="-122"/>
+              </a:rPr>
+              <a:t>Your subtopic goes here</a:t>
+            </a:r>
+            <a:endParaRPr lang="en-US" altLang="zh-CN" sz="1600" b="0" dirty="0">
+              <a:solidFill>
+                <a:srgbClr val="00CC00"/>
+              </a:solidFill>
+              <a:latin typeface="Impact" panose="020B0806030902050204" pitchFamily="34" charset="0"/>
+              <a:ea typeface="宋体" panose="02010600030101010101" pitchFamily="2" charset="-122"/>
+            </a:endParaRPr>
+          </a:p>
+        </p:txBody>
+      </p:sp>
+    </p:spTree>
+  </p:cSld>
+  <p:clrMapOvr>
+    <a:masterClrMapping/>
+  </p:clrMapOvr>
+  <p:transition spd="med"/>
+</p:sld>
+</file>
+
+<file path=ppt/slides/slide29.xml><?xml version="1.0" encoding="utf-8"?>
+<p:sld xmlns:a="http://schemas.openxmlformats.org/drawingml/2006/main" xmlns:r="http://schemas.openxmlformats.org/officeDocument/2006/relationships" xmlns:p="http://schemas.openxmlformats.org/presentationml/2006/main">
+  <p:cSld>
+    <p:bg>
+      <p:bgPr>
+        <a:blipFill rotWithShape="0">
+          <a:blip r:embed="rId1"/>
+          <a:stretch>
+            <a:fillRect/>
+          </a:stretch>
+        </a:blipFill>
+        <a:effectLst/>
+      </p:bgPr>
+    </p:bg>
+    <p:spTree>
+      <p:nvGrpSpPr>
+        <p:cNvPr id="1" name=""/>
+        <p:cNvGrpSpPr/>
+        <p:nvPr/>
+      </p:nvGrpSpPr>
+      <p:grpSpPr/>
+      <p:sp>
+        <p:nvSpPr>
+          <p:cNvPr id="6146" name="Rectangle 2"/>
+          <p:cNvSpPr>
+            <a:spLocks noGrp="1"/>
+          </p:cNvSpPr>
+          <p:nvPr>
+            <p:ph type="title"/>
+          </p:nvPr>
+        </p:nvSpPr>
+        <p:spPr>
+          <a:xfrm>
+            <a:off x="2438400" y="228600"/>
+            <a:ext cx="3352800" cy="609600"/>
+          </a:xfrm>
+        </p:spPr>
+        <p:txBody>
+          <a:bodyPr vert="horz" wrap="square" lIns="91440" tIns="45720" rIns="91440" bIns="45720" anchor="ctr"/>
+          <a:p>
+            <a:pPr algn="ctr" eaLnBrk="1" hangingPunct="1"/>
+            <a:r>
+              <a:rPr lang="en-US" altLang="zh-CN" sz="2800" dirty="0">
+                <a:solidFill>
+                  <a:schemeClr val="bg1"/>
+                </a:solidFill>
+                <a:ea typeface="宋体" panose="02010600030101010101" pitchFamily="2" charset="-122"/>
+              </a:rPr>
+              <a:t>Your Topic Goes Here</a:t>
+            </a:r>
+            <a:endParaRPr lang="en-US" altLang="zh-CN" sz="2800" dirty="0">
+              <a:solidFill>
+                <a:schemeClr val="bg1"/>
+              </a:solidFill>
+              <a:ea typeface="宋体" panose="02010600030101010101" pitchFamily="2" charset="-122"/>
+            </a:endParaRPr>
+          </a:p>
+        </p:txBody>
+      </p:sp>
+      <p:sp>
+        <p:nvSpPr>
+          <p:cNvPr id="6147" name="Rectangle 3"/>
+          <p:cNvSpPr>
+            <a:spLocks noGrp="1"/>
+          </p:cNvSpPr>
+          <p:nvPr>
+            <p:ph type="body" sz="half" idx="1"/>
+          </p:nvPr>
+        </p:nvSpPr>
+        <p:spPr>
+          <a:xfrm>
+            <a:off x="2590800" y="990600"/>
+            <a:ext cx="7010400" cy="4800600"/>
+          </a:xfrm>
+        </p:spPr>
+        <p:txBody>
+          <a:bodyPr vert="horz" wrap="square" lIns="91440" tIns="45720" rIns="91440" bIns="45720" anchor="t"/>
+          <a:p>
+            <a:pPr marL="0" indent="0" eaLnBrk="1" hangingPunct="1"/>
+            <a:r>
+              <a:rPr lang="en-US" altLang="zh-CN" sz="1600" b="0" dirty="0">
+                <a:solidFill>
+                  <a:srgbClr val="00CC00"/>
+                </a:solidFill>
+                <a:latin typeface="Impact" panose="020B0806030902050204" pitchFamily="34" charset="0"/>
+                <a:ea typeface="宋体" panose="02010600030101010101" pitchFamily="2" charset="-122"/>
+              </a:rPr>
+              <a:t>Your subtopic goes here</a:t>
+            </a:r>
+            <a:endParaRPr lang="en-US" altLang="zh-CN" sz="1600" b="0" dirty="0">
+              <a:solidFill>
+                <a:srgbClr val="00CC00"/>
               </a:solidFill>
               <a:latin typeface="Impact" panose="020B0806030902050204" pitchFamily="34" charset="0"/>
               <a:ea typeface="宋体" panose="02010600030101010101" pitchFamily="2" charset="-122"/>
@@ -4862,109 +8253,37 @@
       <p:grpSpPr/>
       <p:sp>
         <p:nvSpPr>
-          <p:cNvPr id="6147" name="Rectangle 3"/>
-          <p:cNvSpPr>
-            <a:spLocks noGrp="1"/>
-          </p:cNvSpPr>
-          <p:nvPr>
-            <p:ph type="body" sz="half" idx="1"/>
+          <p:cNvPr id="5122" name="Rectangle 2"/>
+          <p:cNvSpPr>
+            <a:spLocks noGrp="1"/>
+          </p:cNvSpPr>
+          <p:nvPr>
+            <p:ph type="title"/>
           </p:nvPr>
         </p:nvSpPr>
         <p:spPr>
           <a:xfrm>
-            <a:off x="2590800" y="990600"/>
-            <a:ext cx="7010400" cy="4800600"/>
+            <a:off x="3352800" y="152400"/>
+            <a:ext cx="5410200" cy="457200"/>
           </a:xfrm>
         </p:spPr>
         <p:txBody>
-          <a:bodyPr vert="horz" wrap="square" lIns="91440" tIns="45720" rIns="91440" bIns="45720" anchor="t"/>
-          <a:p>
-            <a:pPr marL="0" indent="0" eaLnBrk="1" hangingPunct="1"/>
-            <a:r>
-              <a:rPr lang="en-US" altLang="zh-CN" sz="1600" b="0" dirty="0">
-                <a:solidFill>
-                  <a:srgbClr val="00CC00"/>
-                </a:solidFill>
-                <a:latin typeface="Impact" panose="020B0806030902050204" pitchFamily="34" charset="0"/>
-                <a:ea typeface="宋体" panose="02010600030101010101" pitchFamily="2" charset="-122"/>
-              </a:rPr>
-              <a:t>经典蓝牙模块（BT）：泛指支持蓝牙协议在4.0以下的模块，一般用于数据量比较大的传输，如：语音、音乐、较高数据量传输等。经典蓝牙模块可再细分为：传统蓝牙模块和高速蓝牙模块。</a:t>
-            </a:r>
-            <a:endParaRPr lang="en-US" altLang="zh-CN" sz="1600" b="0" dirty="0">
-              <a:solidFill>
-                <a:srgbClr val="00CC00"/>
-              </a:solidFill>
-              <a:latin typeface="Impact" panose="020B0806030902050204" pitchFamily="34" charset="0"/>
-              <a:ea typeface="宋体" panose="02010600030101010101" pitchFamily="2" charset="-122"/>
-            </a:endParaRPr>
-          </a:p>
-          <a:p>
-            <a:pPr marL="0" indent="0" eaLnBrk="1" hangingPunct="1"/>
-            <a:endParaRPr lang="en-US" altLang="zh-CN" sz="1600" b="0" dirty="0">
-              <a:solidFill>
-                <a:srgbClr val="00CC00"/>
-              </a:solidFill>
-              <a:latin typeface="Impact" panose="020B0806030902050204" pitchFamily="34" charset="0"/>
-              <a:ea typeface="宋体" panose="02010600030101010101" pitchFamily="2" charset="-122"/>
-            </a:endParaRPr>
-          </a:p>
-          <a:p>
-            <a:pPr marL="0" indent="0" eaLnBrk="1" hangingPunct="1"/>
-            <a:r>
-              <a:rPr lang="en-US" altLang="zh-CN" sz="1600" b="0" dirty="0">
-                <a:solidFill>
-                  <a:srgbClr val="00CC00"/>
-                </a:solidFill>
-                <a:latin typeface="Impact" panose="020B0806030902050204" pitchFamily="34" charset="0"/>
-                <a:ea typeface="宋体" panose="02010600030101010101" pitchFamily="2" charset="-122"/>
-              </a:rPr>
-              <a:t>低功耗蓝牙模块（BLE）：是指支持蓝牙协议4.0或更高的模块，也称为BLE模块（Bluetooh Low Energy Module），最大的特点是成本和功耗的降低，应用于实时性要求比较高，但是数据速率比较低的产品</a:t>
-            </a:r>
-            <a:r>
-              <a:rPr lang="zh-CN" altLang="en-US" sz="1600" b="0" dirty="0">
-                <a:solidFill>
-                  <a:srgbClr val="00CC00"/>
-                </a:solidFill>
-                <a:latin typeface="Impact" panose="020B0806030902050204" pitchFamily="34" charset="0"/>
-                <a:ea typeface="宋体" panose="02010600030101010101" pitchFamily="2" charset="-122"/>
-              </a:rPr>
-              <a:t>（小功率、离散传输）</a:t>
-            </a:r>
-            <a:r>
-              <a:rPr lang="en-US" altLang="zh-CN" sz="1600" b="0" dirty="0">
-                <a:solidFill>
-                  <a:srgbClr val="00CC00"/>
-                </a:solidFill>
-                <a:latin typeface="Impact" panose="020B0806030902050204" pitchFamily="34" charset="0"/>
-                <a:ea typeface="宋体" panose="02010600030101010101" pitchFamily="2" charset="-122"/>
-              </a:rPr>
-              <a:t>，如：遥控类的（鼠标、键盘）、传感设备的数据发送（心跳带、血压计、温度传感器）等。</a:t>
-            </a:r>
-            <a:endParaRPr lang="en-US" altLang="zh-CN" sz="1600" b="0" dirty="0">
-              <a:solidFill>
-                <a:srgbClr val="00CC00"/>
-              </a:solidFill>
-              <a:latin typeface="Impact" panose="020B0806030902050204" pitchFamily="34" charset="0"/>
-              <a:ea typeface="宋体" panose="02010600030101010101" pitchFamily="2" charset="-122"/>
-            </a:endParaRPr>
-          </a:p>
-          <a:p>
-            <a:pPr marL="0" indent="0" eaLnBrk="1" hangingPunct="1"/>
-            <a:endParaRPr lang="en-US" altLang="zh-CN" sz="1600" b="0" dirty="0">
-              <a:solidFill>
-                <a:srgbClr val="00CC00"/>
-              </a:solidFill>
-              <a:latin typeface="Impact" panose="020B0806030902050204" pitchFamily="34" charset="0"/>
-              <a:ea typeface="宋体" panose="02010600030101010101" pitchFamily="2" charset="-122"/>
-            </a:endParaRPr>
-          </a:p>
-          <a:p>
-            <a:pPr marL="0" indent="0" eaLnBrk="1" hangingPunct="1"/>
-            <a:endParaRPr lang="en-US" altLang="zh-CN" sz="1600" b="0" dirty="0">
-              <a:solidFill>
-                <a:srgbClr val="00CC00"/>
-              </a:solidFill>
-              <a:latin typeface="Impact" panose="020B0806030902050204" pitchFamily="34" charset="0"/>
+          <a:bodyPr vert="horz" wrap="square" lIns="91440" tIns="45720" rIns="91440" bIns="45720" anchor="ctr"/>
+          <a:p>
+            <a:pPr algn="ctr" eaLnBrk="1" hangingPunct="1"/>
+            <a:r>
+              <a:rPr lang="zh-CN" altLang="en-US" dirty="0">
+                <a:solidFill>
+                  <a:schemeClr val="bg1"/>
+                </a:solidFill>
+                <a:ea typeface="宋体" panose="02010600030101010101" pitchFamily="2" charset="-122"/>
+              </a:rPr>
+              <a:t>蓝牙关系图</a:t>
+            </a:r>
+            <a:endParaRPr lang="zh-CN" altLang="en-US" dirty="0">
+              <a:solidFill>
+                <a:schemeClr val="bg1"/>
+              </a:solidFill>
               <a:ea typeface="宋体" panose="02010600030101010101" pitchFamily="2" charset="-122"/>
             </a:endParaRPr>
           </a:p>
@@ -4986,7 +8305,7 @@
         </p:blipFill>
         <p:spPr>
           <a:xfrm>
-            <a:off x="3265805" y="3473450"/>
+            <a:off x="3801110" y="1933575"/>
             <a:ext cx="4771390" cy="2019300"/>
           </a:xfrm>
           <a:prstGeom prst="rect">
@@ -5003,9 +8322,20 @@
 </p:sld>
 </file>
 
-<file path=ppt/slides/slide4.xml><?xml version="1.0" encoding="utf-8"?>
+<file path=ppt/slides/slide30.xml><?xml version="1.0" encoding="utf-8"?>
 <p:sld xmlns:a="http://schemas.openxmlformats.org/drawingml/2006/main" xmlns:r="http://schemas.openxmlformats.org/officeDocument/2006/relationships" xmlns:p="http://schemas.openxmlformats.org/presentationml/2006/main">
   <p:cSld>
+    <p:bg>
+      <p:bgPr>
+        <a:blipFill rotWithShape="0">
+          <a:blip r:embed="rId1"/>
+          <a:stretch>
+            <a:fillRect/>
+          </a:stretch>
+        </a:blipFill>
+        <a:effectLst/>
+      </p:bgPr>
+    </p:bg>
     <p:spTree>
       <p:nvGrpSpPr>
         <p:cNvPr id="1" name=""/>
@@ -5015,7 +8345,7 @@
       <p:grpSpPr/>
       <p:sp>
         <p:nvSpPr>
-          <p:cNvPr id="4098" name="Rectangle 4"/>
+          <p:cNvPr id="6146" name="Rectangle 2"/>
           <p:cNvSpPr>
             <a:spLocks noGrp="1"/>
           </p:cNvSpPr>
@@ -5025,8 +8355,8 @@
         </p:nvSpPr>
         <p:spPr>
           <a:xfrm>
-            <a:off x="2209800" y="266700"/>
-            <a:ext cx="3810000" cy="571500"/>
+            <a:off x="2438400" y="228600"/>
+            <a:ext cx="3352800" cy="609600"/>
           </a:xfrm>
         </p:spPr>
         <p:txBody>
@@ -5036,59 +8366,133 @@
             <a:r>
               <a:rPr lang="en-US" altLang="zh-CN" sz="2800" dirty="0">
                 <a:solidFill>
+                  <a:schemeClr val="bg1"/>
+                </a:solidFill>
+                <a:ea typeface="宋体" panose="02010600030101010101" pitchFamily="2" charset="-122"/>
+              </a:rPr>
+              <a:t>Your Topic Goes Here</a:t>
+            </a:r>
+            <a:endParaRPr lang="en-US" altLang="zh-CN" sz="2800" dirty="0">
+              <a:solidFill>
+                <a:schemeClr val="bg1"/>
+              </a:solidFill>
+              <a:ea typeface="宋体" panose="02010600030101010101" pitchFamily="2" charset="-122"/>
+            </a:endParaRPr>
+          </a:p>
+        </p:txBody>
+      </p:sp>
+      <p:sp>
+        <p:nvSpPr>
+          <p:cNvPr id="6147" name="Rectangle 3"/>
+          <p:cNvSpPr>
+            <a:spLocks noGrp="1"/>
+          </p:cNvSpPr>
+          <p:nvPr>
+            <p:ph type="body" sz="half" idx="1"/>
+          </p:nvPr>
+        </p:nvSpPr>
+        <p:spPr>
+          <a:xfrm>
+            <a:off x="2590800" y="990600"/>
+            <a:ext cx="7010400" cy="4800600"/>
+          </a:xfrm>
+        </p:spPr>
+        <p:txBody>
+          <a:bodyPr vert="horz" wrap="square" lIns="91440" tIns="45720" rIns="91440" bIns="45720" anchor="t"/>
+          <a:p>
+            <a:pPr marL="0" indent="0" eaLnBrk="1" hangingPunct="1"/>
+            <a:r>
+              <a:rPr lang="en-US" altLang="zh-CN" sz="1600" b="0" dirty="0">
+                <a:solidFill>
                   <a:srgbClr val="00CC00"/>
                 </a:solidFill>
-                <a:ea typeface="宋体" panose="02010600030101010101" pitchFamily="2" charset="-122"/>
-              </a:rPr>
-              <a:t>BLE</a:t>
-            </a:r>
-            <a:r>
-              <a:rPr lang="zh-CN" altLang="en-US" sz="2800" dirty="0">
-                <a:solidFill>
-                  <a:srgbClr val="00CC00"/>
-                </a:solidFill>
-                <a:ea typeface="宋体" panose="02010600030101010101" pitchFamily="2" charset="-122"/>
-              </a:rPr>
-              <a:t>应用场景</a:t>
-            </a:r>
-            <a:endParaRPr lang="zh-CN" altLang="en-US" sz="2800" dirty="0">
+                <a:latin typeface="Impact" panose="020B0806030902050204" pitchFamily="34" charset="0"/>
+                <a:ea typeface="宋体" panose="02010600030101010101" pitchFamily="2" charset="-122"/>
+              </a:rPr>
+              <a:t>Your subtopic goes here</a:t>
+            </a:r>
+            <a:endParaRPr lang="en-US" altLang="zh-CN" sz="1600" b="0" dirty="0">
               <a:solidFill>
                 <a:srgbClr val="00CC00"/>
               </a:solidFill>
-              <a:ea typeface="宋体" panose="02010600030101010101" pitchFamily="2" charset="-122"/>
-            </a:endParaRPr>
-          </a:p>
-        </p:txBody>
-      </p:sp>
-      <p:pic>
-        <p:nvPicPr>
-          <p:cNvPr id="2" name="内容占位符 1"/>
-          <p:cNvPicPr>
-            <a:picLocks noChangeAspect="1"/>
-          </p:cNvPicPr>
-          <p:nvPr>
-            <p:ph idx="1"/>
-          </p:nvPr>
-        </p:nvPicPr>
-        <p:blipFill>
+              <a:latin typeface="Impact" panose="020B0806030902050204" pitchFamily="34" charset="0"/>
+              <a:ea typeface="宋体" panose="02010600030101010101" pitchFamily="2" charset="-122"/>
+            </a:endParaRPr>
+          </a:p>
+        </p:txBody>
+      </p:sp>
+    </p:spTree>
+  </p:cSld>
+  <p:clrMapOvr>
+    <a:masterClrMapping/>
+  </p:clrMapOvr>
+  <p:transition spd="med"/>
+</p:sld>
+</file>
+
+<file path=ppt/slides/slide4.xml><?xml version="1.0" encoding="utf-8"?>
+<p:sld xmlns:a="http://schemas.openxmlformats.org/drawingml/2006/main" xmlns:r="http://schemas.openxmlformats.org/officeDocument/2006/relationships" xmlns:p="http://schemas.openxmlformats.org/presentationml/2006/main">
+  <p:cSld>
+    <p:bg>
+      <p:bgPr>
+        <a:blipFill rotWithShape="0">
           <a:blip r:embed="rId1"/>
           <a:stretch>
             <a:fillRect/>
           </a:stretch>
-        </p:blipFill>
+        </a:blipFill>
+        <a:effectLst/>
+      </p:bgPr>
+    </p:bg>
+    <p:spTree>
+      <p:nvGrpSpPr>
+        <p:cNvPr id="1" name=""/>
+        <p:cNvGrpSpPr/>
+        <p:nvPr/>
+      </p:nvGrpSpPr>
+      <p:grpSpPr/>
+      <p:sp>
+        <p:nvSpPr>
+          <p:cNvPr id="5122" name="Rectangle 2"/>
+          <p:cNvSpPr>
+            <a:spLocks noGrp="1"/>
+          </p:cNvSpPr>
+          <p:nvPr>
+            <p:ph type="title"/>
+          </p:nvPr>
+        </p:nvSpPr>
         <p:spPr>
           <a:xfrm>
-            <a:off x="2898775" y="1275715"/>
-            <a:ext cx="2095500" cy="2095500"/>
+            <a:off x="3352800" y="152400"/>
+            <a:ext cx="5410200" cy="457200"/>
           </a:xfrm>
-          <a:prstGeom prst="rect">
-            <a:avLst/>
-          </a:prstGeom>
         </p:spPr>
-      </p:pic>
+        <p:txBody>
+          <a:bodyPr vert="horz" wrap="square" lIns="91440" tIns="45720" rIns="91440" bIns="45720" anchor="ctr"/>
+          <a:p>
+            <a:pPr algn="ctr" eaLnBrk="1" hangingPunct="1"/>
+            <a:r>
+              <a:rPr lang="en-US" altLang="zh-CN" dirty="0">
+                <a:solidFill>
+                  <a:schemeClr val="bg1"/>
+                </a:solidFill>
+                <a:ea typeface="宋体" panose="02010600030101010101" pitchFamily="2" charset="-122"/>
+                <a:sym typeface="+mn-ea"/>
+              </a:rPr>
+              <a:t>兼容性示意</a:t>
+            </a:r>
+            <a:endParaRPr lang="en-US" altLang="zh-CN" dirty="0">
+              <a:solidFill>
+                <a:schemeClr val="bg1"/>
+              </a:solidFill>
+              <a:ea typeface="宋体" panose="02010600030101010101" pitchFamily="2" charset="-122"/>
+            </a:endParaRPr>
+          </a:p>
+        </p:txBody>
+      </p:sp>
       <p:pic>
         <p:nvPicPr>
-          <p:cNvPr id="4" name="图片 3"/>
+          <p:cNvPr id="2" name="图片 1"/>
           <p:cNvPicPr>
             <a:picLocks noChangeAspect="1"/>
           </p:cNvPicPr>
@@ -5102,32 +8506,8 @@
         </p:blipFill>
         <p:spPr>
           <a:xfrm>
-            <a:off x="3763010" y="3731895"/>
-            <a:ext cx="3858260" cy="2072005"/>
-          </a:xfrm>
-          <a:prstGeom prst="rect">
-            <a:avLst/>
-          </a:prstGeom>
-        </p:spPr>
-      </p:pic>
-      <p:pic>
-        <p:nvPicPr>
-          <p:cNvPr id="6" name="图片 5"/>
-          <p:cNvPicPr>
-            <a:picLocks noChangeAspect="1"/>
-          </p:cNvPicPr>
-          <p:nvPr/>
-        </p:nvPicPr>
-        <p:blipFill>
-          <a:blip r:embed="rId3"/>
-          <a:stretch>
-            <a:fillRect/>
-          </a:stretch>
-        </p:blipFill>
-        <p:spPr>
-          <a:xfrm>
-            <a:off x="6777355" y="1259205"/>
-            <a:ext cx="2678430" cy="2128520"/>
+            <a:off x="2490470" y="1430655"/>
+            <a:ext cx="7211695" cy="3996055"/>
           </a:xfrm>
           <a:prstGeom prst="rect">
             <a:avLst/>
@@ -5191,7 +8571,7 @@
                 </a:solidFill>
                 <a:ea typeface="宋体" panose="02010600030101010101" pitchFamily="2" charset="-122"/>
               </a:rPr>
-              <a:t>Your Topic Goes Here</a:t>
+              <a:t>用途</a:t>
             </a:r>
             <a:endParaRPr lang="en-US" altLang="zh-CN" sz="2800" dirty="0">
               <a:solidFill>
@@ -5230,13 +8610,275 @@
                 <a:latin typeface="Impact" panose="020B0806030902050204" pitchFamily="34" charset="0"/>
                 <a:ea typeface="宋体" panose="02010600030101010101" pitchFamily="2" charset="-122"/>
               </a:rPr>
-              <a:t>Your subtopic goes here</a:t>
+              <a:t>小数据率、离散传输</a:t>
             </a:r>
             <a:endParaRPr lang="en-US" altLang="zh-CN" sz="1600" b="0" dirty="0">
               <a:solidFill>
                 <a:srgbClr val="00CC00"/>
               </a:solidFill>
               <a:latin typeface="Impact" panose="020B0806030902050204" pitchFamily="34" charset="0"/>
+              <a:ea typeface="宋体" panose="02010600030101010101" pitchFamily="2" charset="-122"/>
+            </a:endParaRPr>
+          </a:p>
+          <a:p>
+            <a:pPr marL="0" indent="0" eaLnBrk="1" hangingPunct="1"/>
+            <a:endParaRPr lang="en-US" altLang="zh-CN" sz="1600" b="0" dirty="0">
+              <a:solidFill>
+                <a:srgbClr val="00CC00"/>
+              </a:solidFill>
+              <a:latin typeface="Impact" panose="020B0806030902050204" pitchFamily="34" charset="0"/>
+              <a:ea typeface="宋体" panose="02010600030101010101" pitchFamily="2" charset="-122"/>
+            </a:endParaRPr>
+          </a:p>
+          <a:p>
+            <a:pPr marL="285750" indent="-285750" eaLnBrk="1" hangingPunct="1">
+              <a:buFont typeface="Arial" panose="020B0604020202020204" pitchFamily="34" charset="0"/>
+              <a:buChar char="•"/>
+            </a:pPr>
+            <a:r>
+              <a:rPr lang="en-US" altLang="zh-CN" sz="1600" b="0" dirty="0">
+                <a:solidFill>
+                  <a:srgbClr val="00CC00"/>
+                </a:solidFill>
+                <a:latin typeface="Impact" panose="020B0806030902050204" pitchFamily="34" charset="0"/>
+                <a:ea typeface="宋体" panose="02010600030101010101" pitchFamily="2" charset="-122"/>
+              </a:rPr>
+              <a:t> 2.4G蓝牙低功耗系统</a:t>
+            </a:r>
+            <a:endParaRPr lang="en-US" altLang="zh-CN" sz="1600" b="0" dirty="0">
+              <a:solidFill>
+                <a:srgbClr val="00CC00"/>
+              </a:solidFill>
+              <a:latin typeface="Impact" panose="020B0806030902050204" pitchFamily="34" charset="0"/>
+              <a:ea typeface="宋体" panose="02010600030101010101" pitchFamily="2" charset="-122"/>
+            </a:endParaRPr>
+          </a:p>
+          <a:p>
+            <a:pPr marL="285750" indent="-285750" eaLnBrk="1" hangingPunct="1">
+              <a:buFont typeface="Arial" panose="020B0604020202020204" pitchFamily="34" charset="0"/>
+              <a:buChar char="•"/>
+            </a:pPr>
+            <a:r>
+              <a:rPr lang="en-US" altLang="zh-CN" sz="1600" b="0" dirty="0">
+                <a:solidFill>
+                  <a:srgbClr val="00CC00"/>
+                </a:solidFill>
+                <a:latin typeface="Impact" panose="020B0806030902050204" pitchFamily="34" charset="0"/>
+                <a:ea typeface="宋体" panose="02010600030101010101" pitchFamily="2" charset="-122"/>
+              </a:rPr>
+              <a:t> 消费类电子产品</a:t>
+            </a:r>
+            <a:endParaRPr lang="en-US" altLang="zh-CN" sz="1600" b="0" dirty="0">
+              <a:solidFill>
+                <a:srgbClr val="00CC00"/>
+              </a:solidFill>
+              <a:latin typeface="Impact" panose="020B0806030902050204" pitchFamily="34" charset="0"/>
+              <a:ea typeface="宋体" panose="02010600030101010101" pitchFamily="2" charset="-122"/>
+            </a:endParaRPr>
+          </a:p>
+          <a:p>
+            <a:pPr marL="285750" indent="-285750" eaLnBrk="1" hangingPunct="1">
+              <a:buFont typeface="Arial" panose="020B0604020202020204" pitchFamily="34" charset="0"/>
+              <a:buChar char="•"/>
+            </a:pPr>
+            <a:r>
+              <a:rPr lang="en-US" altLang="zh-CN" sz="1600" b="0" dirty="0">
+                <a:solidFill>
+                  <a:srgbClr val="00CC00"/>
+                </a:solidFill>
+                <a:latin typeface="Impact" panose="020B0806030902050204" pitchFamily="34" charset="0"/>
+                <a:ea typeface="宋体" panose="02010600030101010101" pitchFamily="2" charset="-122"/>
+              </a:rPr>
+              <a:t> 移动电话外围扩展设备</a:t>
+            </a:r>
+            <a:endParaRPr lang="en-US" altLang="zh-CN" sz="1600" b="0" dirty="0">
+              <a:solidFill>
+                <a:srgbClr val="00CC00"/>
+              </a:solidFill>
+              <a:latin typeface="Impact" panose="020B0806030902050204" pitchFamily="34" charset="0"/>
+              <a:ea typeface="宋体" panose="02010600030101010101" pitchFamily="2" charset="-122"/>
+            </a:endParaRPr>
+          </a:p>
+          <a:p>
+            <a:pPr marL="285750" indent="-285750" eaLnBrk="1" hangingPunct="1">
+              <a:buFont typeface="Arial" panose="020B0604020202020204" pitchFamily="34" charset="0"/>
+              <a:buChar char="•"/>
+            </a:pPr>
+            <a:r>
+              <a:rPr lang="en-US" altLang="zh-CN" sz="1600" b="0" dirty="0">
+                <a:solidFill>
+                  <a:srgbClr val="00CC00"/>
+                </a:solidFill>
+                <a:latin typeface="Impact" panose="020B0806030902050204" pitchFamily="34" charset="0"/>
+                <a:ea typeface="宋体" panose="02010600030101010101" pitchFamily="2" charset="-122"/>
+              </a:rPr>
+              <a:t> 运动和休闲设备</a:t>
+            </a:r>
+            <a:endParaRPr lang="en-US" altLang="zh-CN" sz="1600" b="0" dirty="0">
+              <a:solidFill>
+                <a:srgbClr val="00CC00"/>
+              </a:solidFill>
+              <a:latin typeface="Impact" panose="020B0806030902050204" pitchFamily="34" charset="0"/>
+              <a:ea typeface="宋体" panose="02010600030101010101" pitchFamily="2" charset="-122"/>
+            </a:endParaRPr>
+          </a:p>
+          <a:p>
+            <a:pPr marL="285750" indent="-285750" eaLnBrk="1" hangingPunct="1">
+              <a:buFont typeface="Arial" panose="020B0604020202020204" pitchFamily="34" charset="0"/>
+              <a:buChar char="•"/>
+            </a:pPr>
+            <a:r>
+              <a:rPr lang="en-US" altLang="zh-CN" sz="1600" b="0" dirty="0">
+                <a:solidFill>
+                  <a:srgbClr val="00CC00"/>
+                </a:solidFill>
+                <a:latin typeface="Impact" panose="020B0806030902050204" pitchFamily="34" charset="0"/>
+                <a:ea typeface="宋体" panose="02010600030101010101" pitchFamily="2" charset="-122"/>
+              </a:rPr>
+              <a:t> 健康医疗用品(血压计，体温计…)</a:t>
+            </a:r>
+            <a:endParaRPr lang="en-US" altLang="zh-CN" sz="1600" b="0" dirty="0">
+              <a:solidFill>
+                <a:srgbClr val="00CC00"/>
+              </a:solidFill>
+              <a:latin typeface="Impact" panose="020B0806030902050204" pitchFamily="34" charset="0"/>
+              <a:ea typeface="宋体" panose="02010600030101010101" pitchFamily="2" charset="-122"/>
+            </a:endParaRPr>
+          </a:p>
+          <a:p>
+            <a:pPr marL="285750" indent="-285750" eaLnBrk="1" hangingPunct="1">
+              <a:buFont typeface="Arial" panose="020B0604020202020204" pitchFamily="34" charset="0"/>
+              <a:buChar char="•"/>
+            </a:pPr>
+            <a:r>
+              <a:rPr lang="en-US" altLang="zh-CN" sz="1600" b="0" dirty="0">
+                <a:solidFill>
+                  <a:srgbClr val="00CC00"/>
+                </a:solidFill>
+                <a:latin typeface="Impact" panose="020B0806030902050204" pitchFamily="34" charset="0"/>
+                <a:ea typeface="宋体" panose="02010600030101010101" pitchFamily="2" charset="-122"/>
+              </a:rPr>
+              <a:t> 汽车电子设备</a:t>
+            </a:r>
+            <a:endParaRPr lang="en-US" altLang="zh-CN" sz="1600" b="0" dirty="0">
+              <a:solidFill>
+                <a:srgbClr val="00CC00"/>
+              </a:solidFill>
+              <a:latin typeface="Impact" panose="020B0806030902050204" pitchFamily="34" charset="0"/>
+              <a:ea typeface="宋体" panose="02010600030101010101" pitchFamily="2" charset="-122"/>
+            </a:endParaRPr>
+          </a:p>
+          <a:p>
+            <a:pPr marL="285750" indent="-285750" eaLnBrk="1" hangingPunct="1">
+              <a:buFont typeface="Arial" panose="020B0604020202020204" pitchFamily="34" charset="0"/>
+              <a:buChar char="•"/>
+            </a:pPr>
+            <a:r>
+              <a:rPr lang="en-US" altLang="zh-CN" sz="1600" b="0" dirty="0">
+                <a:solidFill>
+                  <a:srgbClr val="00CC00"/>
+                </a:solidFill>
+                <a:latin typeface="Impact" panose="020B0806030902050204" pitchFamily="34" charset="0"/>
+                <a:ea typeface="宋体" panose="02010600030101010101" pitchFamily="2" charset="-122"/>
+              </a:rPr>
+              <a:t> 人机接口设备(键盘，鼠标，遥控器…)</a:t>
+            </a:r>
+            <a:endParaRPr lang="en-US" altLang="zh-CN" sz="1600" b="0" dirty="0">
+              <a:solidFill>
+                <a:srgbClr val="00CC00"/>
+              </a:solidFill>
+              <a:latin typeface="Impact" panose="020B0806030902050204" pitchFamily="34" charset="0"/>
+              <a:ea typeface="宋体" panose="02010600030101010101" pitchFamily="2" charset="-122"/>
+            </a:endParaRPr>
+          </a:p>
+          <a:p>
+            <a:pPr marL="285750" indent="-285750" eaLnBrk="1" hangingPunct="1">
+              <a:buFont typeface="Arial" panose="020B0604020202020204" pitchFamily="34" charset="0"/>
+              <a:buChar char="•"/>
+            </a:pPr>
+            <a:r>
+              <a:rPr lang="en-US" altLang="zh-CN" sz="1600" b="0" dirty="0">
+                <a:solidFill>
+                  <a:srgbClr val="00CC00"/>
+                </a:solidFill>
+                <a:latin typeface="Impact" panose="020B0806030902050204" pitchFamily="34" charset="0"/>
+                <a:ea typeface="宋体" panose="02010600030101010101" pitchFamily="2" charset="-122"/>
+              </a:rPr>
+              <a:t> USB Dongle </a:t>
+            </a:r>
+            <a:endParaRPr lang="en-US" altLang="zh-CN" sz="1600" b="0" dirty="0">
+              <a:solidFill>
+                <a:srgbClr val="00CC00"/>
+              </a:solidFill>
+              <a:latin typeface="Impact" panose="020B0806030902050204" pitchFamily="34" charset="0"/>
+              <a:ea typeface="宋体" panose="02010600030101010101" pitchFamily="2" charset="-122"/>
+            </a:endParaRPr>
+          </a:p>
+        </p:txBody>
+      </p:sp>
+    </p:spTree>
+  </p:cSld>
+  <p:clrMapOvr>
+    <a:masterClrMapping/>
+  </p:clrMapOvr>
+  <p:transition spd="med"/>
+</p:sld>
+</file>
+
+<file path=ppt/slides/slide6.xml><?xml version="1.0" encoding="utf-8"?>
+<p:sld xmlns:a="http://schemas.openxmlformats.org/drawingml/2006/main" xmlns:r="http://schemas.openxmlformats.org/officeDocument/2006/relationships" xmlns:p="http://schemas.openxmlformats.org/presentationml/2006/main">
+  <p:cSld>
+    <p:bg>
+      <p:bgPr>
+        <a:blipFill rotWithShape="0">
+          <a:blip r:embed="rId1"/>
+          <a:stretch>
+            <a:fillRect/>
+          </a:stretch>
+        </a:blipFill>
+        <a:effectLst/>
+      </p:bgPr>
+    </p:bg>
+    <p:spTree>
+      <p:nvGrpSpPr>
+        <p:cNvPr id="1" name=""/>
+        <p:cNvGrpSpPr/>
+        <p:nvPr/>
+      </p:nvGrpSpPr>
+      <p:grpSpPr/>
+      <p:sp>
+        <p:nvSpPr>
+          <p:cNvPr id="5122" name="Rectangle 2"/>
+          <p:cNvSpPr>
+            <a:spLocks noGrp="1"/>
+          </p:cNvSpPr>
+          <p:nvPr>
+            <p:ph type="title"/>
+          </p:nvPr>
+        </p:nvSpPr>
+        <p:spPr>
+          <a:xfrm>
+            <a:off x="3352800" y="152400"/>
+            <a:ext cx="5410200" cy="457200"/>
+          </a:xfrm>
+        </p:spPr>
+        <p:txBody>
+          <a:bodyPr vert="horz" wrap="square" lIns="91440" tIns="45720" rIns="91440" bIns="45720" anchor="ctr"/>
+          <a:p>
+            <a:pPr algn="ctr" eaLnBrk="1" hangingPunct="1"/>
+            <a:r>
+              <a:rPr lang="en-US" altLang="zh-CN" dirty="0">
+                <a:solidFill>
+                  <a:schemeClr val="bg1"/>
+                </a:solidFill>
+                <a:ea typeface="宋体" panose="02010600030101010101" pitchFamily="2" charset="-122"/>
+              </a:rPr>
+              <a:t>心率带应用</a:t>
+            </a:r>
+            <a:endParaRPr lang="en-US" altLang="zh-CN" dirty="0">
+              <a:solidFill>
+                <a:schemeClr val="bg1"/>
+              </a:solidFill>
               <a:ea typeface="宋体" panose="02010600030101010101" pitchFamily="2" charset="-122"/>
             </a:endParaRPr>
           </a:p>
@@ -5258,32 +8900,284 @@
         </p:blipFill>
         <p:spPr>
           <a:xfrm>
-            <a:off x="2100580" y="1458595"/>
-            <a:ext cx="2447290" cy="2868295"/>
+            <a:off x="2734310" y="854075"/>
+            <a:ext cx="6724015" cy="4704715"/>
           </a:xfrm>
           <a:prstGeom prst="rect">
             <a:avLst/>
           </a:prstGeom>
         </p:spPr>
       </p:pic>
+    </p:spTree>
+  </p:cSld>
+  <p:clrMapOvr>
+    <a:masterClrMapping/>
+  </p:clrMapOvr>
+  <p:transition spd="med"/>
+</p:sld>
+</file>
+
+<file path=ppt/slides/slide7.xml><?xml version="1.0" encoding="utf-8"?>
+<p:sld xmlns:a="http://schemas.openxmlformats.org/drawingml/2006/main" xmlns:r="http://schemas.openxmlformats.org/officeDocument/2006/relationships" xmlns:p="http://schemas.openxmlformats.org/presentationml/2006/main">
+  <p:cSld>
+    <p:bg>
+      <p:bgPr>
+        <a:blipFill rotWithShape="0">
+          <a:blip r:embed="rId1"/>
+          <a:stretch>
+            <a:fillRect/>
+          </a:stretch>
+        </a:blipFill>
+        <a:effectLst/>
+      </p:bgPr>
+    </p:bg>
+    <p:spTree>
+      <p:nvGrpSpPr>
+        <p:cNvPr id="1" name=""/>
+        <p:cNvGrpSpPr/>
+        <p:nvPr/>
+      </p:nvGrpSpPr>
+      <p:grpSpPr/>
+      <p:sp>
+        <p:nvSpPr>
+          <p:cNvPr id="5122" name="Rectangle 2"/>
+          <p:cNvSpPr>
+            <a:spLocks noGrp="1"/>
+          </p:cNvSpPr>
+          <p:nvPr>
+            <p:ph type="title"/>
+          </p:nvPr>
+        </p:nvSpPr>
+        <p:spPr>
+          <a:xfrm>
+            <a:off x="3352800" y="152400"/>
+            <a:ext cx="5410200" cy="457200"/>
+          </a:xfrm>
+        </p:spPr>
+        <p:txBody>
+          <a:bodyPr vert="horz" wrap="square" lIns="91440" tIns="45720" rIns="91440" bIns="45720" anchor="ctr"/>
+          <a:p>
+            <a:pPr algn="ctr" eaLnBrk="1" hangingPunct="1"/>
+            <a:r>
+              <a:rPr lang="en-US" altLang="zh-CN" dirty="0">
+                <a:solidFill>
+                  <a:schemeClr val="bg1"/>
+                </a:solidFill>
+                <a:ea typeface="宋体" panose="02010600030101010101" pitchFamily="2" charset="-122"/>
+              </a:rPr>
+              <a:t>医疗数据采集</a:t>
+            </a:r>
+            <a:endParaRPr lang="en-US" altLang="zh-CN" dirty="0">
+              <a:solidFill>
+                <a:schemeClr val="bg1"/>
+              </a:solidFill>
+              <a:ea typeface="宋体" panose="02010600030101010101" pitchFamily="2" charset="-122"/>
+            </a:endParaRPr>
+          </a:p>
+        </p:txBody>
+      </p:sp>
       <p:pic>
         <p:nvPicPr>
-          <p:cNvPr id="4" name="图片 3"/>
+          <p:cNvPr id="2" name="图片 1"/>
           <p:cNvPicPr>
             <a:picLocks noChangeAspect="1"/>
           </p:cNvPicPr>
           <p:nvPr/>
         </p:nvPicPr>
         <p:blipFill>
-          <a:blip r:embed="rId3"/>
+          <a:blip r:embed="rId2"/>
           <a:stretch>
             <a:fillRect/>
           </a:stretch>
         </p:blipFill>
         <p:spPr>
           <a:xfrm>
-            <a:off x="5791200" y="2142490"/>
-            <a:ext cx="3323590" cy="2184400"/>
+            <a:off x="2176780" y="1485900"/>
+            <a:ext cx="7837805" cy="3885565"/>
+          </a:xfrm>
+          <a:prstGeom prst="rect">
+            <a:avLst/>
+          </a:prstGeom>
+        </p:spPr>
+      </p:pic>
+    </p:spTree>
+  </p:cSld>
+  <p:clrMapOvr>
+    <a:masterClrMapping/>
+  </p:clrMapOvr>
+  <p:transition spd="med"/>
+</p:sld>
+</file>
+
+<file path=ppt/slides/slide8.xml><?xml version="1.0" encoding="utf-8"?>
+<p:sld xmlns:a="http://schemas.openxmlformats.org/drawingml/2006/main" xmlns:r="http://schemas.openxmlformats.org/officeDocument/2006/relationships" xmlns:p="http://schemas.openxmlformats.org/presentationml/2006/main">
+  <p:cSld>
+    <p:bg>
+      <p:bgPr>
+        <a:blipFill rotWithShape="0">
+          <a:blip r:embed="rId1"/>
+          <a:stretch>
+            <a:fillRect/>
+          </a:stretch>
+        </a:blipFill>
+        <a:effectLst/>
+      </p:bgPr>
+    </p:bg>
+    <p:spTree>
+      <p:nvGrpSpPr>
+        <p:cNvPr id="1" name=""/>
+        <p:cNvGrpSpPr/>
+        <p:nvPr/>
+      </p:nvGrpSpPr>
+      <p:grpSpPr/>
+      <p:sp>
+        <p:nvSpPr>
+          <p:cNvPr id="5122" name="Rectangle 2"/>
+          <p:cNvSpPr>
+            <a:spLocks noGrp="1"/>
+          </p:cNvSpPr>
+          <p:nvPr>
+            <p:ph type="title"/>
+          </p:nvPr>
+        </p:nvSpPr>
+        <p:spPr>
+          <a:xfrm>
+            <a:off x="3352800" y="152400"/>
+            <a:ext cx="5410200" cy="457200"/>
+          </a:xfrm>
+        </p:spPr>
+        <p:txBody>
+          <a:bodyPr vert="horz" wrap="square" lIns="91440" tIns="45720" rIns="91440" bIns="45720" anchor="ctr"/>
+          <a:p>
+            <a:pPr algn="ctr" eaLnBrk="1" hangingPunct="1"/>
+            <a:r>
+              <a:rPr lang="en-US" altLang="zh-CN" dirty="0">
+                <a:solidFill>
+                  <a:schemeClr val="bg1"/>
+                </a:solidFill>
+                <a:ea typeface="宋体" panose="02010600030101010101" pitchFamily="2" charset="-122"/>
+              </a:rPr>
+              <a:t>寻物和防丢</a:t>
+            </a:r>
+            <a:endParaRPr lang="en-US" altLang="zh-CN" dirty="0">
+              <a:solidFill>
+                <a:schemeClr val="bg1"/>
+              </a:solidFill>
+              <a:ea typeface="宋体" panose="02010600030101010101" pitchFamily="2" charset="-122"/>
+            </a:endParaRPr>
+          </a:p>
+        </p:txBody>
+      </p:sp>
+      <p:pic>
+        <p:nvPicPr>
+          <p:cNvPr id="2" name="图片 1"/>
+          <p:cNvPicPr>
+            <a:picLocks noChangeAspect="1"/>
+          </p:cNvPicPr>
+          <p:nvPr/>
+        </p:nvPicPr>
+        <p:blipFill>
+          <a:blip r:embed="rId2"/>
+          <a:stretch>
+            <a:fillRect/>
+          </a:stretch>
+        </p:blipFill>
+        <p:spPr>
+          <a:xfrm>
+            <a:off x="2219960" y="1045845"/>
+            <a:ext cx="7752080" cy="4438015"/>
+          </a:xfrm>
+          <a:prstGeom prst="rect">
+            <a:avLst/>
+          </a:prstGeom>
+        </p:spPr>
+      </p:pic>
+    </p:spTree>
+  </p:cSld>
+  <p:clrMapOvr>
+    <a:masterClrMapping/>
+  </p:clrMapOvr>
+  <p:transition spd="med"/>
+</p:sld>
+</file>
+
+<file path=ppt/slides/slide9.xml><?xml version="1.0" encoding="utf-8"?>
+<p:sld xmlns:a="http://schemas.openxmlformats.org/drawingml/2006/main" xmlns:r="http://schemas.openxmlformats.org/officeDocument/2006/relationships" xmlns:p="http://schemas.openxmlformats.org/presentationml/2006/main">
+  <p:cSld>
+    <p:bg>
+      <p:bgPr>
+        <a:blipFill rotWithShape="0">
+          <a:blip r:embed="rId1"/>
+          <a:stretch>
+            <a:fillRect/>
+          </a:stretch>
+        </a:blipFill>
+        <a:effectLst/>
+      </p:bgPr>
+    </p:bg>
+    <p:spTree>
+      <p:nvGrpSpPr>
+        <p:cNvPr id="1" name=""/>
+        <p:cNvGrpSpPr/>
+        <p:nvPr/>
+      </p:nvGrpSpPr>
+      <p:grpSpPr/>
+      <p:sp>
+        <p:nvSpPr>
+          <p:cNvPr id="5122" name="Rectangle 2"/>
+          <p:cNvSpPr>
+            <a:spLocks noGrp="1"/>
+          </p:cNvSpPr>
+          <p:nvPr>
+            <p:ph type="title"/>
+          </p:nvPr>
+        </p:nvSpPr>
+        <p:spPr>
+          <a:xfrm>
+            <a:off x="3352800" y="152400"/>
+            <a:ext cx="5410200" cy="457200"/>
+          </a:xfrm>
+        </p:spPr>
+        <p:txBody>
+          <a:bodyPr vert="horz" wrap="square" lIns="91440" tIns="45720" rIns="91440" bIns="45720" anchor="ctr"/>
+          <a:p>
+            <a:pPr algn="ctr" eaLnBrk="1" hangingPunct="1"/>
+            <a:r>
+              <a:rPr lang="en-US" altLang="zh-CN" dirty="0">
+                <a:solidFill>
+                  <a:schemeClr val="bg1"/>
+                </a:solidFill>
+                <a:ea typeface="宋体" panose="02010600030101010101" pitchFamily="2" charset="-122"/>
+              </a:rPr>
+              <a:t>电动玩具</a:t>
+            </a:r>
+            <a:endParaRPr lang="en-US" altLang="zh-CN" dirty="0">
+              <a:solidFill>
+                <a:schemeClr val="bg1"/>
+              </a:solidFill>
+              <a:ea typeface="宋体" panose="02010600030101010101" pitchFamily="2" charset="-122"/>
+            </a:endParaRPr>
+          </a:p>
+        </p:txBody>
+      </p:sp>
+      <p:pic>
+        <p:nvPicPr>
+          <p:cNvPr id="2" name="图片 1"/>
+          <p:cNvPicPr>
+            <a:picLocks noChangeAspect="1"/>
+          </p:cNvPicPr>
+          <p:nvPr/>
+        </p:nvPicPr>
+        <p:blipFill>
+          <a:blip r:embed="rId2"/>
+          <a:stretch>
+            <a:fillRect/>
+          </a:stretch>
+        </p:blipFill>
+        <p:spPr>
+          <a:xfrm>
+            <a:off x="2219960" y="1820545"/>
+            <a:ext cx="7752080" cy="2580640"/>
           </a:xfrm>
           <a:prstGeom prst="rect">
             <a:avLst/>

--- a/BLE蓝牙低功耗简介.pptx
+++ b/BLE蓝牙低功耗简介.pptx
@@ -13,28 +13,23 @@
     <p:sldId id="291" r:id="rId8"/>
     <p:sldId id="305" r:id="rId9"/>
     <p:sldId id="302" r:id="rId10"/>
-    <p:sldId id="303" r:id="rId11"/>
-    <p:sldId id="304" r:id="rId12"/>
-    <p:sldId id="306" r:id="rId13"/>
-    <p:sldId id="307" r:id="rId14"/>
-    <p:sldId id="308" r:id="rId15"/>
-    <p:sldId id="309" r:id="rId16"/>
-    <p:sldId id="310" r:id="rId17"/>
-    <p:sldId id="270" r:id="rId18"/>
-    <p:sldId id="273" r:id="rId19"/>
-    <p:sldId id="277" r:id="rId20"/>
-    <p:sldId id="278" r:id="rId21"/>
-    <p:sldId id="279" r:id="rId22"/>
-    <p:sldId id="280" r:id="rId23"/>
-    <p:sldId id="281" r:id="rId24"/>
-    <p:sldId id="283" r:id="rId25"/>
-    <p:sldId id="284" r:id="rId26"/>
-    <p:sldId id="285" r:id="rId27"/>
-    <p:sldId id="286" r:id="rId28"/>
-    <p:sldId id="287" r:id="rId29"/>
-    <p:sldId id="288" r:id="rId30"/>
-    <p:sldId id="289" r:id="rId31"/>
-    <p:sldId id="290" r:id="rId32"/>
+    <p:sldId id="304" r:id="rId11"/>
+    <p:sldId id="306" r:id="rId12"/>
+    <p:sldId id="308" r:id="rId13"/>
+    <p:sldId id="309" r:id="rId14"/>
+    <p:sldId id="270" r:id="rId15"/>
+    <p:sldId id="273" r:id="rId16"/>
+    <p:sldId id="277" r:id="rId17"/>
+    <p:sldId id="330" r:id="rId18"/>
+    <p:sldId id="278" r:id="rId19"/>
+    <p:sldId id="279" r:id="rId20"/>
+    <p:sldId id="280" r:id="rId21"/>
+    <p:sldId id="281" r:id="rId22"/>
+    <p:sldId id="283" r:id="rId23"/>
+    <p:sldId id="284" r:id="rId24"/>
+    <p:sldId id="285" r:id="rId25"/>
+    <p:sldId id="286" r:id="rId26"/>
+    <p:sldId id="331" r:id="rId27"/>
   </p:sldIdLst>
   <p:sldSz cx="12192000" cy="6858000"/>
   <p:notesSz cx="7103745" cy="10234295"/>
@@ -4695,7 +4690,7 @@
                 </a:solidFill>
                 <a:ea typeface="宋体" panose="02010600030101010101" pitchFamily="2" charset="-122"/>
               </a:rPr>
-              <a:t>键盘应用</a:t>
+              <a:t>娱乐游戏应用</a:t>
             </a:r>
             <a:endParaRPr lang="en-US" altLang="zh-CN" dirty="0">
               <a:solidFill>
@@ -4708,7 +4703,7 @@
       </p:sp>
       <p:pic>
         <p:nvPicPr>
-          <p:cNvPr id="2" name="图片 1"/>
+          <p:cNvPr id="3" name="图片 2"/>
           <p:cNvPicPr>
             <a:picLocks noChangeAspect="1"/>
           </p:cNvPicPr>
@@ -4722,8 +4717,8 @@
         </p:blipFill>
         <p:spPr>
           <a:xfrm>
-            <a:off x="2605405" y="1736725"/>
-            <a:ext cx="6981190" cy="3075940"/>
+            <a:off x="2433955" y="1066800"/>
+            <a:ext cx="7324090" cy="4723765"/>
           </a:xfrm>
           <a:prstGeom prst="rect">
             <a:avLst/>
@@ -4787,7 +4782,7 @@
                 </a:solidFill>
                 <a:ea typeface="宋体" panose="02010600030101010101" pitchFamily="2" charset="-122"/>
               </a:rPr>
-              <a:t>娱乐游戏应用</a:t>
+              <a:t>智能家居监控</a:t>
             </a:r>
             <a:endParaRPr lang="en-US" altLang="zh-CN" dirty="0">
               <a:solidFill>
@@ -4814,8 +4809,8 @@
         </p:blipFill>
         <p:spPr>
           <a:xfrm>
-            <a:off x="2433955" y="1066800"/>
-            <a:ext cx="7324090" cy="4723765"/>
+            <a:off x="2943225" y="1714500"/>
+            <a:ext cx="6304915" cy="3428365"/>
           </a:xfrm>
           <a:prstGeom prst="rect">
             <a:avLst/>
@@ -4879,7 +4874,7 @@
                 </a:solidFill>
                 <a:ea typeface="宋体" panose="02010600030101010101" pitchFamily="2" charset="-122"/>
               </a:rPr>
-              <a:t>遥控器应用</a:t>
+              <a:t>运动休闲</a:t>
             </a:r>
             <a:endParaRPr lang="en-US" altLang="zh-CN" dirty="0">
               <a:solidFill>
@@ -4906,8 +4901,8 @@
         </p:blipFill>
         <p:spPr>
           <a:xfrm>
-            <a:off x="2466975" y="1571625"/>
-            <a:ext cx="7257415" cy="3714115"/>
+            <a:off x="2462530" y="923925"/>
+            <a:ext cx="7045960" cy="4857115"/>
           </a:xfrm>
           <a:prstGeom prst="rect">
             <a:avLst/>
@@ -4956,8 +4951,8 @@
         </p:nvSpPr>
         <p:spPr>
           <a:xfrm>
-            <a:off x="3352800" y="152400"/>
-            <a:ext cx="5410200" cy="457200"/>
+            <a:off x="2900045" y="1767205"/>
+            <a:ext cx="5410200" cy="2070735"/>
           </a:xfrm>
         </p:spPr>
         <p:txBody>
@@ -4971,7 +4966,41 @@
                 </a:solidFill>
                 <a:ea typeface="宋体" panose="02010600030101010101" pitchFamily="2" charset="-122"/>
               </a:rPr>
-              <a:t>智能家居监控</a:t>
+              <a:t>低功耗蓝牙协议栈</a:t>
+            </a:r>
+            <a:br>
+              <a:rPr lang="en-US" altLang="zh-CN" dirty="0">
+                <a:solidFill>
+                  <a:schemeClr val="bg1"/>
+                </a:solidFill>
+                <a:ea typeface="宋体" panose="02010600030101010101" pitchFamily="2" charset="-122"/>
+              </a:rPr>
+            </a:br>
+            <a:r>
+              <a:rPr lang="en-US" altLang="zh-CN" dirty="0">
+                <a:solidFill>
+                  <a:schemeClr val="bg1"/>
+                </a:solidFill>
+                <a:ea typeface="宋体" panose="02010600030101010101" pitchFamily="2" charset="-122"/>
+              </a:rPr>
+              <a:t>Bluetooth Low Energy</a:t>
+            </a:r>
+            <a:br>
+              <a:rPr lang="en-US" altLang="zh-CN" dirty="0">
+                <a:solidFill>
+                  <a:schemeClr val="bg1"/>
+                </a:solidFill>
+                <a:ea typeface="宋体" panose="02010600030101010101" pitchFamily="2" charset="-122"/>
+              </a:rPr>
+            </a:br>
+            <a:r>
+              <a:rPr lang="en-US" altLang="zh-CN" dirty="0">
+                <a:solidFill>
+                  <a:schemeClr val="bg1"/>
+                </a:solidFill>
+                <a:ea typeface="宋体" panose="02010600030101010101" pitchFamily="2" charset="-122"/>
+              </a:rPr>
+              <a:t>Protocol Stack</a:t>
             </a:r>
             <a:endParaRPr lang="en-US" altLang="zh-CN" dirty="0">
               <a:solidFill>
@@ -4982,30 +5011,6 @@
           </a:p>
         </p:txBody>
       </p:sp>
-      <p:pic>
-        <p:nvPicPr>
-          <p:cNvPr id="3" name="图片 2"/>
-          <p:cNvPicPr>
-            <a:picLocks noChangeAspect="1"/>
-          </p:cNvPicPr>
-          <p:nvPr/>
-        </p:nvPicPr>
-        <p:blipFill>
-          <a:blip r:embed="rId2"/>
-          <a:stretch>
-            <a:fillRect/>
-          </a:stretch>
-        </p:blipFill>
-        <p:spPr>
-          <a:xfrm>
-            <a:off x="2943225" y="1714500"/>
-            <a:ext cx="6304915" cy="3428365"/>
-          </a:xfrm>
-          <a:prstGeom prst="rect">
-            <a:avLst/>
-          </a:prstGeom>
-        </p:spPr>
-      </p:pic>
     </p:spTree>
   </p:cSld>
   <p:clrMapOvr>
@@ -5038,7 +5043,7 @@
       <p:grpSpPr/>
       <p:sp>
         <p:nvSpPr>
-          <p:cNvPr id="5122" name="Rectangle 2"/>
+          <p:cNvPr id="6146" name="Rectangle 2"/>
           <p:cNvSpPr>
             <a:spLocks noGrp="1"/>
           </p:cNvSpPr>
@@ -5048,8 +5053,8 @@
         </p:nvSpPr>
         <p:spPr>
           <a:xfrm>
-            <a:off x="3352800" y="152400"/>
-            <a:ext cx="5410200" cy="457200"/>
+            <a:off x="2438400" y="228600"/>
+            <a:ext cx="4801235" cy="609600"/>
           </a:xfrm>
         </p:spPr>
         <p:txBody>
@@ -5057,19 +5062,20 @@
           <a:p>
             <a:pPr algn="ctr" eaLnBrk="1" hangingPunct="1"/>
             <a:r>
-              <a:rPr lang="en-US" altLang="zh-CN" dirty="0">
+              <a:rPr lang="zh-CN" altLang="en-US" sz="2800">
                 <a:solidFill>
                   <a:schemeClr val="bg1"/>
                 </a:solidFill>
-                <a:ea typeface="宋体" panose="02010600030101010101" pitchFamily="2" charset="-122"/>
-              </a:rPr>
-              <a:t>运动休闲</a:t>
-            </a:r>
-            <a:endParaRPr lang="en-US" altLang="zh-CN" dirty="0">
+                <a:sym typeface="+mn-ea"/>
+              </a:rPr>
+              <a:t>BLE协议栈的结构</a:t>
+            </a:r>
+            <a:endParaRPr lang="zh-CN" altLang="en-US" sz="2800" dirty="0">
               <a:solidFill>
                 <a:schemeClr val="bg1"/>
               </a:solidFill>
               <a:ea typeface="宋体" panose="02010600030101010101" pitchFamily="2" charset="-122"/>
+              <a:sym typeface="+mn-ea"/>
             </a:endParaRPr>
           </a:p>
         </p:txBody>
@@ -5090,8 +5096,8 @@
         </p:blipFill>
         <p:spPr>
           <a:xfrm>
-            <a:off x="2462530" y="923925"/>
-            <a:ext cx="7045960" cy="4857115"/>
+            <a:off x="3630930" y="1024255"/>
+            <a:ext cx="3790315" cy="4809490"/>
           </a:xfrm>
           <a:prstGeom prst="rect">
             <a:avLst/>
@@ -5130,7 +5136,7 @@
       <p:grpSpPr/>
       <p:sp>
         <p:nvSpPr>
-          <p:cNvPr id="5122" name="Rectangle 2"/>
+          <p:cNvPr id="6146" name="Rectangle 2"/>
           <p:cNvSpPr>
             <a:spLocks noGrp="1"/>
           </p:cNvSpPr>
@@ -5140,8 +5146,8 @@
         </p:nvSpPr>
         <p:spPr>
           <a:xfrm>
-            <a:off x="3352800" y="152400"/>
-            <a:ext cx="5410200" cy="457200"/>
+            <a:off x="2438400" y="228600"/>
+            <a:ext cx="3352800" cy="609600"/>
           </a:xfrm>
         </p:spPr>
         <p:txBody>
@@ -5149,15 +5155,15 @@
           <a:p>
             <a:pPr algn="ctr" eaLnBrk="1" hangingPunct="1"/>
             <a:r>
-              <a:rPr lang="en-US" altLang="zh-CN" dirty="0">
+              <a:rPr lang="en-US" altLang="zh-CN" sz="2800" dirty="0">
                 <a:solidFill>
                   <a:schemeClr val="bg1"/>
                 </a:solidFill>
                 <a:ea typeface="宋体" panose="02010600030101010101" pitchFamily="2" charset="-122"/>
               </a:rPr>
-              <a:t>运动手表</a:t>
-            </a:r>
-            <a:endParaRPr lang="en-US" altLang="zh-CN" dirty="0">
+              <a:t>物理层</a:t>
+            </a:r>
+            <a:endParaRPr lang="en-US" altLang="zh-CN" sz="2800" dirty="0">
               <a:solidFill>
                 <a:schemeClr val="bg1"/>
               </a:solidFill>
@@ -5166,30 +5172,253 @@
           </a:p>
         </p:txBody>
       </p:sp>
-      <p:pic>
-        <p:nvPicPr>
-          <p:cNvPr id="2" name="图片 1"/>
-          <p:cNvPicPr>
-            <a:picLocks noChangeAspect="1"/>
-          </p:cNvPicPr>
-          <p:nvPr/>
-        </p:nvPicPr>
-        <p:blipFill>
-          <a:blip r:embed="rId2"/>
-          <a:stretch>
-            <a:fillRect/>
-          </a:stretch>
-        </p:blipFill>
+      <p:sp>
+        <p:nvSpPr>
+          <p:cNvPr id="6147" name="Rectangle 3"/>
+          <p:cNvSpPr>
+            <a:spLocks noGrp="1"/>
+          </p:cNvSpPr>
+          <p:nvPr>
+            <p:ph type="body" sz="half" idx="1"/>
+          </p:nvPr>
+        </p:nvSpPr>
         <p:spPr>
           <a:xfrm>
-            <a:off x="2048510" y="682625"/>
-            <a:ext cx="8094980" cy="5009515"/>
+            <a:off x="2590800" y="990600"/>
+            <a:ext cx="7010400" cy="4800600"/>
           </a:xfrm>
-          <a:prstGeom prst="rect">
-            <a:avLst/>
-          </a:prstGeom>
         </p:spPr>
-      </p:pic>
+        <p:txBody>
+          <a:bodyPr vert="horz" wrap="square" lIns="91440" tIns="45720" rIns="91440" bIns="45720" anchor="t"/>
+          <a:p>
+            <a:pPr marL="0" indent="0" eaLnBrk="1" hangingPunct="1"/>
+            <a:r>
+              <a:rPr lang="en-US" altLang="zh-CN" sz="1600" b="0" dirty="0">
+                <a:solidFill>
+                  <a:srgbClr val="00CC00"/>
+                </a:solidFill>
+                <a:latin typeface="Impact" panose="020B0806030902050204" pitchFamily="34" charset="0"/>
+                <a:ea typeface="宋体" panose="02010600030101010101" pitchFamily="2" charset="-122"/>
+              </a:rPr>
+              <a:t> </a:t>
+            </a:r>
+            <a:endParaRPr lang="en-US" altLang="zh-CN" sz="1600" b="0" dirty="0">
+              <a:solidFill>
+                <a:srgbClr val="00CC00"/>
+              </a:solidFill>
+              <a:latin typeface="Impact" panose="020B0806030902050204" pitchFamily="34" charset="0"/>
+              <a:ea typeface="宋体" panose="02010600030101010101" pitchFamily="2" charset="-122"/>
+            </a:endParaRPr>
+          </a:p>
+          <a:p>
+            <a:pPr marL="0" indent="0" eaLnBrk="1" hangingPunct="1"/>
+            <a:r>
+              <a:rPr lang="en-US" altLang="zh-CN" sz="1600" b="0" dirty="0">
+                <a:solidFill>
+                  <a:srgbClr val="00CC00"/>
+                </a:solidFill>
+                <a:latin typeface="Impact" panose="020B0806030902050204" pitchFamily="34" charset="0"/>
+                <a:ea typeface="宋体" panose="02010600030101010101" pitchFamily="2" charset="-122"/>
+              </a:rPr>
+              <a:t>RF 规格特性</a:t>
+            </a:r>
+            <a:endParaRPr lang="en-US" altLang="zh-CN" sz="1600" b="0" dirty="0">
+              <a:solidFill>
+                <a:srgbClr val="00CC00"/>
+              </a:solidFill>
+              <a:latin typeface="Impact" panose="020B0806030902050204" pitchFamily="34" charset="0"/>
+              <a:ea typeface="宋体" panose="02010600030101010101" pitchFamily="2" charset="-122"/>
+            </a:endParaRPr>
+          </a:p>
+          <a:p>
+            <a:pPr marL="0" indent="0" eaLnBrk="1" hangingPunct="1"/>
+            <a:endParaRPr lang="en-US" altLang="zh-CN" sz="1600" b="0" dirty="0">
+              <a:solidFill>
+                <a:srgbClr val="00CC00"/>
+              </a:solidFill>
+              <a:latin typeface="Impact" panose="020B0806030902050204" pitchFamily="34" charset="0"/>
+              <a:ea typeface="宋体" panose="02010600030101010101" pitchFamily="2" charset="-122"/>
+            </a:endParaRPr>
+          </a:p>
+          <a:p>
+            <a:pPr marL="285750" indent="-285750" eaLnBrk="1" hangingPunct="1">
+              <a:buFont typeface="Arial" panose="020B0604020202020204" pitchFamily="34" charset="0"/>
+              <a:buChar char="•"/>
+            </a:pPr>
+            <a:r>
+              <a:rPr lang="en-US" altLang="zh-CN" sz="1600" b="0" dirty="0">
+                <a:solidFill>
+                  <a:srgbClr val="00CC00"/>
+                </a:solidFill>
+                <a:latin typeface="Impact" panose="020B0806030902050204" pitchFamily="34" charset="0"/>
+                <a:ea typeface="宋体" panose="02010600030101010101" pitchFamily="2" charset="-122"/>
+              </a:rPr>
+              <a:t>运行在 2.4 GHz ISM band 2.4 GHz ISM band 2.4 GHz ISM band 2.4 GHz ISM band</a:t>
+            </a:r>
+            <a:endParaRPr lang="en-US" altLang="zh-CN" sz="1600" b="0" dirty="0">
+              <a:solidFill>
+                <a:srgbClr val="00CC00"/>
+              </a:solidFill>
+              <a:latin typeface="Impact" panose="020B0806030902050204" pitchFamily="34" charset="0"/>
+              <a:ea typeface="宋体" panose="02010600030101010101" pitchFamily="2" charset="-122"/>
+            </a:endParaRPr>
+          </a:p>
+          <a:p>
+            <a:pPr marL="285750" indent="-285750" eaLnBrk="1" hangingPunct="1">
+              <a:buFont typeface="Arial" panose="020B0604020202020204" pitchFamily="34" charset="0"/>
+              <a:buChar char="•"/>
+            </a:pPr>
+            <a:endParaRPr lang="en-US" altLang="zh-CN" sz="1600" b="0" dirty="0">
+              <a:solidFill>
+                <a:srgbClr val="00CC00"/>
+              </a:solidFill>
+              <a:latin typeface="Impact" panose="020B0806030902050204" pitchFamily="34" charset="0"/>
+              <a:ea typeface="宋体" panose="02010600030101010101" pitchFamily="2" charset="-122"/>
+            </a:endParaRPr>
+          </a:p>
+          <a:p>
+            <a:pPr marL="285750" indent="-285750" eaLnBrk="1" hangingPunct="1">
+              <a:buFont typeface="Arial" panose="020B0604020202020204" pitchFamily="34" charset="0"/>
+              <a:buChar char="•"/>
+            </a:pPr>
+            <a:r>
+              <a:rPr lang="en-US" altLang="zh-CN" sz="1600" b="0" dirty="0">
+                <a:solidFill>
+                  <a:srgbClr val="00CC00"/>
+                </a:solidFill>
+                <a:latin typeface="Impact" panose="020B0806030902050204" pitchFamily="34" charset="0"/>
+                <a:ea typeface="宋体" panose="02010600030101010101" pitchFamily="2" charset="-122"/>
+              </a:rPr>
+              <a:t> 40 频道2 MHz 的通道间隙</a:t>
+            </a:r>
+            <a:endParaRPr lang="en-US" altLang="zh-CN" sz="1600" b="0" dirty="0">
+              <a:solidFill>
+                <a:srgbClr val="00CC00"/>
+              </a:solidFill>
+              <a:latin typeface="Impact" panose="020B0806030902050204" pitchFamily="34" charset="0"/>
+              <a:ea typeface="宋体" panose="02010600030101010101" pitchFamily="2" charset="-122"/>
+            </a:endParaRPr>
+          </a:p>
+          <a:p>
+            <a:pPr marL="457200" lvl="1" indent="0" eaLnBrk="1" hangingPunct="1">
+              <a:buFont typeface="Arial" panose="020B0604020202020204" pitchFamily="34" charset="0"/>
+              <a:buNone/>
+            </a:pPr>
+            <a:r>
+              <a:rPr lang="en-US" altLang="zh-CN" sz="1330" b="0" dirty="0">
+                <a:solidFill>
+                  <a:srgbClr val="00CC00"/>
+                </a:solidFill>
+                <a:latin typeface="Impact" panose="020B0806030902050204" pitchFamily="34" charset="0"/>
+                <a:ea typeface="宋体" panose="02010600030101010101" pitchFamily="2" charset="-122"/>
+              </a:rPr>
+              <a:t>3 个固定的广播通道</a:t>
+            </a:r>
+            <a:endParaRPr lang="en-US" altLang="zh-CN" sz="1330" b="0" dirty="0">
+              <a:solidFill>
+                <a:srgbClr val="00CC00"/>
+              </a:solidFill>
+              <a:latin typeface="Impact" panose="020B0806030902050204" pitchFamily="34" charset="0"/>
+              <a:ea typeface="宋体" panose="02010600030101010101" pitchFamily="2" charset="-122"/>
+            </a:endParaRPr>
+          </a:p>
+          <a:p>
+            <a:pPr marL="457200" lvl="1" indent="0" eaLnBrk="1" hangingPunct="1">
+              <a:buFont typeface="Arial" panose="020B0604020202020204" pitchFamily="34" charset="0"/>
+              <a:buNone/>
+            </a:pPr>
+            <a:r>
+              <a:rPr lang="en-US" altLang="zh-CN" sz="1330" b="0" dirty="0">
+                <a:solidFill>
+                  <a:srgbClr val="00CC00"/>
+                </a:solidFill>
+                <a:latin typeface="Impact" panose="020B0806030902050204" pitchFamily="34" charset="0"/>
+                <a:ea typeface="宋体" panose="02010600030101010101" pitchFamily="2" charset="-122"/>
+              </a:rPr>
+              <a:t>37 个自适应自动跳频数据通道</a:t>
+            </a:r>
+            <a:endParaRPr lang="en-US" altLang="zh-CN" sz="1330" b="0" dirty="0">
+              <a:solidFill>
+                <a:srgbClr val="00CC00"/>
+              </a:solidFill>
+              <a:latin typeface="Impact" panose="020B0806030902050204" pitchFamily="34" charset="0"/>
+              <a:ea typeface="宋体" panose="02010600030101010101" pitchFamily="2" charset="-122"/>
+            </a:endParaRPr>
+          </a:p>
+          <a:p>
+            <a:pPr marL="457200" lvl="1" indent="0" eaLnBrk="1" hangingPunct="1">
+              <a:buFont typeface="Arial" panose="020B0604020202020204" pitchFamily="34" charset="0"/>
+              <a:buNone/>
+            </a:pPr>
+            <a:endParaRPr lang="en-US" altLang="zh-CN" sz="1330" b="0" dirty="0">
+              <a:solidFill>
+                <a:srgbClr val="00CC00"/>
+              </a:solidFill>
+              <a:latin typeface="Impact" panose="020B0806030902050204" pitchFamily="34" charset="0"/>
+              <a:ea typeface="宋体" panose="02010600030101010101" pitchFamily="2" charset="-122"/>
+            </a:endParaRPr>
+          </a:p>
+          <a:p>
+            <a:pPr marL="285750" indent="-285750" eaLnBrk="1" hangingPunct="1">
+              <a:buFont typeface="Arial" panose="020B0604020202020204" pitchFamily="34" charset="0"/>
+              <a:buChar char="•"/>
+            </a:pPr>
+            <a:r>
+              <a:rPr lang="en-US" altLang="zh-CN" sz="1600" b="0" dirty="0">
+                <a:solidFill>
+                  <a:srgbClr val="00CC00"/>
+                </a:solidFill>
+                <a:latin typeface="Impact" panose="020B0806030902050204" pitchFamily="34" charset="0"/>
+                <a:ea typeface="宋体" panose="02010600030101010101" pitchFamily="2" charset="-122"/>
+              </a:rPr>
+              <a:t>物理层可以和经典蓝牙RF组合成双模设备</a:t>
+            </a:r>
+            <a:endParaRPr lang="en-US" altLang="zh-CN" sz="1600" b="0" dirty="0">
+              <a:solidFill>
+                <a:srgbClr val="00CC00"/>
+              </a:solidFill>
+              <a:latin typeface="Impact" panose="020B0806030902050204" pitchFamily="34" charset="0"/>
+              <a:ea typeface="宋体" panose="02010600030101010101" pitchFamily="2" charset="-122"/>
+            </a:endParaRPr>
+          </a:p>
+          <a:p>
+            <a:pPr marL="285750" indent="-285750" eaLnBrk="1" hangingPunct="1">
+              <a:buFont typeface="Arial" panose="020B0604020202020204" pitchFamily="34" charset="0"/>
+              <a:buChar char="•"/>
+            </a:pPr>
+            <a:endParaRPr lang="en-US" altLang="zh-CN" sz="1600" b="0" dirty="0">
+              <a:solidFill>
+                <a:srgbClr val="00CC00"/>
+              </a:solidFill>
+              <a:latin typeface="Impact" panose="020B0806030902050204" pitchFamily="34" charset="0"/>
+              <a:ea typeface="宋体" panose="02010600030101010101" pitchFamily="2" charset="-122"/>
+            </a:endParaRPr>
+          </a:p>
+          <a:p>
+            <a:pPr marL="285750" indent="-285750" eaLnBrk="1" hangingPunct="1">
+              <a:buFont typeface="Arial" panose="020B0604020202020204" pitchFamily="34" charset="0"/>
+              <a:buChar char="•"/>
+            </a:pPr>
+            <a:r>
+              <a:rPr lang="en-US" altLang="zh-CN" sz="1600" b="0" dirty="0">
+                <a:solidFill>
+                  <a:srgbClr val="00CC00"/>
+                </a:solidFill>
+                <a:latin typeface="Impact" panose="020B0806030902050204" pitchFamily="34" charset="0"/>
+                <a:ea typeface="宋体" panose="02010600030101010101" pitchFamily="2" charset="-122"/>
+              </a:rPr>
+              <a:t>2 MHz 间隙能更好地防止相邻频道的干扰</a:t>
+            </a:r>
+            <a:endParaRPr lang="en-US" altLang="zh-CN" sz="1600" b="0" dirty="0">
+              <a:solidFill>
+                <a:srgbClr val="00CC00"/>
+              </a:solidFill>
+              <a:latin typeface="Impact" panose="020B0806030902050204" pitchFamily="34" charset="0"/>
+              <a:ea typeface="宋体" panose="02010600030101010101" pitchFamily="2" charset="-122"/>
+            </a:endParaRPr>
+          </a:p>
+        </p:txBody>
+      </p:sp>
     </p:spTree>
   </p:cSld>
   <p:clrMapOvr>
@@ -5222,108 +5451,6 @@
       <p:grpSpPr/>
       <p:sp>
         <p:nvSpPr>
-          <p:cNvPr id="5122" name="Rectangle 2"/>
-          <p:cNvSpPr>
-            <a:spLocks noGrp="1"/>
-          </p:cNvSpPr>
-          <p:nvPr>
-            <p:ph type="title"/>
-          </p:nvPr>
-        </p:nvSpPr>
-        <p:spPr>
-          <a:xfrm>
-            <a:off x="2900045" y="1767205"/>
-            <a:ext cx="5410200" cy="2070735"/>
-          </a:xfrm>
-        </p:spPr>
-        <p:txBody>
-          <a:bodyPr vert="horz" wrap="square" lIns="91440" tIns="45720" rIns="91440" bIns="45720" anchor="ctr"/>
-          <a:p>
-            <a:pPr algn="ctr" eaLnBrk="1" hangingPunct="1"/>
-            <a:r>
-              <a:rPr lang="en-US" altLang="zh-CN" dirty="0">
-                <a:solidFill>
-                  <a:schemeClr val="bg1"/>
-                </a:solidFill>
-                <a:ea typeface="宋体" panose="02010600030101010101" pitchFamily="2" charset="-122"/>
-              </a:rPr>
-              <a:t>低功耗蓝牙协议栈</a:t>
-            </a:r>
-            <a:br>
-              <a:rPr lang="en-US" altLang="zh-CN" dirty="0">
-                <a:solidFill>
-                  <a:schemeClr val="bg1"/>
-                </a:solidFill>
-                <a:ea typeface="宋体" panose="02010600030101010101" pitchFamily="2" charset="-122"/>
-              </a:rPr>
-            </a:br>
-            <a:r>
-              <a:rPr lang="en-US" altLang="zh-CN" dirty="0">
-                <a:solidFill>
-                  <a:schemeClr val="bg1"/>
-                </a:solidFill>
-                <a:ea typeface="宋体" panose="02010600030101010101" pitchFamily="2" charset="-122"/>
-              </a:rPr>
-              <a:t>Bluetooth Low Energy</a:t>
-            </a:r>
-            <a:br>
-              <a:rPr lang="en-US" altLang="zh-CN" dirty="0">
-                <a:solidFill>
-                  <a:schemeClr val="bg1"/>
-                </a:solidFill>
-                <a:ea typeface="宋体" panose="02010600030101010101" pitchFamily="2" charset="-122"/>
-              </a:rPr>
-            </a:br>
-            <a:r>
-              <a:rPr lang="en-US" altLang="zh-CN" dirty="0">
-                <a:solidFill>
-                  <a:schemeClr val="bg1"/>
-                </a:solidFill>
-                <a:ea typeface="宋体" panose="02010600030101010101" pitchFamily="2" charset="-122"/>
-              </a:rPr>
-              <a:t>Protocol Stack</a:t>
-            </a:r>
-            <a:endParaRPr lang="en-US" altLang="zh-CN" dirty="0">
-              <a:solidFill>
-                <a:schemeClr val="bg1"/>
-              </a:solidFill>
-              <a:ea typeface="宋体" panose="02010600030101010101" pitchFamily="2" charset="-122"/>
-            </a:endParaRPr>
-          </a:p>
-        </p:txBody>
-      </p:sp>
-    </p:spTree>
-  </p:cSld>
-  <p:clrMapOvr>
-    <a:masterClrMapping/>
-  </p:clrMapOvr>
-  <p:transition spd="med"/>
-</p:sld>
-</file>
-
-<file path=ppt/slides/slide17.xml><?xml version="1.0" encoding="utf-8"?>
-<p:sld xmlns:a="http://schemas.openxmlformats.org/drawingml/2006/main" xmlns:r="http://schemas.openxmlformats.org/officeDocument/2006/relationships" xmlns:p="http://schemas.openxmlformats.org/presentationml/2006/main">
-  <p:cSld>
-    <p:bg>
-      <p:bgPr>
-        <a:blipFill rotWithShape="0">
-          <a:blip r:embed="rId1"/>
-          <a:stretch>
-            <a:fillRect/>
-          </a:stretch>
-        </a:blipFill>
-        <a:effectLst/>
-      </p:bgPr>
-    </p:bg>
-    <p:spTree>
-      <p:nvGrpSpPr>
-        <p:cNvPr id="1" name=""/>
-        <p:cNvGrpSpPr/>
-        <p:nvPr/>
-      </p:nvGrpSpPr>
-      <p:grpSpPr/>
-      <p:sp>
-        <p:nvSpPr>
           <p:cNvPr id="6146" name="Rectangle 2"/>
           <p:cNvSpPr>
             <a:spLocks noGrp="1"/>
@@ -5335,7 +5462,7 @@
         <p:spPr>
           <a:xfrm>
             <a:off x="2438400" y="228600"/>
-            <a:ext cx="4801235" cy="609600"/>
+            <a:ext cx="3352800" cy="609600"/>
           </a:xfrm>
         </p:spPr>
         <p:txBody>
@@ -5343,20 +5470,28 @@
           <a:p>
             <a:pPr algn="ctr" eaLnBrk="1" hangingPunct="1"/>
             <a:r>
-              <a:rPr lang="zh-CN" altLang="en-US" sz="2800">
+              <a:rPr lang="en-US" altLang="zh-CN" sz="2800" dirty="0">
                 <a:solidFill>
                   <a:schemeClr val="bg1"/>
                 </a:solidFill>
-                <a:sym typeface="+mn-ea"/>
-              </a:rPr>
-              <a:t>BLE协议栈的结构</a:t>
+                <a:ea typeface="宋体" panose="02010600030101010101" pitchFamily="2" charset="-122"/>
+              </a:rPr>
+              <a:t>链路层状态</a:t>
+            </a:r>
+            <a:r>
+              <a:rPr lang="zh-CN" altLang="en-US" sz="2800" dirty="0">
+                <a:solidFill>
+                  <a:schemeClr val="bg1"/>
+                </a:solidFill>
+                <a:ea typeface="宋体" panose="02010600030101010101" pitchFamily="2" charset="-122"/>
+              </a:rPr>
+              <a:t>机</a:t>
             </a:r>
             <a:endParaRPr lang="zh-CN" altLang="en-US" sz="2800" dirty="0">
               <a:solidFill>
                 <a:schemeClr val="bg1"/>
               </a:solidFill>
               <a:ea typeface="宋体" panose="02010600030101010101" pitchFamily="2" charset="-122"/>
-              <a:sym typeface="+mn-ea"/>
             </a:endParaRPr>
           </a:p>
         </p:txBody>
@@ -5377,8 +5512,8 @@
         </p:blipFill>
         <p:spPr>
           <a:xfrm>
-            <a:off x="3630930" y="1024255"/>
-            <a:ext cx="3790315" cy="4809490"/>
+            <a:off x="3419475" y="1405255"/>
+            <a:ext cx="5352415" cy="4047490"/>
           </a:xfrm>
           <a:prstGeom prst="rect">
             <a:avLst/>
@@ -5394,322 +5529,7 @@
 </p:sld>
 </file>
 
-<file path=ppt/slides/slide18.xml><?xml version="1.0" encoding="utf-8"?>
-<p:sld xmlns:a="http://schemas.openxmlformats.org/drawingml/2006/main" xmlns:r="http://schemas.openxmlformats.org/officeDocument/2006/relationships" xmlns:p="http://schemas.openxmlformats.org/presentationml/2006/main">
-  <p:cSld>
-    <p:bg>
-      <p:bgPr>
-        <a:blipFill rotWithShape="0">
-          <a:blip r:embed="rId1"/>
-          <a:stretch>
-            <a:fillRect/>
-          </a:stretch>
-        </a:blipFill>
-        <a:effectLst/>
-      </p:bgPr>
-    </p:bg>
-    <p:spTree>
-      <p:nvGrpSpPr>
-        <p:cNvPr id="1" name=""/>
-        <p:cNvGrpSpPr/>
-        <p:nvPr/>
-      </p:nvGrpSpPr>
-      <p:grpSpPr/>
-      <p:sp>
-        <p:nvSpPr>
-          <p:cNvPr id="6146" name="Rectangle 2"/>
-          <p:cNvSpPr>
-            <a:spLocks noGrp="1"/>
-          </p:cNvSpPr>
-          <p:nvPr>
-            <p:ph type="title"/>
-          </p:nvPr>
-        </p:nvSpPr>
-        <p:spPr>
-          <a:xfrm>
-            <a:off x="2438400" y="228600"/>
-            <a:ext cx="3352800" cy="609600"/>
-          </a:xfrm>
-        </p:spPr>
-        <p:txBody>
-          <a:bodyPr vert="horz" wrap="square" lIns="91440" tIns="45720" rIns="91440" bIns="45720" anchor="ctr"/>
-          <a:p>
-            <a:pPr algn="ctr" eaLnBrk="1" hangingPunct="1"/>
-            <a:r>
-              <a:rPr lang="en-US" altLang="zh-CN" sz="2800" dirty="0">
-                <a:solidFill>
-                  <a:schemeClr val="bg1"/>
-                </a:solidFill>
-                <a:ea typeface="宋体" panose="02010600030101010101" pitchFamily="2" charset="-122"/>
-              </a:rPr>
-              <a:t>物理层(PHY)</a:t>
-            </a:r>
-            <a:endParaRPr lang="en-US" altLang="zh-CN" sz="2800" dirty="0">
-              <a:solidFill>
-                <a:schemeClr val="bg1"/>
-              </a:solidFill>
-              <a:ea typeface="宋体" panose="02010600030101010101" pitchFamily="2" charset="-122"/>
-            </a:endParaRPr>
-          </a:p>
-        </p:txBody>
-      </p:sp>
-      <p:sp>
-        <p:nvSpPr>
-          <p:cNvPr id="6147" name="Rectangle 3"/>
-          <p:cNvSpPr>
-            <a:spLocks noGrp="1"/>
-          </p:cNvSpPr>
-          <p:nvPr>
-            <p:ph type="body" sz="half" idx="1"/>
-          </p:nvPr>
-        </p:nvSpPr>
-        <p:spPr>
-          <a:xfrm>
-            <a:off x="2590800" y="990600"/>
-            <a:ext cx="7010400" cy="4800600"/>
-          </a:xfrm>
-        </p:spPr>
-        <p:txBody>
-          <a:bodyPr vert="horz" wrap="square" lIns="91440" tIns="45720" rIns="91440" bIns="45720" anchor="t"/>
-          <a:p>
-            <a:pPr marL="0" indent="0" eaLnBrk="1" hangingPunct="1"/>
-            <a:r>
-              <a:rPr lang="en-US" altLang="zh-CN" sz="1600" b="0" dirty="0">
-                <a:solidFill>
-                  <a:srgbClr val="00CC00"/>
-                </a:solidFill>
-                <a:latin typeface="Impact" panose="020B0806030902050204" pitchFamily="34" charset="0"/>
-                <a:ea typeface="宋体" panose="02010600030101010101" pitchFamily="2" charset="-122"/>
-              </a:rPr>
-              <a:t> </a:t>
-            </a:r>
-            <a:endParaRPr lang="en-US" altLang="zh-CN" sz="1600" b="0" dirty="0">
-              <a:solidFill>
-                <a:srgbClr val="00CC00"/>
-              </a:solidFill>
-              <a:latin typeface="Impact" panose="020B0806030902050204" pitchFamily="34" charset="0"/>
-              <a:ea typeface="宋体" panose="02010600030101010101" pitchFamily="2" charset="-122"/>
-            </a:endParaRPr>
-          </a:p>
-          <a:p>
-            <a:pPr marL="0" indent="0" eaLnBrk="1" hangingPunct="1"/>
-            <a:r>
-              <a:rPr lang="en-US" altLang="zh-CN" sz="1600" b="0" dirty="0">
-                <a:solidFill>
-                  <a:srgbClr val="00CC00"/>
-                </a:solidFill>
-                <a:latin typeface="Impact" panose="020B0806030902050204" pitchFamily="34" charset="0"/>
-                <a:ea typeface="宋体" panose="02010600030101010101" pitchFamily="2" charset="-122"/>
-              </a:rPr>
-              <a:t>RF 规格特性</a:t>
-            </a:r>
-            <a:endParaRPr lang="en-US" altLang="zh-CN" sz="1600" b="0" dirty="0">
-              <a:solidFill>
-                <a:srgbClr val="00CC00"/>
-              </a:solidFill>
-              <a:latin typeface="Impact" panose="020B0806030902050204" pitchFamily="34" charset="0"/>
-              <a:ea typeface="宋体" panose="02010600030101010101" pitchFamily="2" charset="-122"/>
-            </a:endParaRPr>
-          </a:p>
-          <a:p>
-            <a:pPr marL="0" indent="0" eaLnBrk="1" hangingPunct="1"/>
-            <a:endParaRPr lang="en-US" altLang="zh-CN" sz="1600" b="0" dirty="0">
-              <a:solidFill>
-                <a:srgbClr val="00CC00"/>
-              </a:solidFill>
-              <a:latin typeface="Impact" panose="020B0806030902050204" pitchFamily="34" charset="0"/>
-              <a:ea typeface="宋体" panose="02010600030101010101" pitchFamily="2" charset="-122"/>
-            </a:endParaRPr>
-          </a:p>
-          <a:p>
-            <a:pPr marL="285750" indent="-285750" eaLnBrk="1" hangingPunct="1">
-              <a:buFont typeface="Arial" panose="020B0604020202020204" pitchFamily="34" charset="0"/>
-              <a:buChar char="•"/>
-            </a:pPr>
-            <a:r>
-              <a:rPr lang="en-US" altLang="zh-CN" sz="1600" b="0" dirty="0">
-                <a:solidFill>
-                  <a:srgbClr val="00CC00"/>
-                </a:solidFill>
-                <a:latin typeface="Impact" panose="020B0806030902050204" pitchFamily="34" charset="0"/>
-                <a:ea typeface="宋体" panose="02010600030101010101" pitchFamily="2" charset="-122"/>
-              </a:rPr>
-              <a:t>运行在 2.4 GHz ISM band 2.4 GHz ISM band 2.4 GHz ISM band 2.4 GHz ISM band</a:t>
-            </a:r>
-            <a:endParaRPr lang="en-US" altLang="zh-CN" sz="1600" b="0" dirty="0">
-              <a:solidFill>
-                <a:srgbClr val="00CC00"/>
-              </a:solidFill>
-              <a:latin typeface="Impact" panose="020B0806030902050204" pitchFamily="34" charset="0"/>
-              <a:ea typeface="宋体" panose="02010600030101010101" pitchFamily="2" charset="-122"/>
-            </a:endParaRPr>
-          </a:p>
-          <a:p>
-            <a:pPr marL="285750" indent="-285750" eaLnBrk="1" hangingPunct="1">
-              <a:buFont typeface="Arial" panose="020B0604020202020204" pitchFamily="34" charset="0"/>
-              <a:buChar char="•"/>
-            </a:pPr>
-            <a:endParaRPr lang="en-US" altLang="zh-CN" sz="1600" b="0" dirty="0">
-              <a:solidFill>
-                <a:srgbClr val="00CC00"/>
-              </a:solidFill>
-              <a:latin typeface="Impact" panose="020B0806030902050204" pitchFamily="34" charset="0"/>
-              <a:ea typeface="宋体" panose="02010600030101010101" pitchFamily="2" charset="-122"/>
-            </a:endParaRPr>
-          </a:p>
-          <a:p>
-            <a:pPr marL="285750" indent="-285750" eaLnBrk="1" hangingPunct="1">
-              <a:buFont typeface="Arial" panose="020B0604020202020204" pitchFamily="34" charset="0"/>
-              <a:buChar char="•"/>
-            </a:pPr>
-            <a:r>
-              <a:rPr lang="en-US" altLang="zh-CN" sz="1600" b="0" dirty="0">
-                <a:solidFill>
-                  <a:srgbClr val="00CC00"/>
-                </a:solidFill>
-                <a:latin typeface="Impact" panose="020B0806030902050204" pitchFamily="34" charset="0"/>
-                <a:ea typeface="宋体" panose="02010600030101010101" pitchFamily="2" charset="-122"/>
-              </a:rPr>
-              <a:t> 40 频道2 MHz 的通道间隙</a:t>
-            </a:r>
-            <a:endParaRPr lang="en-US" altLang="zh-CN" sz="1600" b="0" dirty="0">
-              <a:solidFill>
-                <a:srgbClr val="00CC00"/>
-              </a:solidFill>
-              <a:latin typeface="Impact" panose="020B0806030902050204" pitchFamily="34" charset="0"/>
-              <a:ea typeface="宋体" panose="02010600030101010101" pitchFamily="2" charset="-122"/>
-            </a:endParaRPr>
-          </a:p>
-          <a:p>
-            <a:pPr marL="457200" lvl="1" indent="0" eaLnBrk="1" hangingPunct="1">
-              <a:buFont typeface="Arial" panose="020B0604020202020204" pitchFamily="34" charset="0"/>
-              <a:buNone/>
-            </a:pPr>
-            <a:r>
-              <a:rPr lang="en-US" altLang="zh-CN" sz="1330" b="0" dirty="0">
-                <a:solidFill>
-                  <a:srgbClr val="00CC00"/>
-                </a:solidFill>
-                <a:latin typeface="Impact" panose="020B0806030902050204" pitchFamily="34" charset="0"/>
-                <a:ea typeface="宋体" panose="02010600030101010101" pitchFamily="2" charset="-122"/>
-              </a:rPr>
-              <a:t>3 个固定的广播通道</a:t>
-            </a:r>
-            <a:endParaRPr lang="en-US" altLang="zh-CN" sz="1330" b="0" dirty="0">
-              <a:solidFill>
-                <a:srgbClr val="00CC00"/>
-              </a:solidFill>
-              <a:latin typeface="Impact" panose="020B0806030902050204" pitchFamily="34" charset="0"/>
-              <a:ea typeface="宋体" panose="02010600030101010101" pitchFamily="2" charset="-122"/>
-            </a:endParaRPr>
-          </a:p>
-          <a:p>
-            <a:pPr marL="457200" lvl="1" indent="0" eaLnBrk="1" hangingPunct="1">
-              <a:buFont typeface="Arial" panose="020B0604020202020204" pitchFamily="34" charset="0"/>
-              <a:buNone/>
-            </a:pPr>
-            <a:r>
-              <a:rPr lang="en-US" altLang="zh-CN" sz="1330" b="0" dirty="0">
-                <a:solidFill>
-                  <a:srgbClr val="00CC00"/>
-                </a:solidFill>
-                <a:latin typeface="Impact" panose="020B0806030902050204" pitchFamily="34" charset="0"/>
-                <a:ea typeface="宋体" panose="02010600030101010101" pitchFamily="2" charset="-122"/>
-              </a:rPr>
-              <a:t>37 个自适应自动跳频数据通道</a:t>
-            </a:r>
-            <a:endParaRPr lang="en-US" altLang="zh-CN" sz="1330" b="0" dirty="0">
-              <a:solidFill>
-                <a:srgbClr val="00CC00"/>
-              </a:solidFill>
-              <a:latin typeface="Impact" panose="020B0806030902050204" pitchFamily="34" charset="0"/>
-              <a:ea typeface="宋体" panose="02010600030101010101" pitchFamily="2" charset="-122"/>
-            </a:endParaRPr>
-          </a:p>
-          <a:p>
-            <a:pPr marL="457200" lvl="1" indent="0" eaLnBrk="1" hangingPunct="1">
-              <a:buFont typeface="Arial" panose="020B0604020202020204" pitchFamily="34" charset="0"/>
-              <a:buNone/>
-            </a:pPr>
-            <a:endParaRPr lang="en-US" altLang="zh-CN" sz="1330" b="0" dirty="0">
-              <a:solidFill>
-                <a:srgbClr val="00CC00"/>
-              </a:solidFill>
-              <a:latin typeface="Impact" panose="020B0806030902050204" pitchFamily="34" charset="0"/>
-              <a:ea typeface="宋体" panose="02010600030101010101" pitchFamily="2" charset="-122"/>
-            </a:endParaRPr>
-          </a:p>
-          <a:p>
-            <a:pPr marL="285750" indent="-285750" eaLnBrk="1" hangingPunct="1">
-              <a:buFont typeface="Arial" panose="020B0604020202020204" pitchFamily="34" charset="0"/>
-              <a:buChar char="•"/>
-            </a:pPr>
-            <a:r>
-              <a:rPr lang="en-US" altLang="zh-CN" sz="1600" b="0" dirty="0">
-                <a:solidFill>
-                  <a:srgbClr val="00CC00"/>
-                </a:solidFill>
-                <a:latin typeface="Impact" panose="020B0806030902050204" pitchFamily="34" charset="0"/>
-                <a:ea typeface="宋体" panose="02010600030101010101" pitchFamily="2" charset="-122"/>
-              </a:rPr>
-              <a:t>物理层可以和经典蓝牙RF组合成双模设备</a:t>
-            </a:r>
-            <a:endParaRPr lang="en-US" altLang="zh-CN" sz="1600" b="0" dirty="0">
-              <a:solidFill>
-                <a:srgbClr val="00CC00"/>
-              </a:solidFill>
-              <a:latin typeface="Impact" panose="020B0806030902050204" pitchFamily="34" charset="0"/>
-              <a:ea typeface="宋体" panose="02010600030101010101" pitchFamily="2" charset="-122"/>
-            </a:endParaRPr>
-          </a:p>
-          <a:p>
-            <a:pPr marL="285750" indent="-285750" eaLnBrk="1" hangingPunct="1">
-              <a:buFont typeface="Arial" panose="020B0604020202020204" pitchFamily="34" charset="0"/>
-              <a:buChar char="•"/>
-            </a:pPr>
-            <a:endParaRPr lang="en-US" altLang="zh-CN" sz="1600" b="0" dirty="0">
-              <a:solidFill>
-                <a:srgbClr val="00CC00"/>
-              </a:solidFill>
-              <a:latin typeface="Impact" panose="020B0806030902050204" pitchFamily="34" charset="0"/>
-              <a:ea typeface="宋体" panose="02010600030101010101" pitchFamily="2" charset="-122"/>
-            </a:endParaRPr>
-          </a:p>
-          <a:p>
-            <a:pPr marL="285750" indent="-285750" eaLnBrk="1" hangingPunct="1">
-              <a:buFont typeface="Arial" panose="020B0604020202020204" pitchFamily="34" charset="0"/>
-              <a:buChar char="•"/>
-            </a:pPr>
-            <a:r>
-              <a:rPr lang="en-US" altLang="zh-CN" sz="1600" b="0" dirty="0">
-                <a:solidFill>
-                  <a:srgbClr val="00CC00"/>
-                </a:solidFill>
-                <a:latin typeface="Impact" panose="020B0806030902050204" pitchFamily="34" charset="0"/>
-                <a:ea typeface="宋体" panose="02010600030101010101" pitchFamily="2" charset="-122"/>
-              </a:rPr>
-              <a:t>2 MHz 间隙能更好地防止相邻频道的干扰</a:t>
-            </a:r>
-            <a:endParaRPr lang="en-US" altLang="zh-CN" sz="1600" b="0" dirty="0">
-              <a:solidFill>
-                <a:srgbClr val="00CC00"/>
-              </a:solidFill>
-              <a:latin typeface="Impact" panose="020B0806030902050204" pitchFamily="34" charset="0"/>
-              <a:ea typeface="宋体" panose="02010600030101010101" pitchFamily="2" charset="-122"/>
-            </a:endParaRPr>
-          </a:p>
-        </p:txBody>
-      </p:sp>
-    </p:spTree>
-  </p:cSld>
-  <p:clrMapOvr>
-    <a:masterClrMapping/>
-  </p:clrMapOvr>
-  <p:transition spd="med"/>
-</p:sld>
-</file>
-
-<file path=ppt/slides/slide19.xml><?xml version="1.0" encoding="utf-8"?>
+<file path=ppt/slides/slide17.xml><?xml version="1.0" encoding="utf-8"?>
 <p:sld xmlns:a="http://schemas.openxmlformats.org/drawingml/2006/main" xmlns:r="http://schemas.openxmlformats.org/officeDocument/2006/relationships" xmlns:p="http://schemas.openxmlformats.org/presentationml/2006/main">
   <p:cSld>
     <p:bg>
@@ -5825,6 +5645,387 @@
 </p:sld>
 </file>
 
+<file path=ppt/slides/slide18.xml><?xml version="1.0" encoding="utf-8"?>
+<p:sld xmlns:a="http://schemas.openxmlformats.org/drawingml/2006/main" xmlns:r="http://schemas.openxmlformats.org/officeDocument/2006/relationships" xmlns:p="http://schemas.openxmlformats.org/presentationml/2006/main">
+  <p:cSld>
+    <p:bg>
+      <p:bgPr>
+        <a:blipFill rotWithShape="0">
+          <a:blip r:embed="rId1"/>
+          <a:stretch>
+            <a:fillRect/>
+          </a:stretch>
+        </a:blipFill>
+        <a:effectLst/>
+      </p:bgPr>
+    </p:bg>
+    <p:spTree>
+      <p:nvGrpSpPr>
+        <p:cNvPr id="1" name=""/>
+        <p:cNvGrpSpPr/>
+        <p:nvPr/>
+      </p:nvGrpSpPr>
+      <p:grpSpPr/>
+      <p:sp>
+        <p:nvSpPr>
+          <p:cNvPr id="6146" name="Rectangle 2"/>
+          <p:cNvSpPr>
+            <a:spLocks noGrp="1"/>
+          </p:cNvSpPr>
+          <p:nvPr>
+            <p:ph type="title"/>
+          </p:nvPr>
+        </p:nvSpPr>
+        <p:spPr>
+          <a:xfrm>
+            <a:off x="2438400" y="228600"/>
+            <a:ext cx="3864610" cy="609600"/>
+          </a:xfrm>
+        </p:spPr>
+        <p:txBody>
+          <a:bodyPr vert="horz" wrap="square" lIns="91440" tIns="45720" rIns="91440" bIns="45720" anchor="ctr"/>
+          <a:p>
+            <a:pPr algn="ctr" eaLnBrk="1" hangingPunct="1"/>
+            <a:r>
+              <a:rPr lang="en-US" altLang="zh-CN" sz="2800" dirty="0">
+                <a:solidFill>
+                  <a:schemeClr val="bg1"/>
+                </a:solidFill>
+                <a:ea typeface="宋体" panose="02010600030101010101" pitchFamily="2" charset="-122"/>
+              </a:rPr>
+              <a:t> 广播事件</a:t>
+            </a:r>
+            <a:r>
+              <a:rPr lang="zh-CN" altLang="zh-CN" sz="2800" dirty="0">
+                <a:solidFill>
+                  <a:schemeClr val="bg1"/>
+                </a:solidFill>
+                <a:ea typeface="宋体" panose="02010600030101010101" pitchFamily="2" charset="-122"/>
+              </a:rPr>
+              <a:t>和扫描事件</a:t>
+            </a:r>
+            <a:endParaRPr lang="zh-CN" altLang="zh-CN" sz="2800" dirty="0">
+              <a:solidFill>
+                <a:schemeClr val="bg1"/>
+              </a:solidFill>
+              <a:ea typeface="宋体" panose="02010600030101010101" pitchFamily="2" charset="-122"/>
+            </a:endParaRPr>
+          </a:p>
+        </p:txBody>
+      </p:sp>
+      <p:sp>
+        <p:nvSpPr>
+          <p:cNvPr id="6147" name="Rectangle 3"/>
+          <p:cNvSpPr>
+            <a:spLocks noGrp="1"/>
+          </p:cNvSpPr>
+          <p:nvPr>
+            <p:ph type="body" sz="half" idx="1"/>
+          </p:nvPr>
+        </p:nvSpPr>
+        <p:spPr>
+          <a:xfrm>
+            <a:off x="2590800" y="990600"/>
+            <a:ext cx="7010400" cy="4800600"/>
+          </a:xfrm>
+        </p:spPr>
+        <p:txBody>
+          <a:bodyPr vert="horz" wrap="square" lIns="91440" tIns="45720" rIns="91440" bIns="45720" anchor="t"/>
+          <a:p>
+            <a:pPr marL="0" indent="0" eaLnBrk="1" hangingPunct="1"/>
+            <a:endParaRPr lang="en-US" altLang="zh-CN" sz="1600" b="0" dirty="0">
+              <a:solidFill>
+                <a:srgbClr val="00CC00"/>
+              </a:solidFill>
+              <a:latin typeface="Impact" panose="020B0806030902050204" pitchFamily="34" charset="0"/>
+              <a:ea typeface="宋体" panose="02010600030101010101" pitchFamily="2" charset="-122"/>
+            </a:endParaRPr>
+          </a:p>
+          <a:p>
+            <a:pPr marL="285750" indent="-285750" eaLnBrk="1" hangingPunct="1">
+              <a:buFont typeface="Arial" panose="020B0604020202020204" pitchFamily="34" charset="0"/>
+              <a:buChar char="•"/>
+            </a:pPr>
+            <a:r>
+              <a:rPr lang="en-US" altLang="zh-CN" sz="1600" b="0" dirty="0">
+                <a:solidFill>
+                  <a:srgbClr val="00CC00"/>
+                </a:solidFill>
+                <a:latin typeface="Impact" panose="020B0806030902050204" pitchFamily="34" charset="0"/>
+                <a:ea typeface="宋体" panose="02010600030101010101" pitchFamily="2" charset="-122"/>
+              </a:rPr>
+              <a:t>广播包的发送是单向的，不需要任何连接。</a:t>
+            </a:r>
+            <a:endParaRPr lang="en-US" altLang="zh-CN" sz="1600" b="0" dirty="0">
+              <a:solidFill>
+                <a:srgbClr val="00CC00"/>
+              </a:solidFill>
+              <a:latin typeface="Impact" panose="020B0806030902050204" pitchFamily="34" charset="0"/>
+              <a:ea typeface="宋体" panose="02010600030101010101" pitchFamily="2" charset="-122"/>
+            </a:endParaRPr>
+          </a:p>
+          <a:p>
+            <a:pPr marL="0" indent="0" eaLnBrk="1" hangingPunct="1"/>
+            <a:endParaRPr lang="en-US" altLang="zh-CN" sz="1600" b="0" dirty="0">
+              <a:solidFill>
+                <a:srgbClr val="00CC00"/>
+              </a:solidFill>
+              <a:latin typeface="Impact" panose="020B0806030902050204" pitchFamily="34" charset="0"/>
+              <a:ea typeface="宋体" panose="02010600030101010101" pitchFamily="2" charset="-122"/>
+            </a:endParaRPr>
+          </a:p>
+          <a:p>
+            <a:pPr marL="285750" indent="-285750" eaLnBrk="1" hangingPunct="1">
+              <a:buFont typeface="Arial" panose="020B0604020202020204" pitchFamily="34" charset="0"/>
+              <a:buChar char="•"/>
+            </a:pPr>
+            <a:r>
+              <a:rPr lang="en-US" altLang="zh-CN" sz="1600" b="0" dirty="0">
+                <a:solidFill>
+                  <a:srgbClr val="00CC00"/>
+                </a:solidFill>
+                <a:latin typeface="Impact" panose="020B0806030902050204" pitchFamily="34" charset="0"/>
+                <a:ea typeface="宋体" panose="02010600030101010101" pitchFamily="2" charset="-122"/>
+              </a:rPr>
+              <a:t>设备发送广播包进入广播状态</a:t>
+            </a:r>
+            <a:endParaRPr lang="en-US" altLang="zh-CN" sz="1600" b="0" dirty="0">
+              <a:solidFill>
+                <a:srgbClr val="00CC00"/>
+              </a:solidFill>
+              <a:latin typeface="Impact" panose="020B0806030902050204" pitchFamily="34" charset="0"/>
+              <a:ea typeface="宋体" panose="02010600030101010101" pitchFamily="2" charset="-122"/>
+            </a:endParaRPr>
+          </a:p>
+          <a:p>
+            <a:pPr marL="457200" lvl="1" indent="0" eaLnBrk="1" hangingPunct="1"/>
+            <a:r>
+              <a:rPr lang="en-US" altLang="zh-CN" sz="1330" b="0" dirty="0">
+                <a:solidFill>
+                  <a:srgbClr val="00CC00"/>
+                </a:solidFill>
+                <a:latin typeface="Impact" panose="020B0806030902050204" pitchFamily="34" charset="0"/>
+                <a:ea typeface="宋体" panose="02010600030101010101" pitchFamily="2" charset="-122"/>
+              </a:rPr>
+              <a:t> 广播包可以包含特定的数据定义，最大31个字节</a:t>
+            </a:r>
+            <a:endParaRPr lang="en-US" altLang="zh-CN" sz="1330" b="0" dirty="0">
+              <a:solidFill>
+                <a:srgbClr val="00CC00"/>
+              </a:solidFill>
+              <a:latin typeface="Impact" panose="020B0806030902050204" pitchFamily="34" charset="0"/>
+              <a:ea typeface="宋体" panose="02010600030101010101" pitchFamily="2" charset="-122"/>
+            </a:endParaRPr>
+          </a:p>
+          <a:p>
+            <a:pPr marL="457200" lvl="1" indent="0" eaLnBrk="1" hangingPunct="1"/>
+            <a:r>
+              <a:rPr lang="en-US" altLang="zh-CN" sz="1330" b="0" dirty="0">
+                <a:solidFill>
+                  <a:srgbClr val="00CC00"/>
+                </a:solidFill>
+                <a:latin typeface="Impact" panose="020B0806030902050204" pitchFamily="34" charset="0"/>
+                <a:ea typeface="宋体" panose="02010600030101010101" pitchFamily="2" charset="-122"/>
+              </a:rPr>
+              <a:t>广播包可以直接指向某个特定的设备，也可以不指定</a:t>
+            </a:r>
+            <a:endParaRPr lang="en-US" altLang="zh-CN" sz="1330" b="0" dirty="0">
+              <a:solidFill>
+                <a:srgbClr val="00CC00"/>
+              </a:solidFill>
+              <a:latin typeface="Impact" panose="020B0806030902050204" pitchFamily="34" charset="0"/>
+              <a:ea typeface="宋体" panose="02010600030101010101" pitchFamily="2" charset="-122"/>
+            </a:endParaRPr>
+          </a:p>
+          <a:p>
+            <a:pPr marL="457200" lvl="1" indent="0" eaLnBrk="1" hangingPunct="1"/>
+            <a:r>
+              <a:rPr lang="en-US" altLang="zh-CN" sz="1330" b="0" dirty="0">
+                <a:solidFill>
+                  <a:srgbClr val="00CC00"/>
+                </a:solidFill>
+                <a:latin typeface="Impact" panose="020B0806030902050204" pitchFamily="34" charset="0"/>
+                <a:ea typeface="宋体" panose="02010600030101010101" pitchFamily="2" charset="-122"/>
+              </a:rPr>
+              <a:t>广播中可以声明是可被连接的设备，或者是不可连接的设备</a:t>
+            </a:r>
+            <a:endParaRPr lang="en-US" altLang="zh-CN" sz="1330" b="0" dirty="0">
+              <a:solidFill>
+                <a:srgbClr val="00CC00"/>
+              </a:solidFill>
+              <a:latin typeface="Impact" panose="020B0806030902050204" pitchFamily="34" charset="0"/>
+              <a:ea typeface="宋体" panose="02010600030101010101" pitchFamily="2" charset="-122"/>
+            </a:endParaRPr>
+          </a:p>
+          <a:p>
+            <a:pPr marL="457200" lvl="1" indent="0" eaLnBrk="1" hangingPunct="1"/>
+            <a:endParaRPr lang="en-US" altLang="zh-CN" sz="1330" b="0" dirty="0">
+              <a:solidFill>
+                <a:srgbClr val="00CC00"/>
+              </a:solidFill>
+              <a:latin typeface="Impact" panose="020B0806030902050204" pitchFamily="34" charset="0"/>
+              <a:ea typeface="宋体" panose="02010600030101010101" pitchFamily="2" charset="-122"/>
+            </a:endParaRPr>
+          </a:p>
+          <a:p>
+            <a:pPr lvl="0" eaLnBrk="1" hangingPunct="1">
+              <a:buFont typeface="Arial" panose="020B0604020202020204" pitchFamily="34" charset="0"/>
+              <a:buChar char="•"/>
+            </a:pPr>
+            <a:r>
+              <a:rPr lang="en-US" altLang="zh-CN" sz="1600" b="0" dirty="0">
+                <a:solidFill>
+                  <a:srgbClr val="00CC00"/>
+                </a:solidFill>
+                <a:latin typeface="Impact" panose="020B0806030902050204" pitchFamily="34" charset="0"/>
+                <a:ea typeface="宋体" panose="02010600030101010101" pitchFamily="2" charset="-122"/>
+              </a:rPr>
+              <a:t>在一个广播事件中，广播包会分别在三个广播通道中被发送一次 (37, 38, 39)</a:t>
+            </a:r>
+            <a:endParaRPr lang="en-US" altLang="zh-CN" sz="1600" b="0" dirty="0">
+              <a:solidFill>
+                <a:srgbClr val="00CC00"/>
+              </a:solidFill>
+              <a:latin typeface="Impact" panose="020B0806030902050204" pitchFamily="34" charset="0"/>
+              <a:ea typeface="宋体" panose="02010600030101010101" pitchFamily="2" charset="-122"/>
+            </a:endParaRPr>
+          </a:p>
+          <a:p>
+            <a:pPr marL="0" indent="0" eaLnBrk="1" hangingPunct="1"/>
+            <a:endParaRPr lang="en-US" altLang="zh-CN" sz="1600" b="0" dirty="0">
+              <a:solidFill>
+                <a:srgbClr val="00CC00"/>
+              </a:solidFill>
+              <a:latin typeface="Impact" panose="020B0806030902050204" pitchFamily="34" charset="0"/>
+              <a:ea typeface="宋体" panose="02010600030101010101" pitchFamily="2" charset="-122"/>
+            </a:endParaRPr>
+          </a:p>
+          <a:p>
+            <a:pPr marL="285750" indent="-285750" eaLnBrk="1" hangingPunct="1">
+              <a:buFont typeface="Arial" panose="020B0604020202020204" pitchFamily="34" charset="0"/>
+              <a:buChar char="•"/>
+            </a:pPr>
+            <a:r>
+              <a:rPr lang="en-US" altLang="zh-CN" sz="1600" b="0" dirty="0">
+                <a:solidFill>
+                  <a:srgbClr val="00CC00"/>
+                </a:solidFill>
+                <a:latin typeface="Impact" panose="020B0806030902050204" pitchFamily="34" charset="0"/>
+                <a:ea typeface="宋体" panose="02010600030101010101" pitchFamily="2" charset="-122"/>
+              </a:rPr>
+              <a:t>扫描回复是可选的，中心设备可以向外设请求扫描回复，这里包含一些设备额外的信息，例如设备的名字。</a:t>
+            </a:r>
+            <a:endParaRPr lang="en-US" altLang="zh-CN" sz="1600" b="0" dirty="0">
+              <a:solidFill>
+                <a:srgbClr val="00CC00"/>
+              </a:solidFill>
+              <a:latin typeface="Impact" panose="020B0806030902050204" pitchFamily="34" charset="0"/>
+              <a:ea typeface="宋体" panose="02010600030101010101" pitchFamily="2" charset="-122"/>
+            </a:endParaRPr>
+          </a:p>
+        </p:txBody>
+      </p:sp>
+    </p:spTree>
+  </p:cSld>
+  <p:clrMapOvr>
+    <a:masterClrMapping/>
+  </p:clrMapOvr>
+  <p:transition spd="med"/>
+</p:sld>
+</file>
+
+<file path=ppt/slides/slide19.xml><?xml version="1.0" encoding="utf-8"?>
+<p:sld xmlns:a="http://schemas.openxmlformats.org/drawingml/2006/main" xmlns:r="http://schemas.openxmlformats.org/officeDocument/2006/relationships" xmlns:p="http://schemas.openxmlformats.org/presentationml/2006/main">
+  <p:cSld>
+    <p:bg>
+      <p:bgPr>
+        <a:blipFill rotWithShape="0">
+          <a:blip r:embed="rId1"/>
+          <a:stretch>
+            <a:fillRect/>
+          </a:stretch>
+        </a:blipFill>
+        <a:effectLst/>
+      </p:bgPr>
+    </p:bg>
+    <p:spTree>
+      <p:nvGrpSpPr>
+        <p:cNvPr id="1" name=""/>
+        <p:cNvGrpSpPr/>
+        <p:nvPr/>
+      </p:nvGrpSpPr>
+      <p:grpSpPr/>
+      <p:sp>
+        <p:nvSpPr>
+          <p:cNvPr id="6146" name="Rectangle 2"/>
+          <p:cNvSpPr>
+            <a:spLocks noGrp="1"/>
+          </p:cNvSpPr>
+          <p:nvPr>
+            <p:ph type="title"/>
+          </p:nvPr>
+        </p:nvSpPr>
+        <p:spPr>
+          <a:xfrm>
+            <a:off x="2438400" y="228600"/>
+            <a:ext cx="3352800" cy="609600"/>
+          </a:xfrm>
+        </p:spPr>
+        <p:txBody>
+          <a:bodyPr vert="horz" wrap="square" lIns="91440" tIns="45720" rIns="91440" bIns="45720" anchor="ctr"/>
+          <a:p>
+            <a:pPr algn="ctr" eaLnBrk="1" hangingPunct="1"/>
+            <a:r>
+              <a:rPr lang="en-US" altLang="zh-CN" sz="2800" dirty="0">
+                <a:solidFill>
+                  <a:schemeClr val="bg1"/>
+                </a:solidFill>
+                <a:ea typeface="宋体" panose="02010600030101010101" pitchFamily="2" charset="-122"/>
+              </a:rPr>
+              <a:t> 广播流程</a:t>
+            </a:r>
+            <a:endParaRPr lang="en-US" altLang="zh-CN" sz="2800" dirty="0">
+              <a:solidFill>
+                <a:schemeClr val="bg1"/>
+              </a:solidFill>
+              <a:ea typeface="宋体" panose="02010600030101010101" pitchFamily="2" charset="-122"/>
+            </a:endParaRPr>
+          </a:p>
+        </p:txBody>
+      </p:sp>
+      <p:pic>
+        <p:nvPicPr>
+          <p:cNvPr id="3" name="图片 2"/>
+          <p:cNvPicPr>
+            <a:picLocks noChangeAspect="1"/>
+          </p:cNvPicPr>
+          <p:nvPr/>
+        </p:nvPicPr>
+        <p:blipFill>
+          <a:blip r:embed="rId2"/>
+          <a:stretch>
+            <a:fillRect/>
+          </a:stretch>
+        </p:blipFill>
+        <p:spPr>
+          <a:xfrm>
+            <a:off x="1890395" y="2440305"/>
+            <a:ext cx="7619365" cy="1590675"/>
+          </a:xfrm>
+          <a:prstGeom prst="rect">
+            <a:avLst/>
+          </a:prstGeom>
+        </p:spPr>
+      </p:pic>
+    </p:spTree>
+  </p:cSld>
+  <p:clrMapOvr>
+    <a:masterClrMapping/>
+  </p:clrMapOvr>
+  <p:transition spd="med"/>
+</p:sld>
+</file>
+
 <file path=ppt/slides/slide2.xml><?xml version="1.0" encoding="utf-8"?>
 <p:sld xmlns:a="http://schemas.openxmlformats.org/drawingml/2006/main" xmlns:r="http://schemas.openxmlformats.org/officeDocument/2006/relationships" xmlns:p="http://schemas.openxmlformats.org/presentationml/2006/main">
   <p:cSld>
@@ -6265,7 +6466,7 @@
         <p:spPr>
           <a:xfrm>
             <a:off x="2438400" y="228600"/>
-            <a:ext cx="3864610" cy="609600"/>
+            <a:ext cx="3352800" cy="609600"/>
           </a:xfrm>
         </p:spPr>
         <p:txBody>
@@ -6279,18 +6480,9 @@
                 </a:solidFill>
                 <a:ea typeface="宋体" panose="02010600030101010101" pitchFamily="2" charset="-122"/>
               </a:rPr>
-              <a:t> 广播事件</a:t>
-            </a:r>
-            <a:r>
-              <a:rPr lang="zh-CN" altLang="zh-CN" sz="2800" dirty="0">
-                <a:solidFill>
-                  <a:schemeClr val="bg1"/>
-                </a:solidFill>
-                <a:ea typeface="宋体" panose="02010600030101010101" pitchFamily="2" charset="-122"/>
-              </a:rPr>
-              <a:t>和扫描事件</a:t>
-            </a:r>
-            <a:endParaRPr lang="zh-CN" altLang="zh-CN" sz="2800" dirty="0">
+              <a:t>连接事件</a:t>
+            </a:r>
+            <a:endParaRPr lang="en-US" altLang="zh-CN" sz="2800" dirty="0">
               <a:solidFill>
                 <a:schemeClr val="bg1"/>
               </a:solidFill>
@@ -6311,14 +6503,17 @@
         </p:nvSpPr>
         <p:spPr>
           <a:xfrm>
-            <a:off x="2590800" y="990600"/>
-            <a:ext cx="7010400" cy="4800600"/>
+            <a:off x="2522855" y="1261110"/>
+            <a:ext cx="7010400" cy="4318635"/>
           </a:xfrm>
         </p:spPr>
         <p:txBody>
           <a:bodyPr vert="horz" wrap="square" lIns="91440" tIns="45720" rIns="91440" bIns="45720" anchor="t"/>
           <a:p>
-            <a:pPr marL="0" indent="0" eaLnBrk="1" hangingPunct="1"/>
+            <a:pPr marL="285750" indent="-285750" eaLnBrk="1" hangingPunct="1">
+              <a:buFont typeface="Wingdings" panose="05000000000000000000" charset="0"/>
+              <a:buChar char="u"/>
+            </a:pPr>
             <a:endParaRPr lang="en-US" altLang="zh-CN" sz="1600" b="0" dirty="0">
               <a:solidFill>
                 <a:srgbClr val="00CC00"/>
@@ -6329,8 +6524,8 @@
           </a:p>
           <a:p>
             <a:pPr marL="285750" indent="-285750" eaLnBrk="1" hangingPunct="1">
-              <a:buFont typeface="Arial" panose="020B0604020202020204" pitchFamily="34" charset="0"/>
-              <a:buChar char="•"/>
+              <a:buFont typeface="Wingdings" panose="05000000000000000000" charset="0"/>
+              <a:buChar char="u"/>
             </a:pPr>
             <a:r>
               <a:rPr lang="en-US" altLang="zh-CN" sz="1600" b="0" dirty="0">
@@ -6340,7 +6535,7 @@
                 <a:latin typeface="Impact" panose="020B0806030902050204" pitchFamily="34" charset="0"/>
                 <a:ea typeface="宋体" panose="02010600030101010101" pitchFamily="2" charset="-122"/>
               </a:rPr>
-              <a:t>广播包的发送是单向的，不需要任何连接。</a:t>
+              <a:t>所有的通讯都发生在两个设备的连接事件期间</a:t>
             </a:r>
             <a:endParaRPr lang="en-US" altLang="zh-CN" sz="1600" b="0" dirty="0">
               <a:solidFill>
@@ -6351,7 +6546,10 @@
             </a:endParaRPr>
           </a:p>
           <a:p>
-            <a:pPr marL="0" indent="0" eaLnBrk="1" hangingPunct="1"/>
+            <a:pPr marL="285750" indent="-285750" eaLnBrk="1" hangingPunct="1">
+              <a:buFont typeface="Wingdings" panose="05000000000000000000" charset="0"/>
+              <a:buChar char="u"/>
+            </a:pPr>
             <a:endParaRPr lang="en-US" altLang="zh-CN" sz="1600" b="0" dirty="0">
               <a:solidFill>
                 <a:srgbClr val="00CC00"/>
@@ -6362,8 +6560,8 @@
           </a:p>
           <a:p>
             <a:pPr marL="285750" indent="-285750" eaLnBrk="1" hangingPunct="1">
-              <a:buFont typeface="Arial" panose="020B0604020202020204" pitchFamily="34" charset="0"/>
-              <a:buChar char="•"/>
+              <a:buFont typeface="Wingdings" panose="05000000000000000000" charset="0"/>
+              <a:buChar char="u"/>
             </a:pPr>
             <a:r>
               <a:rPr lang="en-US" altLang="zh-CN" sz="1600" b="0" dirty="0">
@@ -6373,7 +6571,7 @@
                 <a:latin typeface="Impact" panose="020B0806030902050204" pitchFamily="34" charset="0"/>
                 <a:ea typeface="宋体" panose="02010600030101010101" pitchFamily="2" charset="-122"/>
               </a:rPr>
-              <a:t>设备发送广播包进入广播状态</a:t>
+              <a:t>连接事件周期地发生，按照连接参数指定的间隔</a:t>
             </a:r>
             <a:endParaRPr lang="en-US" altLang="zh-CN" sz="1600" b="0" dirty="0">
               <a:solidFill>
@@ -6384,18 +6582,34 @@
             </a:endParaRPr>
           </a:p>
           <a:p>
-            <a:pPr marL="457200" lvl="1" indent="0" eaLnBrk="1" hangingPunct="1"/>
-            <a:r>
-              <a:rPr lang="en-US" altLang="zh-CN" sz="1330" b="0" dirty="0">
+            <a:pPr marL="285750" indent="-285750" eaLnBrk="1" hangingPunct="1">
+              <a:buFont typeface="Wingdings" panose="05000000000000000000" charset="0"/>
+              <a:buChar char="u"/>
+            </a:pPr>
+            <a:endParaRPr lang="en-US" altLang="zh-CN" sz="1600" b="0" dirty="0">
+              <a:solidFill>
+                <a:srgbClr val="00CC00"/>
+              </a:solidFill>
+              <a:latin typeface="Impact" panose="020B0806030902050204" pitchFamily="34" charset="0"/>
+              <a:ea typeface="宋体" panose="02010600030101010101" pitchFamily="2" charset="-122"/>
+            </a:endParaRPr>
+          </a:p>
+          <a:p>
+            <a:pPr marL="285750" indent="-285750" eaLnBrk="1" hangingPunct="1">
+              <a:buFont typeface="Wingdings" panose="05000000000000000000" charset="0"/>
+              <a:buChar char="u"/>
+            </a:pPr>
+            <a:r>
+              <a:rPr lang="en-US" altLang="zh-CN" sz="1600" b="0" dirty="0">
                 <a:solidFill>
                   <a:srgbClr val="00CC00"/>
                 </a:solidFill>
                 <a:latin typeface="Impact" panose="020B0806030902050204" pitchFamily="34" charset="0"/>
                 <a:ea typeface="宋体" panose="02010600030101010101" pitchFamily="2" charset="-122"/>
               </a:rPr>
-              <a:t> 广播包可以包含特定的数据定义，最大31个字节</a:t>
-            </a:r>
-            <a:endParaRPr lang="en-US" altLang="zh-CN" sz="1330" b="0" dirty="0">
+              <a:t>每个事件发生在某个数据通道(0-36)，跳频增量参数决</a:t>
+            </a:r>
+            <a:endParaRPr lang="en-US" altLang="zh-CN" sz="1600" b="0" dirty="0">
               <a:solidFill>
                 <a:srgbClr val="00CC00"/>
               </a:solidFill>
@@ -6404,18 +6618,20 @@
             </a:endParaRPr>
           </a:p>
           <a:p>
-            <a:pPr marL="457200" lvl="1" indent="0" eaLnBrk="1" hangingPunct="1"/>
-            <a:r>
-              <a:rPr lang="en-US" altLang="zh-CN" sz="1330" b="0" dirty="0">
+            <a:pPr marL="0" indent="0" eaLnBrk="1" hangingPunct="1">
+              <a:buNone/>
+            </a:pPr>
+            <a:r>
+              <a:rPr lang="en-US" altLang="zh-CN" sz="1600" b="0" dirty="0">
                 <a:solidFill>
                   <a:srgbClr val="00CC00"/>
                 </a:solidFill>
                 <a:latin typeface="Impact" panose="020B0806030902050204" pitchFamily="34" charset="0"/>
                 <a:ea typeface="宋体" panose="02010600030101010101" pitchFamily="2" charset="-122"/>
               </a:rPr>
-              <a:t>广播包可以直接指向某个特定的设备，也可以不指定</a:t>
-            </a:r>
-            <a:endParaRPr lang="en-US" altLang="zh-CN" sz="1330" b="0" dirty="0">
+              <a:t>定了下次连接事件发生的通道</a:t>
+            </a:r>
+            <a:endParaRPr lang="en-US" altLang="zh-CN" sz="1600" b="0" dirty="0">
               <a:solidFill>
                 <a:srgbClr val="00CC00"/>
               </a:solidFill>
@@ -6424,18 +6640,33 @@
             </a:endParaRPr>
           </a:p>
           <a:p>
-            <a:pPr marL="457200" lvl="1" indent="0" eaLnBrk="1" hangingPunct="1"/>
-            <a:r>
-              <a:rPr lang="en-US" altLang="zh-CN" sz="1330" b="0" dirty="0">
+            <a:pPr marL="0" indent="0" eaLnBrk="1" hangingPunct="1">
+              <a:buNone/>
+            </a:pPr>
+            <a:endParaRPr lang="en-US" altLang="zh-CN" sz="1600" b="0" dirty="0">
+              <a:solidFill>
+                <a:srgbClr val="00CC00"/>
+              </a:solidFill>
+              <a:latin typeface="Impact" panose="020B0806030902050204" pitchFamily="34" charset="0"/>
+              <a:ea typeface="宋体" panose="02010600030101010101" pitchFamily="2" charset="-122"/>
+            </a:endParaRPr>
+          </a:p>
+          <a:p>
+            <a:pPr marL="285750" indent="-285750" eaLnBrk="1" hangingPunct="1">
+              <a:buFont typeface="Wingdings" panose="05000000000000000000" charset="0"/>
+              <a:buChar char="u"/>
+            </a:pPr>
+            <a:r>
+              <a:rPr lang="en-US" altLang="zh-CN" sz="1600" b="0" dirty="0">
                 <a:solidFill>
                   <a:srgbClr val="00CC00"/>
                 </a:solidFill>
                 <a:latin typeface="Impact" panose="020B0806030902050204" pitchFamily="34" charset="0"/>
                 <a:ea typeface="宋体" panose="02010600030101010101" pitchFamily="2" charset="-122"/>
               </a:rPr>
-              <a:t>广播中可以声明是可被连接的设备，或者是不可连接的设备</a:t>
-            </a:r>
-            <a:endParaRPr lang="en-US" altLang="zh-CN" sz="1330" b="0" dirty="0">
+              <a:t>在每个连接事件期间，Master 先发送，Slave 会在</a:t>
+            </a:r>
+            <a:endParaRPr lang="en-US" altLang="zh-CN" sz="1600" b="0" dirty="0">
               <a:solidFill>
                 <a:srgbClr val="00CC00"/>
               </a:solidFill>
@@ -6444,8 +6675,20 @@
             </a:endParaRPr>
           </a:p>
           <a:p>
-            <a:pPr marL="457200" lvl="1" indent="0" eaLnBrk="1" hangingPunct="1"/>
-            <a:endParaRPr lang="en-US" altLang="zh-CN" sz="1330" b="0" dirty="0">
+            <a:pPr marL="0" indent="0" eaLnBrk="1" hangingPunct="1">
+              <a:buNone/>
+            </a:pPr>
+            <a:r>
+              <a:rPr lang="en-US" altLang="zh-CN" sz="1600" b="0" dirty="0">
+                <a:solidFill>
+                  <a:srgbClr val="00CC00"/>
+                </a:solidFill>
+                <a:latin typeface="Impact" panose="020B0806030902050204" pitchFamily="34" charset="0"/>
+                <a:ea typeface="宋体" panose="02010600030101010101" pitchFamily="2" charset="-122"/>
+              </a:rPr>
+              <a:t>150us之后做出回应</a:t>
+            </a:r>
+            <a:endParaRPr lang="en-US" altLang="zh-CN" sz="1600" b="0" dirty="0">
               <a:solidFill>
                 <a:srgbClr val="00CC00"/>
               </a:solidFill>
@@ -6454,10 +6697,22 @@
             </a:endParaRPr>
           </a:p>
           <a:p>
-            <a:pPr lvl="0" eaLnBrk="1" hangingPunct="1">
-              <a:buFont typeface="Arial" panose="020B0604020202020204" pitchFamily="34" charset="0"/>
-              <a:buChar char="•"/>
+            <a:pPr marL="0" indent="0" eaLnBrk="1" hangingPunct="1">
+              <a:buNone/>
             </a:pPr>
+            <a:endParaRPr lang="en-US" altLang="zh-CN" sz="1600" b="0" dirty="0">
+              <a:solidFill>
+                <a:srgbClr val="00CC00"/>
+              </a:solidFill>
+              <a:latin typeface="Impact" panose="020B0806030902050204" pitchFamily="34" charset="0"/>
+              <a:ea typeface="宋体" panose="02010600030101010101" pitchFamily="2" charset="-122"/>
+            </a:endParaRPr>
+          </a:p>
+          <a:p>
+            <a:pPr marL="285750" indent="-285750" eaLnBrk="1" hangingPunct="1">
+              <a:buFont typeface="Wingdings" panose="05000000000000000000" charset="0"/>
+              <a:buChar char="u"/>
+            </a:pPr>
             <a:r>
               <a:rPr lang="en-US" altLang="zh-CN" sz="1600" b="0" dirty="0">
                 <a:solidFill>
@@ -6466,7 +6721,27 @@
                 <a:latin typeface="Impact" panose="020B0806030902050204" pitchFamily="34" charset="0"/>
                 <a:ea typeface="宋体" panose="02010600030101010101" pitchFamily="2" charset="-122"/>
               </a:rPr>
-              <a:t>在一个广播事件中，广播包会分别在三个广播通道中被发送一次 (37, 38, 39)</a:t>
+              <a:t>即使一个连接事件发生</a:t>
+            </a:r>
+            <a:r>
+              <a:rPr lang="zh-CN" altLang="en-US" sz="1600" b="0" dirty="0">
+                <a:solidFill>
+                  <a:srgbClr val="00CC00"/>
+                </a:solidFill>
+                <a:latin typeface="Impact" panose="020B0806030902050204" pitchFamily="34" charset="0"/>
+                <a:ea typeface="宋体" panose="02010600030101010101" pitchFamily="2" charset="-122"/>
+              </a:rPr>
+              <a:t>时</a:t>
+            </a:r>
+            <a:r>
+              <a:rPr lang="en-US" altLang="zh-CN" sz="1600" b="0" dirty="0">
+                <a:solidFill>
+                  <a:srgbClr val="00CC00"/>
+                </a:solidFill>
+                <a:latin typeface="Impact" panose="020B0806030902050204" pitchFamily="34" charset="0"/>
+                <a:ea typeface="宋体" panose="02010600030101010101" pitchFamily="2" charset="-122"/>
+              </a:rPr>
+              <a:t>,双方都没有数据发送</a:t>
             </a:r>
             <a:endParaRPr lang="en-US" altLang="zh-CN" sz="1600" b="0" dirty="0">
               <a:solidFill>
@@ -6477,7 +6752,19 @@
             </a:endParaRPr>
           </a:p>
           <a:p>
-            <a:pPr marL="0" indent="0" eaLnBrk="1" hangingPunct="1"/>
+            <a:pPr marL="0" indent="0" eaLnBrk="1" hangingPunct="1">
+              <a:buNone/>
+            </a:pPr>
+            <a:r>
+              <a:rPr lang="en-US" altLang="zh-CN" sz="1600" b="0" dirty="0">
+                <a:solidFill>
+                  <a:srgbClr val="00CC00"/>
+                </a:solidFill>
+                <a:latin typeface="Impact" panose="020B0806030902050204" pitchFamily="34" charset="0"/>
+                <a:ea typeface="宋体" panose="02010600030101010101" pitchFamily="2" charset="-122"/>
+              </a:rPr>
+              <a:t>(例外情况是从设备潜伏使能)。这允许两个设备都承认</a:t>
+            </a:r>
             <a:endParaRPr lang="en-US" altLang="zh-CN" sz="1600" b="0" dirty="0">
               <a:solidFill>
                 <a:srgbClr val="00CC00"/>
@@ -6487,9 +6774,8 @@
             </a:endParaRPr>
           </a:p>
           <a:p>
-            <a:pPr marL="285750" indent="-285750" eaLnBrk="1" hangingPunct="1">
-              <a:buFont typeface="Arial" panose="020B0604020202020204" pitchFamily="34" charset="0"/>
-              <a:buChar char="•"/>
+            <a:pPr marL="0" indent="0" eaLnBrk="1" hangingPunct="1">
+              <a:buNone/>
             </a:pPr>
             <a:r>
               <a:rPr lang="en-US" altLang="zh-CN" sz="1600" b="0" dirty="0">
@@ -6499,7 +6785,7 @@
                 <a:latin typeface="Impact" panose="020B0806030902050204" pitchFamily="34" charset="0"/>
                 <a:ea typeface="宋体" panose="02010600030101010101" pitchFamily="2" charset="-122"/>
               </a:rPr>
-              <a:t>扫描回复是可选的，中心设备可以向外设请求扫描回复，这里包含一些设备额外的信息，例如设备的名字。</a:t>
+              <a:t>对方仍然存在并保持活跃的连接。</a:t>
             </a:r>
             <a:endParaRPr lang="en-US" altLang="zh-CN" sz="1600" b="0" dirty="0">
               <a:solidFill>
@@ -6562,15 +6848,15 @@
           <a:p>
             <a:pPr algn="ctr" eaLnBrk="1" hangingPunct="1"/>
             <a:r>
-              <a:rPr lang="en-US" altLang="zh-CN" sz="2800" dirty="0">
+              <a:rPr lang="zh-CN" altLang="en-US" sz="2800" dirty="0">
                 <a:solidFill>
                   <a:schemeClr val="bg1"/>
                 </a:solidFill>
                 <a:ea typeface="宋体" panose="02010600030101010101" pitchFamily="2" charset="-122"/>
               </a:rPr>
-              <a:t> 广播流程</a:t>
-            </a:r>
-            <a:endParaRPr lang="en-US" altLang="zh-CN" sz="2800" dirty="0">
+              <a:t>连接事件</a:t>
+            </a:r>
+            <a:endParaRPr lang="zh-CN" altLang="en-US" sz="2800" dirty="0">
               <a:solidFill>
                 <a:schemeClr val="bg1"/>
               </a:solidFill>
@@ -6595,8 +6881,8 @@
         </p:blipFill>
         <p:spPr>
           <a:xfrm>
-            <a:off x="1890395" y="2440305"/>
-            <a:ext cx="7619365" cy="1590675"/>
+            <a:off x="2286000" y="2576195"/>
+            <a:ext cx="7619365" cy="1704975"/>
           </a:xfrm>
           <a:prstGeom prst="rect">
             <a:avLst/>
@@ -6646,7 +6932,7 @@
         <p:spPr>
           <a:xfrm>
             <a:off x="2438400" y="228600"/>
-            <a:ext cx="3352800" cy="609600"/>
+            <a:ext cx="4472305" cy="609600"/>
           </a:xfrm>
         </p:spPr>
         <p:txBody>
@@ -6660,7 +6946,7 @@
                 </a:solidFill>
                 <a:ea typeface="宋体" panose="02010600030101010101" pitchFamily="2" charset="-122"/>
               </a:rPr>
-              <a:t>连接事件</a:t>
+              <a:t>ATT: Client / Server </a:t>
             </a:r>
             <a:endParaRPr lang="en-US" altLang="zh-CN" sz="2800" dirty="0">
               <a:solidFill>
@@ -6683,16 +6969,39 @@
         </p:nvSpPr>
         <p:spPr>
           <a:xfrm>
-            <a:off x="2522855" y="1261110"/>
-            <a:ext cx="7010400" cy="4318635"/>
+            <a:off x="2590800" y="990600"/>
+            <a:ext cx="7010400" cy="4800600"/>
           </a:xfrm>
         </p:spPr>
         <p:txBody>
           <a:bodyPr vert="horz" wrap="square" lIns="91440" tIns="45720" rIns="91440" bIns="45720" anchor="t"/>
           <a:p>
             <a:pPr marL="285750" indent="-285750" eaLnBrk="1" hangingPunct="1">
-              <a:buFont typeface="Wingdings" panose="05000000000000000000" charset="0"/>
-              <a:buChar char="u"/>
+              <a:buFont typeface="Arial" panose="020B0604020202020204" pitchFamily="34" charset="0"/>
+              <a:buChar char="•"/>
+            </a:pPr>
+            <a:r>
+              <a:rPr lang="en-US" altLang="zh-CN" sz="1600" b="0" dirty="0">
+                <a:solidFill>
+                  <a:srgbClr val="00CC00"/>
+                </a:solidFill>
+                <a:latin typeface="Impact" panose="020B0806030902050204" pitchFamily="34" charset="0"/>
+                <a:ea typeface="宋体" panose="02010600030101010101" pitchFamily="2" charset="-122"/>
+              </a:rPr>
+              <a:t>服务设备提供数据，客户端使用这些数据</a:t>
+            </a:r>
+            <a:endParaRPr lang="en-US" altLang="zh-CN" sz="1600" b="0" dirty="0">
+              <a:solidFill>
+                <a:srgbClr val="00CC00"/>
+              </a:solidFill>
+              <a:latin typeface="Impact" panose="020B0806030902050204" pitchFamily="34" charset="0"/>
+              <a:ea typeface="宋体" panose="02010600030101010101" pitchFamily="2" charset="-122"/>
+            </a:endParaRPr>
+          </a:p>
+          <a:p>
+            <a:pPr marL="285750" indent="-285750" eaLnBrk="1" hangingPunct="1">
+              <a:buFont typeface="Arial" panose="020B0604020202020204" pitchFamily="34" charset="0"/>
+              <a:buChar char="•"/>
             </a:pPr>
             <a:endParaRPr lang="en-US" altLang="zh-CN" sz="1600" b="0" dirty="0">
               <a:solidFill>
@@ -6704,8 +7013,8 @@
           </a:p>
           <a:p>
             <a:pPr marL="285750" indent="-285750" eaLnBrk="1" hangingPunct="1">
-              <a:buFont typeface="Wingdings" panose="05000000000000000000" charset="0"/>
-              <a:buChar char="u"/>
+              <a:buFont typeface="Arial" panose="020B0604020202020204" pitchFamily="34" charset="0"/>
+              <a:buChar char="•"/>
             </a:pPr>
             <a:r>
               <a:rPr lang="en-US" altLang="zh-CN" sz="1600" b="0" dirty="0">
@@ -6715,7 +7024,7 @@
                 <a:latin typeface="Impact" panose="020B0806030902050204" pitchFamily="34" charset="0"/>
                 <a:ea typeface="宋体" panose="02010600030101010101" pitchFamily="2" charset="-122"/>
               </a:rPr>
-              <a:t>所有的通讯都发生在两个设备的连接事件期间</a:t>
+              <a:t>服务端通过操作属性的方式，提供数据访问服务</a:t>
             </a:r>
             <a:endParaRPr lang="en-US" altLang="zh-CN" sz="1600" b="0" dirty="0">
               <a:solidFill>
@@ -6727,8 +7036,8 @@
           </a:p>
           <a:p>
             <a:pPr marL="285750" indent="-285750" eaLnBrk="1" hangingPunct="1">
-              <a:buFont typeface="Wingdings" panose="05000000000000000000" charset="0"/>
-              <a:buChar char="u"/>
+              <a:buFont typeface="Arial" panose="020B0604020202020204" pitchFamily="34" charset="0"/>
+              <a:buChar char="•"/>
             </a:pPr>
             <a:endParaRPr lang="en-US" altLang="zh-CN" sz="1600" b="0" dirty="0">
               <a:solidFill>
@@ -6740,8 +7049,8 @@
           </a:p>
           <a:p>
             <a:pPr marL="285750" indent="-285750" eaLnBrk="1" hangingPunct="1">
-              <a:buFont typeface="Wingdings" panose="05000000000000000000" charset="0"/>
-              <a:buChar char="u"/>
+              <a:buFont typeface="Arial" panose="020B0604020202020204" pitchFamily="34" charset="0"/>
+              <a:buChar char="•"/>
             </a:pPr>
             <a:r>
               <a:rPr lang="en-US" altLang="zh-CN" sz="1600" b="0" dirty="0">
@@ -6751,7 +7060,7 @@
                 <a:latin typeface="Impact" panose="020B0806030902050204" pitchFamily="34" charset="0"/>
                 <a:ea typeface="宋体" panose="02010600030101010101" pitchFamily="2" charset="-122"/>
               </a:rPr>
-              <a:t>连接事件周期地发生，按照连接参数指定的间隔</a:t>
+              <a:t>设备的服务/客户角色，不依赖于GAP层中心设备/外围设</a:t>
             </a:r>
             <a:endParaRPr lang="en-US" altLang="zh-CN" sz="1600" b="0" dirty="0">
               <a:solidFill>
@@ -6762,10 +7071,50 @@
             </a:endParaRPr>
           </a:p>
           <a:p>
+            <a:pPr marL="0" indent="0" eaLnBrk="1" hangingPunct="1"/>
+            <a:r>
+              <a:rPr lang="en-US" altLang="zh-CN" sz="1600" b="0" dirty="0">
+                <a:solidFill>
+                  <a:srgbClr val="00CC00"/>
+                </a:solidFill>
+                <a:latin typeface="Impact" panose="020B0806030902050204" pitchFamily="34" charset="0"/>
+                <a:ea typeface="宋体" panose="02010600030101010101" pitchFamily="2" charset="-122"/>
+              </a:rPr>
+              <a:t>备角色，和LL层的master/slave 角色定义</a:t>
+            </a:r>
+            <a:endParaRPr lang="en-US" altLang="zh-CN" sz="1600" b="0" dirty="0">
+              <a:solidFill>
+                <a:srgbClr val="00CC00"/>
+              </a:solidFill>
+              <a:latin typeface="Impact" panose="020B0806030902050204" pitchFamily="34" charset="0"/>
+              <a:ea typeface="宋体" panose="02010600030101010101" pitchFamily="2" charset="-122"/>
+            </a:endParaRPr>
+          </a:p>
+          <a:p>
+            <a:pPr marL="0" indent="0" eaLnBrk="1" hangingPunct="1"/>
+            <a:endParaRPr lang="en-US" altLang="zh-CN" sz="1600" b="0" dirty="0">
+              <a:solidFill>
+                <a:srgbClr val="00CC00"/>
+              </a:solidFill>
+              <a:latin typeface="Impact" panose="020B0806030902050204" pitchFamily="34" charset="0"/>
+              <a:ea typeface="宋体" panose="02010600030101010101" pitchFamily="2" charset="-122"/>
+            </a:endParaRPr>
+          </a:p>
+          <a:p>
             <a:pPr marL="285750" indent="-285750" eaLnBrk="1" hangingPunct="1">
-              <a:buFont typeface="Wingdings" panose="05000000000000000000" charset="0"/>
-              <a:buChar char="u"/>
+              <a:buFont typeface="Arial" panose="020B0604020202020204" pitchFamily="34" charset="0"/>
+              <a:buChar char="•"/>
             </a:pPr>
+            <a:r>
+              <a:rPr lang="en-US" altLang="zh-CN" sz="1600" b="0" dirty="0">
+                <a:solidFill>
+                  <a:srgbClr val="00CC00"/>
+                </a:solidFill>
+                <a:latin typeface="Impact" panose="020B0806030902050204" pitchFamily="34" charset="0"/>
+                <a:ea typeface="宋体" panose="02010600030101010101" pitchFamily="2" charset="-122"/>
+              </a:rPr>
+              <a:t>一个设备可能同时做为一个客户端和服务端，而两个设备</a:t>
+            </a:r>
             <a:endParaRPr lang="en-US" altLang="zh-CN" sz="1600" b="0" dirty="0">
               <a:solidFill>
                 <a:srgbClr val="00CC00"/>
@@ -6775,10 +7124,7 @@
             </a:endParaRPr>
           </a:p>
           <a:p>
-            <a:pPr marL="285750" indent="-285750" eaLnBrk="1" hangingPunct="1">
-              <a:buFont typeface="Wingdings" panose="05000000000000000000" charset="0"/>
-              <a:buChar char="u"/>
-            </a:pPr>
+            <a:pPr marL="0" indent="0" eaLnBrk="1" hangingPunct="1"/>
             <a:r>
               <a:rPr lang="en-US" altLang="zh-CN" sz="1600" b="0" dirty="0">
                 <a:solidFill>
@@ -6787,7 +7133,7 @@
                 <a:latin typeface="Impact" panose="020B0806030902050204" pitchFamily="34" charset="0"/>
                 <a:ea typeface="宋体" panose="02010600030101010101" pitchFamily="2" charset="-122"/>
               </a:rPr>
-              <a:t>每个事件发生在某个数据通道(0-36)，跳频增量参数决</a:t>
+              <a:t>上的属性不会相互影响。</a:t>
             </a:r>
             <a:endParaRPr lang="en-US" altLang="zh-CN" sz="1600" b="0" dirty="0">
               <a:solidFill>
@@ -6797,186 +7143,32 @@
               <a:ea typeface="宋体" panose="02010600030101010101" pitchFamily="2" charset="-122"/>
             </a:endParaRPr>
           </a:p>
-          <a:p>
-            <a:pPr marL="0" indent="0" eaLnBrk="1" hangingPunct="1">
-              <a:buNone/>
-            </a:pPr>
-            <a:r>
-              <a:rPr lang="en-US" altLang="zh-CN" sz="1600" b="0" dirty="0">
-                <a:solidFill>
-                  <a:srgbClr val="00CC00"/>
-                </a:solidFill>
-                <a:latin typeface="Impact" panose="020B0806030902050204" pitchFamily="34" charset="0"/>
-                <a:ea typeface="宋体" panose="02010600030101010101" pitchFamily="2" charset="-122"/>
-              </a:rPr>
-              <a:t>定了下次连接事件发生的通道</a:t>
-            </a:r>
-            <a:endParaRPr lang="en-US" altLang="zh-CN" sz="1600" b="0" dirty="0">
-              <a:solidFill>
-                <a:srgbClr val="00CC00"/>
-              </a:solidFill>
-              <a:latin typeface="Impact" panose="020B0806030902050204" pitchFamily="34" charset="0"/>
-              <a:ea typeface="宋体" panose="02010600030101010101" pitchFamily="2" charset="-122"/>
-            </a:endParaRPr>
-          </a:p>
-          <a:p>
-            <a:pPr marL="0" indent="0" eaLnBrk="1" hangingPunct="1">
-              <a:buNone/>
-            </a:pPr>
-            <a:endParaRPr lang="en-US" altLang="zh-CN" sz="1600" b="0" dirty="0">
-              <a:solidFill>
-                <a:srgbClr val="00CC00"/>
-              </a:solidFill>
-              <a:latin typeface="Impact" panose="020B0806030902050204" pitchFamily="34" charset="0"/>
-              <a:ea typeface="宋体" panose="02010600030101010101" pitchFamily="2" charset="-122"/>
-            </a:endParaRPr>
-          </a:p>
-          <a:p>
-            <a:pPr marL="285750" indent="-285750" eaLnBrk="1" hangingPunct="1">
-              <a:buFont typeface="Wingdings" panose="05000000000000000000" charset="0"/>
-              <a:buChar char="u"/>
-            </a:pPr>
-            <a:r>
-              <a:rPr lang="en-US" altLang="zh-CN" sz="1600" b="0" dirty="0">
-                <a:solidFill>
-                  <a:srgbClr val="00CC00"/>
-                </a:solidFill>
-                <a:latin typeface="Impact" panose="020B0806030902050204" pitchFamily="34" charset="0"/>
-                <a:ea typeface="宋体" panose="02010600030101010101" pitchFamily="2" charset="-122"/>
-              </a:rPr>
-              <a:t>在每个连接事件期间，Master 先发送，Slave 会在</a:t>
-            </a:r>
-            <a:endParaRPr lang="en-US" altLang="zh-CN" sz="1600" b="0" dirty="0">
-              <a:solidFill>
-                <a:srgbClr val="00CC00"/>
-              </a:solidFill>
-              <a:latin typeface="Impact" panose="020B0806030902050204" pitchFamily="34" charset="0"/>
-              <a:ea typeface="宋体" panose="02010600030101010101" pitchFamily="2" charset="-122"/>
-            </a:endParaRPr>
-          </a:p>
-          <a:p>
-            <a:pPr marL="0" indent="0" eaLnBrk="1" hangingPunct="1">
-              <a:buNone/>
-            </a:pPr>
-            <a:r>
-              <a:rPr lang="en-US" altLang="zh-CN" sz="1600" b="0" dirty="0">
-                <a:solidFill>
-                  <a:srgbClr val="00CC00"/>
-                </a:solidFill>
-                <a:latin typeface="Impact" panose="020B0806030902050204" pitchFamily="34" charset="0"/>
-                <a:ea typeface="宋体" panose="02010600030101010101" pitchFamily="2" charset="-122"/>
-              </a:rPr>
-              <a:t>150us之后做出回应</a:t>
-            </a:r>
-            <a:endParaRPr lang="en-US" altLang="zh-CN" sz="1600" b="0" dirty="0">
-              <a:solidFill>
-                <a:srgbClr val="00CC00"/>
-              </a:solidFill>
-              <a:latin typeface="Impact" panose="020B0806030902050204" pitchFamily="34" charset="0"/>
-              <a:ea typeface="宋体" panose="02010600030101010101" pitchFamily="2" charset="-122"/>
-            </a:endParaRPr>
-          </a:p>
-          <a:p>
-            <a:pPr marL="0" indent="0" eaLnBrk="1" hangingPunct="1">
-              <a:buNone/>
-            </a:pPr>
-            <a:endParaRPr lang="en-US" altLang="zh-CN" sz="1600" b="0" dirty="0">
-              <a:solidFill>
-                <a:srgbClr val="00CC00"/>
-              </a:solidFill>
-              <a:latin typeface="Impact" panose="020B0806030902050204" pitchFamily="34" charset="0"/>
-              <a:ea typeface="宋体" panose="02010600030101010101" pitchFamily="2" charset="-122"/>
-            </a:endParaRPr>
-          </a:p>
-          <a:p>
-            <a:pPr marL="285750" indent="-285750" eaLnBrk="1" hangingPunct="1">
-              <a:buFont typeface="Wingdings" panose="05000000000000000000" charset="0"/>
-              <a:buChar char="u"/>
-            </a:pPr>
-            <a:r>
-              <a:rPr lang="en-US" altLang="zh-CN" sz="1600" b="0" dirty="0">
-                <a:solidFill>
-                  <a:srgbClr val="00CC00"/>
-                </a:solidFill>
-                <a:latin typeface="Impact" panose="020B0806030902050204" pitchFamily="34" charset="0"/>
-                <a:ea typeface="宋体" panose="02010600030101010101" pitchFamily="2" charset="-122"/>
-              </a:rPr>
-              <a:t>即使一个连接事件发生</a:t>
-            </a:r>
-            <a:r>
-              <a:rPr lang="zh-CN" altLang="en-US" sz="1600" b="0" dirty="0">
-                <a:solidFill>
-                  <a:srgbClr val="00CC00"/>
-                </a:solidFill>
-                <a:latin typeface="Impact" panose="020B0806030902050204" pitchFamily="34" charset="0"/>
-                <a:ea typeface="宋体" panose="02010600030101010101" pitchFamily="2" charset="-122"/>
-              </a:rPr>
-              <a:t>时</a:t>
-            </a:r>
-            <a:r>
-              <a:rPr lang="en-US" altLang="zh-CN" sz="1600" b="0" dirty="0">
-                <a:solidFill>
-                  <a:srgbClr val="00CC00"/>
-                </a:solidFill>
-                <a:latin typeface="Impact" panose="020B0806030902050204" pitchFamily="34" charset="0"/>
-                <a:ea typeface="宋体" panose="02010600030101010101" pitchFamily="2" charset="-122"/>
-              </a:rPr>
-              <a:t>,双方都没有数据发送</a:t>
-            </a:r>
-            <a:endParaRPr lang="en-US" altLang="zh-CN" sz="1600" b="0" dirty="0">
-              <a:solidFill>
-                <a:srgbClr val="00CC00"/>
-              </a:solidFill>
-              <a:latin typeface="Impact" panose="020B0806030902050204" pitchFamily="34" charset="0"/>
-              <a:ea typeface="宋体" panose="02010600030101010101" pitchFamily="2" charset="-122"/>
-            </a:endParaRPr>
-          </a:p>
-          <a:p>
-            <a:pPr marL="0" indent="0" eaLnBrk="1" hangingPunct="1">
-              <a:buNone/>
-            </a:pPr>
-            <a:r>
-              <a:rPr lang="en-US" altLang="zh-CN" sz="1600" b="0" dirty="0">
-                <a:solidFill>
-                  <a:srgbClr val="00CC00"/>
-                </a:solidFill>
-                <a:latin typeface="Impact" panose="020B0806030902050204" pitchFamily="34" charset="0"/>
-                <a:ea typeface="宋体" panose="02010600030101010101" pitchFamily="2" charset="-122"/>
-              </a:rPr>
-              <a:t>(例外情况是从设备潜伏使能)。这允许两个设备都承认</a:t>
-            </a:r>
-            <a:endParaRPr lang="en-US" altLang="zh-CN" sz="1600" b="0" dirty="0">
-              <a:solidFill>
-                <a:srgbClr val="00CC00"/>
-              </a:solidFill>
-              <a:latin typeface="Impact" panose="020B0806030902050204" pitchFamily="34" charset="0"/>
-              <a:ea typeface="宋体" panose="02010600030101010101" pitchFamily="2" charset="-122"/>
-            </a:endParaRPr>
-          </a:p>
-          <a:p>
-            <a:pPr marL="0" indent="0" eaLnBrk="1" hangingPunct="1">
-              <a:buNone/>
-            </a:pPr>
-            <a:r>
-              <a:rPr lang="en-US" altLang="zh-CN" sz="1600" b="0" dirty="0">
-                <a:solidFill>
-                  <a:srgbClr val="00CC00"/>
-                </a:solidFill>
-                <a:latin typeface="Impact" panose="020B0806030902050204" pitchFamily="34" charset="0"/>
-                <a:ea typeface="宋体" panose="02010600030101010101" pitchFamily="2" charset="-122"/>
-              </a:rPr>
-              <a:t>对方仍然存在并保持活跃的连接。</a:t>
-            </a:r>
-            <a:endParaRPr lang="en-US" altLang="zh-CN" sz="1600" b="0" dirty="0">
-              <a:solidFill>
-                <a:srgbClr val="00CC00"/>
-              </a:solidFill>
-              <a:latin typeface="Impact" panose="020B0806030902050204" pitchFamily="34" charset="0"/>
-              <a:ea typeface="宋体" panose="02010600030101010101" pitchFamily="2" charset="-122"/>
-            </a:endParaRPr>
-          </a:p>
-        </p:txBody>
-      </p:sp>
+        </p:txBody>
+      </p:sp>
+      <p:pic>
+        <p:nvPicPr>
+          <p:cNvPr id="2" name="图片 1"/>
+          <p:cNvPicPr>
+            <a:picLocks noChangeAspect="1"/>
+          </p:cNvPicPr>
+          <p:nvPr/>
+        </p:nvPicPr>
+        <p:blipFill>
+          <a:blip r:embed="rId2"/>
+          <a:stretch>
+            <a:fillRect/>
+          </a:stretch>
+        </p:blipFill>
+        <p:spPr>
+          <a:xfrm>
+            <a:off x="2105660" y="3629025"/>
+            <a:ext cx="7980680" cy="2162175"/>
+          </a:xfrm>
+          <a:prstGeom prst="rect">
+            <a:avLst/>
+          </a:prstGeom>
+        </p:spPr>
+      </p:pic>
     </p:spTree>
   </p:cSld>
   <p:clrMapOvr>
@@ -7020,330 +7212,6 @@
         <p:spPr>
           <a:xfrm>
             <a:off x="2438400" y="228600"/>
-            <a:ext cx="3352800" cy="609600"/>
-          </a:xfrm>
-        </p:spPr>
-        <p:txBody>
-          <a:bodyPr vert="horz" wrap="square" lIns="91440" tIns="45720" rIns="91440" bIns="45720" anchor="ctr"/>
-          <a:p>
-            <a:pPr algn="ctr" eaLnBrk="1" hangingPunct="1"/>
-            <a:r>
-              <a:rPr lang="zh-CN" altLang="en-US" sz="2800" dirty="0">
-                <a:solidFill>
-                  <a:schemeClr val="bg1"/>
-                </a:solidFill>
-                <a:ea typeface="宋体" panose="02010600030101010101" pitchFamily="2" charset="-122"/>
-              </a:rPr>
-              <a:t>连接事件</a:t>
-            </a:r>
-            <a:endParaRPr lang="zh-CN" altLang="en-US" sz="2800" dirty="0">
-              <a:solidFill>
-                <a:schemeClr val="bg1"/>
-              </a:solidFill>
-              <a:ea typeface="宋体" panose="02010600030101010101" pitchFamily="2" charset="-122"/>
-            </a:endParaRPr>
-          </a:p>
-        </p:txBody>
-      </p:sp>
-      <p:pic>
-        <p:nvPicPr>
-          <p:cNvPr id="3" name="图片 2"/>
-          <p:cNvPicPr>
-            <a:picLocks noChangeAspect="1"/>
-          </p:cNvPicPr>
-          <p:nvPr/>
-        </p:nvPicPr>
-        <p:blipFill>
-          <a:blip r:embed="rId2"/>
-          <a:stretch>
-            <a:fillRect/>
-          </a:stretch>
-        </p:blipFill>
-        <p:spPr>
-          <a:xfrm>
-            <a:off x="2286000" y="2576195"/>
-            <a:ext cx="7619365" cy="1704975"/>
-          </a:xfrm>
-          <a:prstGeom prst="rect">
-            <a:avLst/>
-          </a:prstGeom>
-        </p:spPr>
-      </p:pic>
-    </p:spTree>
-  </p:cSld>
-  <p:clrMapOvr>
-    <a:masterClrMapping/>
-  </p:clrMapOvr>
-  <p:transition spd="med"/>
-</p:sld>
-</file>
-
-<file path=ppt/slides/slide24.xml><?xml version="1.0" encoding="utf-8"?>
-<p:sld xmlns:a="http://schemas.openxmlformats.org/drawingml/2006/main" xmlns:r="http://schemas.openxmlformats.org/officeDocument/2006/relationships" xmlns:p="http://schemas.openxmlformats.org/presentationml/2006/main">
-  <p:cSld>
-    <p:bg>
-      <p:bgPr>
-        <a:blipFill rotWithShape="0">
-          <a:blip r:embed="rId1"/>
-          <a:stretch>
-            <a:fillRect/>
-          </a:stretch>
-        </a:blipFill>
-        <a:effectLst/>
-      </p:bgPr>
-    </p:bg>
-    <p:spTree>
-      <p:nvGrpSpPr>
-        <p:cNvPr id="1" name=""/>
-        <p:cNvGrpSpPr/>
-        <p:nvPr/>
-      </p:nvGrpSpPr>
-      <p:grpSpPr/>
-      <p:sp>
-        <p:nvSpPr>
-          <p:cNvPr id="6146" name="Rectangle 2"/>
-          <p:cNvSpPr>
-            <a:spLocks noGrp="1"/>
-          </p:cNvSpPr>
-          <p:nvPr>
-            <p:ph type="title"/>
-          </p:nvPr>
-        </p:nvSpPr>
-        <p:spPr>
-          <a:xfrm>
-            <a:off x="2438400" y="228600"/>
-            <a:ext cx="4472305" cy="609600"/>
-          </a:xfrm>
-        </p:spPr>
-        <p:txBody>
-          <a:bodyPr vert="horz" wrap="square" lIns="91440" tIns="45720" rIns="91440" bIns="45720" anchor="ctr"/>
-          <a:p>
-            <a:pPr algn="ctr" eaLnBrk="1" hangingPunct="1"/>
-            <a:r>
-              <a:rPr lang="en-US" altLang="zh-CN" sz="2800" dirty="0">
-                <a:solidFill>
-                  <a:schemeClr val="bg1"/>
-                </a:solidFill>
-                <a:ea typeface="宋体" panose="02010600030101010101" pitchFamily="2" charset="-122"/>
-              </a:rPr>
-              <a:t>BLE (ATT): Client / Server </a:t>
-            </a:r>
-            <a:endParaRPr lang="en-US" altLang="zh-CN" sz="2800" dirty="0">
-              <a:solidFill>
-                <a:schemeClr val="bg1"/>
-              </a:solidFill>
-              <a:ea typeface="宋体" panose="02010600030101010101" pitchFamily="2" charset="-122"/>
-            </a:endParaRPr>
-          </a:p>
-        </p:txBody>
-      </p:sp>
-      <p:sp>
-        <p:nvSpPr>
-          <p:cNvPr id="6147" name="Rectangle 3"/>
-          <p:cNvSpPr>
-            <a:spLocks noGrp="1"/>
-          </p:cNvSpPr>
-          <p:nvPr>
-            <p:ph type="body" sz="half" idx="1"/>
-          </p:nvPr>
-        </p:nvSpPr>
-        <p:spPr>
-          <a:xfrm>
-            <a:off x="2590800" y="990600"/>
-            <a:ext cx="7010400" cy="4800600"/>
-          </a:xfrm>
-        </p:spPr>
-        <p:txBody>
-          <a:bodyPr vert="horz" wrap="square" lIns="91440" tIns="45720" rIns="91440" bIns="45720" anchor="t"/>
-          <a:p>
-            <a:pPr marL="0" indent="0" eaLnBrk="1" hangingPunct="1"/>
-            <a:r>
-              <a:rPr lang="en-US" altLang="zh-CN" sz="1600" b="0" dirty="0">
-                <a:solidFill>
-                  <a:srgbClr val="00CC00"/>
-                </a:solidFill>
-                <a:latin typeface="Impact" panose="020B0806030902050204" pitchFamily="34" charset="0"/>
-                <a:ea typeface="宋体" panose="02010600030101010101" pitchFamily="2" charset="-122"/>
-              </a:rPr>
-              <a:t>�服务设备提供数据，客户端使用这些数据</a:t>
-            </a:r>
-            <a:endParaRPr lang="en-US" altLang="zh-CN" sz="1600" b="0" dirty="0">
-              <a:solidFill>
-                <a:srgbClr val="00CC00"/>
-              </a:solidFill>
-              <a:latin typeface="Impact" panose="020B0806030902050204" pitchFamily="34" charset="0"/>
-              <a:ea typeface="宋体" panose="02010600030101010101" pitchFamily="2" charset="-122"/>
-            </a:endParaRPr>
-          </a:p>
-          <a:p>
-            <a:pPr marL="0" indent="0" eaLnBrk="1" hangingPunct="1"/>
-            <a:r>
-              <a:rPr lang="en-US" altLang="zh-CN" sz="1600" b="0" dirty="0">
-                <a:solidFill>
-                  <a:srgbClr val="00CC00"/>
-                </a:solidFill>
-                <a:latin typeface="Impact" panose="020B0806030902050204" pitchFamily="34" charset="0"/>
-                <a:ea typeface="宋体" panose="02010600030101010101" pitchFamily="2" charset="-122"/>
-              </a:rPr>
-              <a:t>�服务端通过操作属性的方式，提供数据访问服务</a:t>
-            </a:r>
-            <a:endParaRPr lang="en-US" altLang="zh-CN" sz="1600" b="0" dirty="0">
-              <a:solidFill>
-                <a:srgbClr val="00CC00"/>
-              </a:solidFill>
-              <a:latin typeface="Impact" panose="020B0806030902050204" pitchFamily="34" charset="0"/>
-              <a:ea typeface="宋体" panose="02010600030101010101" pitchFamily="2" charset="-122"/>
-            </a:endParaRPr>
-          </a:p>
-          <a:p>
-            <a:pPr marL="0" indent="0" eaLnBrk="1" hangingPunct="1"/>
-            <a:r>
-              <a:rPr lang="en-US" altLang="zh-CN" sz="1600" b="0" dirty="0">
-                <a:solidFill>
-                  <a:srgbClr val="00CC00"/>
-                </a:solidFill>
-                <a:latin typeface="Impact" panose="020B0806030902050204" pitchFamily="34" charset="0"/>
-                <a:ea typeface="宋体" panose="02010600030101010101" pitchFamily="2" charset="-122"/>
-              </a:rPr>
-              <a:t>�设备的服务/客户角色，不依赖于GAP层中心设备/外围设</a:t>
-            </a:r>
-            <a:endParaRPr lang="en-US" altLang="zh-CN" sz="1600" b="0" dirty="0">
-              <a:solidFill>
-                <a:srgbClr val="00CC00"/>
-              </a:solidFill>
-              <a:latin typeface="Impact" panose="020B0806030902050204" pitchFamily="34" charset="0"/>
-              <a:ea typeface="宋体" panose="02010600030101010101" pitchFamily="2" charset="-122"/>
-            </a:endParaRPr>
-          </a:p>
-          <a:p>
-            <a:pPr marL="0" indent="0" eaLnBrk="1" hangingPunct="1"/>
-            <a:r>
-              <a:rPr lang="en-US" altLang="zh-CN" sz="1600" b="0" dirty="0">
-                <a:solidFill>
-                  <a:srgbClr val="00CC00"/>
-                </a:solidFill>
-                <a:latin typeface="Impact" panose="020B0806030902050204" pitchFamily="34" charset="0"/>
-                <a:ea typeface="宋体" panose="02010600030101010101" pitchFamily="2" charset="-122"/>
-              </a:rPr>
-              <a:t>备角色，和LL层的master/slave 角色定义</a:t>
-            </a:r>
-            <a:endParaRPr lang="en-US" altLang="zh-CN" sz="1600" b="0" dirty="0">
-              <a:solidFill>
-                <a:srgbClr val="00CC00"/>
-              </a:solidFill>
-              <a:latin typeface="Impact" panose="020B0806030902050204" pitchFamily="34" charset="0"/>
-              <a:ea typeface="宋体" panose="02010600030101010101" pitchFamily="2" charset="-122"/>
-            </a:endParaRPr>
-          </a:p>
-          <a:p>
-            <a:pPr marL="0" indent="0" eaLnBrk="1" hangingPunct="1"/>
-            <a:r>
-              <a:rPr lang="en-US" altLang="zh-CN" sz="1600" b="0" dirty="0">
-                <a:solidFill>
-                  <a:srgbClr val="00CC00"/>
-                </a:solidFill>
-                <a:latin typeface="Impact" panose="020B0806030902050204" pitchFamily="34" charset="0"/>
-                <a:ea typeface="宋体" panose="02010600030101010101" pitchFamily="2" charset="-122"/>
-              </a:rPr>
-              <a:t>�一个设备可能同时做为一个客户端和服务端，而两个设备</a:t>
-            </a:r>
-            <a:endParaRPr lang="en-US" altLang="zh-CN" sz="1600" b="0" dirty="0">
-              <a:solidFill>
-                <a:srgbClr val="00CC00"/>
-              </a:solidFill>
-              <a:latin typeface="Impact" panose="020B0806030902050204" pitchFamily="34" charset="0"/>
-              <a:ea typeface="宋体" panose="02010600030101010101" pitchFamily="2" charset="-122"/>
-            </a:endParaRPr>
-          </a:p>
-          <a:p>
-            <a:pPr marL="0" indent="0" eaLnBrk="1" hangingPunct="1"/>
-            <a:r>
-              <a:rPr lang="en-US" altLang="zh-CN" sz="1600" b="0" dirty="0">
-                <a:solidFill>
-                  <a:srgbClr val="00CC00"/>
-                </a:solidFill>
-                <a:latin typeface="Impact" panose="020B0806030902050204" pitchFamily="34" charset="0"/>
-                <a:ea typeface="宋体" panose="02010600030101010101" pitchFamily="2" charset="-122"/>
-              </a:rPr>
-              <a:t>上的属性不会相互影响。</a:t>
-            </a:r>
-            <a:endParaRPr lang="en-US" altLang="zh-CN" sz="1600" b="0" dirty="0">
-              <a:solidFill>
-                <a:srgbClr val="00CC00"/>
-              </a:solidFill>
-              <a:latin typeface="Impact" panose="020B0806030902050204" pitchFamily="34" charset="0"/>
-              <a:ea typeface="宋体" panose="02010600030101010101" pitchFamily="2" charset="-122"/>
-            </a:endParaRPr>
-          </a:p>
-        </p:txBody>
-      </p:sp>
-      <p:pic>
-        <p:nvPicPr>
-          <p:cNvPr id="2" name="图片 1"/>
-          <p:cNvPicPr>
-            <a:picLocks noChangeAspect="1"/>
-          </p:cNvPicPr>
-          <p:nvPr/>
-        </p:nvPicPr>
-        <p:blipFill>
-          <a:blip r:embed="rId2"/>
-          <a:stretch>
-            <a:fillRect/>
-          </a:stretch>
-        </p:blipFill>
-        <p:spPr>
-          <a:xfrm>
-            <a:off x="2105660" y="3554095"/>
-            <a:ext cx="7980680" cy="2162175"/>
-          </a:xfrm>
-          <a:prstGeom prst="rect">
-            <a:avLst/>
-          </a:prstGeom>
-        </p:spPr>
-      </p:pic>
-    </p:spTree>
-  </p:cSld>
-  <p:clrMapOvr>
-    <a:masterClrMapping/>
-  </p:clrMapOvr>
-  <p:transition spd="med"/>
-</p:sld>
-</file>
-
-<file path=ppt/slides/slide25.xml><?xml version="1.0" encoding="utf-8"?>
-<p:sld xmlns:a="http://schemas.openxmlformats.org/drawingml/2006/main" xmlns:r="http://schemas.openxmlformats.org/officeDocument/2006/relationships" xmlns:p="http://schemas.openxmlformats.org/presentationml/2006/main">
-  <p:cSld>
-    <p:bg>
-      <p:bgPr>
-        <a:blipFill rotWithShape="0">
-          <a:blip r:embed="rId1"/>
-          <a:stretch>
-            <a:fillRect/>
-          </a:stretch>
-        </a:blipFill>
-        <a:effectLst/>
-      </p:bgPr>
-    </p:bg>
-    <p:spTree>
-      <p:nvGrpSpPr>
-        <p:cNvPr id="1" name=""/>
-        <p:cNvGrpSpPr/>
-        <p:nvPr/>
-      </p:nvGrpSpPr>
-      <p:grpSpPr/>
-      <p:sp>
-        <p:nvSpPr>
-          <p:cNvPr id="6146" name="Rectangle 2"/>
-          <p:cNvSpPr>
-            <a:spLocks noGrp="1"/>
-          </p:cNvSpPr>
-          <p:nvPr>
-            <p:ph type="title"/>
-          </p:nvPr>
-        </p:nvSpPr>
-        <p:spPr>
-          <a:xfrm>
-            <a:off x="2438400" y="228600"/>
             <a:ext cx="4520565" cy="609600"/>
           </a:xfrm>
         </p:spPr>
@@ -7358,7 +7226,7 @@
                 </a:solidFill>
                 <a:ea typeface="宋体" panose="02010600030101010101" pitchFamily="2" charset="-122"/>
               </a:rPr>
-              <a:t>BLE: (GATT) Client / Server </a:t>
+              <a:t>GATT: Client / Server </a:t>
             </a:r>
             <a:endParaRPr lang="en-US" altLang="zh-CN" sz="2800" dirty="0">
               <a:solidFill>
@@ -7532,7 +7400,7 @@
 </p:sld>
 </file>
 
-<file path=ppt/slides/slide26.xml><?xml version="1.0" encoding="utf-8"?>
+<file path=ppt/slides/slide24.xml><?xml version="1.0" encoding="utf-8"?>
 <p:sld xmlns:a="http://schemas.openxmlformats.org/drawingml/2006/main" xmlns:r="http://schemas.openxmlformats.org/officeDocument/2006/relationships" xmlns:p="http://schemas.openxmlformats.org/presentationml/2006/main">
   <p:cSld>
     <p:bg>
@@ -7580,7 +7448,7 @@
                 </a:solidFill>
                 <a:ea typeface="宋体" panose="02010600030101010101" pitchFamily="2" charset="-122"/>
               </a:rPr>
-              <a:t>BLE (GATT):Client Commands</a:t>
+              <a:t>GATT:Client Commands</a:t>
             </a:r>
             <a:endParaRPr lang="en-US" altLang="zh-CN" sz="2800" dirty="0">
               <a:solidFill>
@@ -7906,7 +7774,7 @@
 </p:sld>
 </file>
 
-<file path=ppt/slides/slide27.xml><?xml version="1.0" encoding="utf-8"?>
+<file path=ppt/slides/slide25.xml><?xml version="1.0" encoding="utf-8"?>
 <p:sld xmlns:a="http://schemas.openxmlformats.org/drawingml/2006/main" xmlns:r="http://schemas.openxmlformats.org/officeDocument/2006/relationships" xmlns:p="http://schemas.openxmlformats.org/presentationml/2006/main">
   <p:cSld>
     <p:bg>
@@ -7929,7 +7797,7 @@
       <p:grpSpPr/>
       <p:sp>
         <p:nvSpPr>
-          <p:cNvPr id="6146" name="Rectangle 2"/>
+          <p:cNvPr id="5122" name="Rectangle 2"/>
           <p:cNvSpPr>
             <a:spLocks noGrp="1"/>
           </p:cNvSpPr>
@@ -7939,283 +7807,41 @@
         </p:nvSpPr>
         <p:spPr>
           <a:xfrm>
-            <a:off x="2438400" y="228600"/>
-            <a:ext cx="3352800" cy="609600"/>
+            <a:off x="2932430" y="1927860"/>
+            <a:ext cx="6327140" cy="1499235"/>
           </a:xfrm>
         </p:spPr>
         <p:txBody>
-          <a:bodyPr vert="horz" wrap="square" lIns="91440" tIns="45720" rIns="91440" bIns="45720" anchor="ctr"/>
+          <a:bodyPr vert="horz" wrap="square" lIns="91440" tIns="45720" rIns="91440" bIns="45720" anchor="ctr">
+            <a:scene3d>
+              <a:camera prst="orthographicFront"/>
+              <a:lightRig rig="soft" dir="t">
+                <a:rot lat="0" lon="0" rev="15600000"/>
+              </a:lightRig>
+            </a:scene3d>
+            <a:sp3d extrusionH="57150" prstMaterial="softEdge">
+              <a:bevelT w="25400" h="38100"/>
+            </a:sp3d>
+          </a:bodyPr>
           <a:p>
             <a:pPr algn="ctr" eaLnBrk="1" hangingPunct="1"/>
             <a:r>
-              <a:rPr lang="en-US" altLang="zh-CN" sz="2800" dirty="0">
-                <a:solidFill>
-                  <a:schemeClr val="bg1"/>
-                </a:solidFill>
-                <a:ea typeface="宋体" panose="02010600030101010101" pitchFamily="2" charset="-122"/>
-              </a:rPr>
-              <a:t>Your Topic Goes Here</a:t>
-            </a:r>
-            <a:endParaRPr lang="en-US" altLang="zh-CN" sz="2800" dirty="0">
-              <a:solidFill>
-                <a:schemeClr val="bg1"/>
-              </a:solidFill>
-              <a:ea typeface="宋体" panose="02010600030101010101" pitchFamily="2" charset="-122"/>
-            </a:endParaRPr>
-          </a:p>
-        </p:txBody>
-      </p:sp>
-      <p:sp>
-        <p:nvSpPr>
-          <p:cNvPr id="6147" name="Rectangle 3"/>
-          <p:cNvSpPr>
-            <a:spLocks noGrp="1"/>
-          </p:cNvSpPr>
-          <p:nvPr>
-            <p:ph type="body" sz="half" idx="1"/>
-          </p:nvPr>
-        </p:nvSpPr>
-        <p:spPr>
-          <a:xfrm>
-            <a:off x="2590800" y="990600"/>
-            <a:ext cx="7010400" cy="4800600"/>
-          </a:xfrm>
-        </p:spPr>
-        <p:txBody>
-          <a:bodyPr vert="horz" wrap="square" lIns="91440" tIns="45720" rIns="91440" bIns="45720" anchor="t"/>
-          <a:p>
-            <a:pPr marL="0" indent="0" eaLnBrk="1" hangingPunct="1"/>
-            <a:r>
-              <a:rPr lang="en-US" altLang="zh-CN" sz="1600" b="0" dirty="0">
-                <a:solidFill>
-                  <a:srgbClr val="00CC00"/>
-                </a:solidFill>
-                <a:latin typeface="Impact" panose="020B0806030902050204" pitchFamily="34" charset="0"/>
-                <a:ea typeface="宋体" panose="02010600030101010101" pitchFamily="2" charset="-122"/>
-              </a:rPr>
-              <a:t>Your subtopic goes here</a:t>
-            </a:r>
-            <a:endParaRPr lang="en-US" altLang="zh-CN" sz="1600" b="0" dirty="0">
-              <a:solidFill>
-                <a:srgbClr val="00CC00"/>
-              </a:solidFill>
-              <a:latin typeface="Impact" panose="020B0806030902050204" pitchFamily="34" charset="0"/>
-              <a:ea typeface="宋体" panose="02010600030101010101" pitchFamily="2" charset="-122"/>
-            </a:endParaRPr>
-          </a:p>
-        </p:txBody>
-      </p:sp>
-    </p:spTree>
-  </p:cSld>
-  <p:clrMapOvr>
-    <a:masterClrMapping/>
-  </p:clrMapOvr>
-  <p:transition spd="med"/>
-</p:sld>
-</file>
-
-<file path=ppt/slides/slide28.xml><?xml version="1.0" encoding="utf-8"?>
-<p:sld xmlns:a="http://schemas.openxmlformats.org/drawingml/2006/main" xmlns:r="http://schemas.openxmlformats.org/officeDocument/2006/relationships" xmlns:p="http://schemas.openxmlformats.org/presentationml/2006/main">
-  <p:cSld>
-    <p:bg>
-      <p:bgPr>
-        <a:blipFill rotWithShape="0">
-          <a:blip r:embed="rId1"/>
-          <a:stretch>
-            <a:fillRect/>
-          </a:stretch>
-        </a:blipFill>
-        <a:effectLst/>
-      </p:bgPr>
-    </p:bg>
-    <p:spTree>
-      <p:nvGrpSpPr>
-        <p:cNvPr id="1" name=""/>
-        <p:cNvGrpSpPr/>
-        <p:nvPr/>
-      </p:nvGrpSpPr>
-      <p:grpSpPr/>
-      <p:sp>
-        <p:nvSpPr>
-          <p:cNvPr id="6146" name="Rectangle 2"/>
-          <p:cNvSpPr>
-            <a:spLocks noGrp="1"/>
-          </p:cNvSpPr>
-          <p:nvPr>
-            <p:ph type="title"/>
-          </p:nvPr>
-        </p:nvSpPr>
-        <p:spPr>
-          <a:xfrm>
-            <a:off x="2438400" y="228600"/>
-            <a:ext cx="3352800" cy="609600"/>
-          </a:xfrm>
-        </p:spPr>
-        <p:txBody>
-          <a:bodyPr vert="horz" wrap="square" lIns="91440" tIns="45720" rIns="91440" bIns="45720" anchor="ctr"/>
-          <a:p>
-            <a:pPr algn="ctr" eaLnBrk="1" hangingPunct="1"/>
-            <a:r>
-              <a:rPr lang="en-US" altLang="zh-CN" sz="2800" dirty="0">
-                <a:solidFill>
-                  <a:schemeClr val="bg1"/>
-                </a:solidFill>
-                <a:ea typeface="宋体" panose="02010600030101010101" pitchFamily="2" charset="-122"/>
-              </a:rPr>
-              <a:t>Your Topic Goes Here</a:t>
-            </a:r>
-            <a:endParaRPr lang="en-US" altLang="zh-CN" sz="2800" dirty="0">
-              <a:solidFill>
-                <a:schemeClr val="bg1"/>
-              </a:solidFill>
-              <a:ea typeface="宋体" panose="02010600030101010101" pitchFamily="2" charset="-122"/>
-            </a:endParaRPr>
-          </a:p>
-        </p:txBody>
-      </p:sp>
-      <p:sp>
-        <p:nvSpPr>
-          <p:cNvPr id="6147" name="Rectangle 3"/>
-          <p:cNvSpPr>
-            <a:spLocks noGrp="1"/>
-          </p:cNvSpPr>
-          <p:nvPr>
-            <p:ph type="body" sz="half" idx="1"/>
-          </p:nvPr>
-        </p:nvSpPr>
-        <p:spPr>
-          <a:xfrm>
-            <a:off x="2590800" y="990600"/>
-            <a:ext cx="7010400" cy="4800600"/>
-          </a:xfrm>
-        </p:spPr>
-        <p:txBody>
-          <a:bodyPr vert="horz" wrap="square" lIns="91440" tIns="45720" rIns="91440" bIns="45720" anchor="t"/>
-          <a:p>
-            <a:pPr marL="0" indent="0" eaLnBrk="1" hangingPunct="1"/>
-            <a:r>
-              <a:rPr lang="en-US" altLang="zh-CN" sz="1600" b="0" dirty="0">
-                <a:solidFill>
-                  <a:srgbClr val="00CC00"/>
-                </a:solidFill>
-                <a:latin typeface="Impact" panose="020B0806030902050204" pitchFamily="34" charset="0"/>
-                <a:ea typeface="宋体" panose="02010600030101010101" pitchFamily="2" charset="-122"/>
-              </a:rPr>
-              <a:t>Your subtopic goes here</a:t>
-            </a:r>
-            <a:endParaRPr lang="en-US" altLang="zh-CN" sz="1600" b="0" dirty="0">
-              <a:solidFill>
-                <a:srgbClr val="00CC00"/>
-              </a:solidFill>
-              <a:latin typeface="Impact" panose="020B0806030902050204" pitchFamily="34" charset="0"/>
-              <a:ea typeface="宋体" panose="02010600030101010101" pitchFamily="2" charset="-122"/>
-            </a:endParaRPr>
-          </a:p>
-        </p:txBody>
-      </p:sp>
-    </p:spTree>
-  </p:cSld>
-  <p:clrMapOvr>
-    <a:masterClrMapping/>
-  </p:clrMapOvr>
-  <p:transition spd="med"/>
-</p:sld>
-</file>
-
-<file path=ppt/slides/slide29.xml><?xml version="1.0" encoding="utf-8"?>
-<p:sld xmlns:a="http://schemas.openxmlformats.org/drawingml/2006/main" xmlns:r="http://schemas.openxmlformats.org/officeDocument/2006/relationships" xmlns:p="http://schemas.openxmlformats.org/presentationml/2006/main">
-  <p:cSld>
-    <p:bg>
-      <p:bgPr>
-        <a:blipFill rotWithShape="0">
-          <a:blip r:embed="rId1"/>
-          <a:stretch>
-            <a:fillRect/>
-          </a:stretch>
-        </a:blipFill>
-        <a:effectLst/>
-      </p:bgPr>
-    </p:bg>
-    <p:spTree>
-      <p:nvGrpSpPr>
-        <p:cNvPr id="1" name=""/>
-        <p:cNvGrpSpPr/>
-        <p:nvPr/>
-      </p:nvGrpSpPr>
-      <p:grpSpPr/>
-      <p:sp>
-        <p:nvSpPr>
-          <p:cNvPr id="6146" name="Rectangle 2"/>
-          <p:cNvSpPr>
-            <a:spLocks noGrp="1"/>
-          </p:cNvSpPr>
-          <p:nvPr>
-            <p:ph type="title"/>
-          </p:nvPr>
-        </p:nvSpPr>
-        <p:spPr>
-          <a:xfrm>
-            <a:off x="2438400" y="228600"/>
-            <a:ext cx="3352800" cy="609600"/>
-          </a:xfrm>
-        </p:spPr>
-        <p:txBody>
-          <a:bodyPr vert="horz" wrap="square" lIns="91440" tIns="45720" rIns="91440" bIns="45720" anchor="ctr"/>
-          <a:p>
-            <a:pPr algn="ctr" eaLnBrk="1" hangingPunct="1"/>
-            <a:r>
-              <a:rPr lang="en-US" altLang="zh-CN" sz="2800" dirty="0">
-                <a:solidFill>
-                  <a:schemeClr val="bg1"/>
-                </a:solidFill>
-                <a:ea typeface="宋体" panose="02010600030101010101" pitchFamily="2" charset="-122"/>
-              </a:rPr>
-              <a:t>Your Topic Goes Here</a:t>
-            </a:r>
-            <a:endParaRPr lang="en-US" altLang="zh-CN" sz="2800" dirty="0">
-              <a:solidFill>
-                <a:schemeClr val="bg1"/>
-              </a:solidFill>
-              <a:ea typeface="宋体" panose="02010600030101010101" pitchFamily="2" charset="-122"/>
-            </a:endParaRPr>
-          </a:p>
-        </p:txBody>
-      </p:sp>
-      <p:sp>
-        <p:nvSpPr>
-          <p:cNvPr id="6147" name="Rectangle 3"/>
-          <p:cNvSpPr>
-            <a:spLocks noGrp="1"/>
-          </p:cNvSpPr>
-          <p:nvPr>
-            <p:ph type="body" sz="half" idx="1"/>
-          </p:nvPr>
-        </p:nvSpPr>
-        <p:spPr>
-          <a:xfrm>
-            <a:off x="2590800" y="990600"/>
-            <a:ext cx="7010400" cy="4800600"/>
-          </a:xfrm>
-        </p:spPr>
-        <p:txBody>
-          <a:bodyPr vert="horz" wrap="square" lIns="91440" tIns="45720" rIns="91440" bIns="45720" anchor="t"/>
-          <a:p>
-            <a:pPr marL="0" indent="0" eaLnBrk="1" hangingPunct="1"/>
-            <a:r>
-              <a:rPr lang="en-US" altLang="zh-CN" sz="1600" b="0" dirty="0">
-                <a:solidFill>
-                  <a:srgbClr val="00CC00"/>
-                </a:solidFill>
-                <a:latin typeface="Impact" panose="020B0806030902050204" pitchFamily="34" charset="0"/>
-                <a:ea typeface="宋体" panose="02010600030101010101" pitchFamily="2" charset="-122"/>
-              </a:rPr>
-              <a:t>Your subtopic goes here</a:t>
-            </a:r>
-            <a:endParaRPr lang="en-US" altLang="zh-CN" sz="1600" b="0" dirty="0">
-              <a:solidFill>
-                <a:srgbClr val="00CC00"/>
-              </a:solidFill>
-              <a:latin typeface="Impact" panose="020B0806030902050204" pitchFamily="34" charset="0"/>
+              <a:rPr lang="en-US" altLang="zh-CN" sz="5400" dirty="0">
+                <a:ln/>
+                <a:solidFill>
+                  <a:schemeClr val="accent4"/>
+                </a:solidFill>
+                <a:effectLst/>
+                <a:ea typeface="宋体" panose="02010600030101010101" pitchFamily="2" charset="-122"/>
+              </a:rPr>
+              <a:t>The End</a:t>
+            </a:r>
+            <a:endParaRPr lang="zh-CN" altLang="en-US" sz="5400" dirty="0">
+              <a:ln/>
+              <a:solidFill>
+                <a:schemeClr val="accent4"/>
+              </a:solidFill>
+              <a:effectLst/>
               <a:ea typeface="宋体" panose="02010600030101010101" pitchFamily="2" charset="-122"/>
             </a:endParaRPr>
           </a:p>
@@ -8313,114 +7939,6 @@
           </a:prstGeom>
         </p:spPr>
       </p:pic>
-    </p:spTree>
-  </p:cSld>
-  <p:clrMapOvr>
-    <a:masterClrMapping/>
-  </p:clrMapOvr>
-  <p:transition spd="med"/>
-</p:sld>
-</file>
-
-<file path=ppt/slides/slide30.xml><?xml version="1.0" encoding="utf-8"?>
-<p:sld xmlns:a="http://schemas.openxmlformats.org/drawingml/2006/main" xmlns:r="http://schemas.openxmlformats.org/officeDocument/2006/relationships" xmlns:p="http://schemas.openxmlformats.org/presentationml/2006/main">
-  <p:cSld>
-    <p:bg>
-      <p:bgPr>
-        <a:blipFill rotWithShape="0">
-          <a:blip r:embed="rId1"/>
-          <a:stretch>
-            <a:fillRect/>
-          </a:stretch>
-        </a:blipFill>
-        <a:effectLst/>
-      </p:bgPr>
-    </p:bg>
-    <p:spTree>
-      <p:nvGrpSpPr>
-        <p:cNvPr id="1" name=""/>
-        <p:cNvGrpSpPr/>
-        <p:nvPr/>
-      </p:nvGrpSpPr>
-      <p:grpSpPr/>
-      <p:sp>
-        <p:nvSpPr>
-          <p:cNvPr id="6146" name="Rectangle 2"/>
-          <p:cNvSpPr>
-            <a:spLocks noGrp="1"/>
-          </p:cNvSpPr>
-          <p:nvPr>
-            <p:ph type="title"/>
-          </p:nvPr>
-        </p:nvSpPr>
-        <p:spPr>
-          <a:xfrm>
-            <a:off x="2438400" y="228600"/>
-            <a:ext cx="3352800" cy="609600"/>
-          </a:xfrm>
-        </p:spPr>
-        <p:txBody>
-          <a:bodyPr vert="horz" wrap="square" lIns="91440" tIns="45720" rIns="91440" bIns="45720" anchor="ctr"/>
-          <a:p>
-            <a:pPr algn="ctr" eaLnBrk="1" hangingPunct="1"/>
-            <a:r>
-              <a:rPr lang="en-US" altLang="zh-CN" sz="2800" dirty="0">
-                <a:solidFill>
-                  <a:schemeClr val="bg1"/>
-                </a:solidFill>
-                <a:ea typeface="宋体" panose="02010600030101010101" pitchFamily="2" charset="-122"/>
-              </a:rPr>
-              <a:t>Your Topic Goes Here</a:t>
-            </a:r>
-            <a:endParaRPr lang="en-US" altLang="zh-CN" sz="2800" dirty="0">
-              <a:solidFill>
-                <a:schemeClr val="bg1"/>
-              </a:solidFill>
-              <a:ea typeface="宋体" panose="02010600030101010101" pitchFamily="2" charset="-122"/>
-            </a:endParaRPr>
-          </a:p>
-        </p:txBody>
-      </p:sp>
-      <p:sp>
-        <p:nvSpPr>
-          <p:cNvPr id="6147" name="Rectangle 3"/>
-          <p:cNvSpPr>
-            <a:spLocks noGrp="1"/>
-          </p:cNvSpPr>
-          <p:nvPr>
-            <p:ph type="body" sz="half" idx="1"/>
-          </p:nvPr>
-        </p:nvSpPr>
-        <p:spPr>
-          <a:xfrm>
-            <a:off x="2590800" y="990600"/>
-            <a:ext cx="7010400" cy="4800600"/>
-          </a:xfrm>
-        </p:spPr>
-        <p:txBody>
-          <a:bodyPr vert="horz" wrap="square" lIns="91440" tIns="45720" rIns="91440" bIns="45720" anchor="t"/>
-          <a:p>
-            <a:pPr marL="0" indent="0" eaLnBrk="1" hangingPunct="1"/>
-            <a:r>
-              <a:rPr lang="en-US" altLang="zh-CN" sz="1600" b="0" dirty="0">
-                <a:solidFill>
-                  <a:srgbClr val="00CC00"/>
-                </a:solidFill>
-                <a:latin typeface="Impact" panose="020B0806030902050204" pitchFamily="34" charset="0"/>
-                <a:ea typeface="宋体" panose="02010600030101010101" pitchFamily="2" charset="-122"/>
-              </a:rPr>
-              <a:t>Your subtopic goes here</a:t>
-            </a:r>
-            <a:endParaRPr lang="en-US" altLang="zh-CN" sz="1600" b="0" dirty="0">
-              <a:solidFill>
-                <a:srgbClr val="00CC00"/>
-              </a:solidFill>
-              <a:latin typeface="Impact" panose="020B0806030902050204" pitchFamily="34" charset="0"/>
-              <a:ea typeface="宋体" panose="02010600030101010101" pitchFamily="2" charset="-122"/>
-            </a:endParaRPr>
-          </a:p>
-        </p:txBody>
-      </p:sp>
     </p:spTree>
   </p:cSld>
   <p:clrMapOvr>
@@ -9149,7 +8667,7 @@
                 </a:solidFill>
                 <a:ea typeface="宋体" panose="02010600030101010101" pitchFamily="2" charset="-122"/>
               </a:rPr>
-              <a:t>电动玩具</a:t>
+              <a:t>键盘应用</a:t>
             </a:r>
             <a:endParaRPr lang="en-US" altLang="zh-CN" dirty="0">
               <a:solidFill>
@@ -9176,8 +8694,8 @@
         </p:blipFill>
         <p:spPr>
           <a:xfrm>
-            <a:off x="2219960" y="1820545"/>
-            <a:ext cx="7752080" cy="2580640"/>
+            <a:off x="2605405" y="1736725"/>
+            <a:ext cx="6981190" cy="3075940"/>
           </a:xfrm>
           <a:prstGeom prst="rect">
             <a:avLst/>
